--- a/previous_question/2장-인구통계.pptx
+++ b/previous_question/2장-인구통계.pptx
@@ -17,7 +17,8 @@
     <p:sldId id="282" r:id="rId11"/>
     <p:sldId id="283" r:id="rId12"/>
     <p:sldId id="278" r:id="rId13"/>
-    <p:sldId id="279" r:id="rId14"/>
+    <p:sldId id="284" r:id="rId14"/>
+    <p:sldId id="279" r:id="rId15"/>
   </p:sldIdLst>
   <p:sldSz cx="12192000" cy="6858000"/>
   <p:notesSz cx="6858000" cy="9144000"/>
@@ -4436,6 +4437,1257 @@
 </file>
 
 <file path=ppt/slides/slide13.xml><?xml version="1.0" encoding="utf-8"?>
+<p:sld xmlns:a="http://schemas.openxmlformats.org/drawingml/2006/main" xmlns:r="http://schemas.openxmlformats.org/officeDocument/2006/relationships" xmlns:p="http://schemas.openxmlformats.org/presentationml/2006/main">
+  <p:cSld>
+    <p:spTree>
+      <p:nvGrpSpPr>
+        <p:cNvPr id="1" name=""/>
+        <p:cNvGrpSpPr/>
+        <p:nvPr/>
+      </p:nvGrpSpPr>
+      <p:grpSpPr>
+        <a:xfrm>
+          <a:off x="0" y="0"/>
+          <a:ext cx="0" cy="0"/>
+          <a:chOff x="0" y="0"/>
+          <a:chExt cx="0" cy="0"/>
+        </a:xfrm>
+      </p:grpSpPr>
+      <p:pic>
+        <p:nvPicPr>
+          <p:cNvPr id="5" name="그림 4">
+            <a:extLst>
+              <a:ext uri="{FF2B5EF4-FFF2-40B4-BE49-F238E27FC236}">
+                <a16:creationId xmlns:a16="http://schemas.microsoft.com/office/drawing/2014/main" id="{91460193-CFD6-4902-A6CE-22499F7B04F2}"/>
+              </a:ext>
+            </a:extLst>
+          </p:cNvPr>
+          <p:cNvPicPr>
+            <a:picLocks noChangeAspect="1"/>
+          </p:cNvPicPr>
+          <p:nvPr/>
+        </p:nvPicPr>
+        <p:blipFill>
+          <a:blip r:embed="rId2">
+            <a:extLst>
+              <a:ext uri="{28A0092B-C50C-407E-A947-70E740481C1C}">
+                <a14:useLocalDpi xmlns:a14="http://schemas.microsoft.com/office/drawing/2010/main" val="0"/>
+              </a:ext>
+            </a:extLst>
+          </a:blip>
+          <a:stretch>
+            <a:fillRect/>
+          </a:stretch>
+        </p:blipFill>
+        <p:spPr>
+          <a:xfrm>
+            <a:off x="108783" y="741683"/>
+            <a:ext cx="3949363" cy="2027642"/>
+          </a:xfrm>
+          <a:prstGeom prst="rect">
+            <a:avLst/>
+          </a:prstGeom>
+        </p:spPr>
+      </p:pic>
+      <p:pic>
+        <p:nvPicPr>
+          <p:cNvPr id="7" name="그림 6">
+            <a:extLst>
+              <a:ext uri="{FF2B5EF4-FFF2-40B4-BE49-F238E27FC236}">
+                <a16:creationId xmlns:a16="http://schemas.microsoft.com/office/drawing/2014/main" id="{4A29E9B8-2EED-412A-8C00-5155931D51AE}"/>
+              </a:ext>
+            </a:extLst>
+          </p:cNvPr>
+          <p:cNvPicPr>
+            <a:picLocks noChangeAspect="1"/>
+          </p:cNvPicPr>
+          <p:nvPr/>
+        </p:nvPicPr>
+        <p:blipFill>
+          <a:blip r:embed="rId3">
+            <a:extLst>
+              <a:ext uri="{28A0092B-C50C-407E-A947-70E740481C1C}">
+                <a14:useLocalDpi xmlns:a14="http://schemas.microsoft.com/office/drawing/2010/main" val="0"/>
+              </a:ext>
+            </a:extLst>
+          </a:blip>
+          <a:stretch>
+            <a:fillRect/>
+          </a:stretch>
+        </p:blipFill>
+        <p:spPr>
+          <a:xfrm>
+            <a:off x="4058146" y="741683"/>
+            <a:ext cx="4010291" cy="2227940"/>
+          </a:xfrm>
+          <a:prstGeom prst="rect">
+            <a:avLst/>
+          </a:prstGeom>
+        </p:spPr>
+      </p:pic>
+      <p:pic>
+        <p:nvPicPr>
+          <p:cNvPr id="9" name="그림 8">
+            <a:extLst>
+              <a:ext uri="{FF2B5EF4-FFF2-40B4-BE49-F238E27FC236}">
+                <a16:creationId xmlns:a16="http://schemas.microsoft.com/office/drawing/2014/main" id="{36498026-7B65-416D-A9B8-6639A8C6C293}"/>
+              </a:ext>
+            </a:extLst>
+          </p:cNvPr>
+          <p:cNvPicPr>
+            <a:picLocks noChangeAspect="1"/>
+          </p:cNvPicPr>
+          <p:nvPr/>
+        </p:nvPicPr>
+        <p:blipFill>
+          <a:blip r:embed="rId4">
+            <a:extLst>
+              <a:ext uri="{28A0092B-C50C-407E-A947-70E740481C1C}">
+                <a14:useLocalDpi xmlns:a14="http://schemas.microsoft.com/office/drawing/2010/main" val="0"/>
+              </a:ext>
+            </a:extLst>
+          </a:blip>
+          <a:stretch>
+            <a:fillRect/>
+          </a:stretch>
+        </p:blipFill>
+        <p:spPr>
+          <a:xfrm>
+            <a:off x="7960397" y="741683"/>
+            <a:ext cx="3869503" cy="2384694"/>
+          </a:xfrm>
+          <a:prstGeom prst="rect">
+            <a:avLst/>
+          </a:prstGeom>
+        </p:spPr>
+      </p:pic>
+      <p:sp>
+        <p:nvSpPr>
+          <p:cNvPr id="10" name="TextBox 9">
+            <a:extLst>
+              <a:ext uri="{FF2B5EF4-FFF2-40B4-BE49-F238E27FC236}">
+                <a16:creationId xmlns:a16="http://schemas.microsoft.com/office/drawing/2014/main" id="{059D16A5-2242-4518-9BB8-43314AE19682}"/>
+              </a:ext>
+            </a:extLst>
+          </p:cNvPr>
+          <p:cNvSpPr txBox="1"/>
+          <p:nvPr/>
+        </p:nvSpPr>
+        <p:spPr>
+          <a:xfrm>
+            <a:off x="108783" y="464684"/>
+            <a:ext cx="2097031" cy="276999"/>
+          </a:xfrm>
+          <a:prstGeom prst="rect">
+            <a:avLst/>
+          </a:prstGeom>
+          <a:noFill/>
+        </p:spPr>
+        <p:txBody>
+          <a:bodyPr wrap="square" rtlCol="0">
+            <a:spAutoFit/>
+          </a:bodyPr>
+          <a:lstStyle/>
+          <a:p>
+            <a:r>
+              <a:rPr lang="en-US" altLang="ko-KR" sz="1200" dirty="0">
+                <a:latin typeface="KoPub돋움체 Bold" panose="02020603020101020101" pitchFamily="18" charset="-127"/>
+                <a:ea typeface="KoPub돋움체 Bold" panose="02020603020101020101" pitchFamily="18" charset="-127"/>
+              </a:rPr>
+              <a:t>2019</a:t>
+            </a:r>
+            <a:r>
+              <a:rPr lang="ko-KR" altLang="en-US" sz="1200" dirty="0">
+                <a:latin typeface="KoPub돋움체 Bold" panose="02020603020101020101" pitchFamily="18" charset="-127"/>
+                <a:ea typeface="KoPub돋움체 Bold" panose="02020603020101020101" pitchFamily="18" charset="-127"/>
+              </a:rPr>
+              <a:t>년도 </a:t>
+            </a:r>
+            <a:r>
+              <a:rPr lang="en-US" altLang="ko-KR" sz="1200" dirty="0">
+                <a:latin typeface="KoPub돋움체 Bold" panose="02020603020101020101" pitchFamily="18" charset="-127"/>
+                <a:ea typeface="KoPub돋움체 Bold" panose="02020603020101020101" pitchFamily="18" charset="-127"/>
+              </a:rPr>
+              <a:t>1</a:t>
+            </a:r>
+            <a:r>
+              <a:rPr lang="ko-KR" altLang="en-US" sz="1200" dirty="0">
+                <a:latin typeface="KoPub돋움체 Bold" panose="02020603020101020101" pitchFamily="18" charset="-127"/>
+                <a:ea typeface="KoPub돋움체 Bold" panose="02020603020101020101" pitchFamily="18" charset="-127"/>
+              </a:rPr>
+              <a:t>학기</a:t>
+            </a:r>
+          </a:p>
+        </p:txBody>
+      </p:sp>
+      <p:sp>
+        <p:nvSpPr>
+          <p:cNvPr id="11" name="TextBox 10">
+            <a:extLst>
+              <a:ext uri="{FF2B5EF4-FFF2-40B4-BE49-F238E27FC236}">
+                <a16:creationId xmlns:a16="http://schemas.microsoft.com/office/drawing/2014/main" id="{6490F0FC-BB05-485E-8DA4-884760DA2CCA}"/>
+              </a:ext>
+            </a:extLst>
+          </p:cNvPr>
+          <p:cNvSpPr txBox="1"/>
+          <p:nvPr/>
+        </p:nvSpPr>
+        <p:spPr>
+          <a:xfrm>
+            <a:off x="4058146" y="464684"/>
+            <a:ext cx="2097031" cy="276999"/>
+          </a:xfrm>
+          <a:prstGeom prst="rect">
+            <a:avLst/>
+          </a:prstGeom>
+          <a:noFill/>
+        </p:spPr>
+        <p:txBody>
+          <a:bodyPr wrap="square" rtlCol="0">
+            <a:spAutoFit/>
+          </a:bodyPr>
+          <a:lstStyle/>
+          <a:p>
+            <a:r>
+              <a:rPr lang="en-US" altLang="ko-KR" sz="1200" dirty="0">
+                <a:latin typeface="KoPub돋움체 Bold" panose="02020603020101020101" pitchFamily="18" charset="-127"/>
+                <a:ea typeface="KoPub돋움체 Bold" panose="02020603020101020101" pitchFamily="18" charset="-127"/>
+              </a:rPr>
+              <a:t>2017</a:t>
+            </a:r>
+            <a:r>
+              <a:rPr lang="ko-KR" altLang="en-US" sz="1200" dirty="0">
+                <a:latin typeface="KoPub돋움체 Bold" panose="02020603020101020101" pitchFamily="18" charset="-127"/>
+                <a:ea typeface="KoPub돋움체 Bold" panose="02020603020101020101" pitchFamily="18" charset="-127"/>
+              </a:rPr>
+              <a:t>년도 </a:t>
+            </a:r>
+            <a:r>
+              <a:rPr lang="en-US" altLang="ko-KR" sz="1200" dirty="0">
+                <a:latin typeface="KoPub돋움체 Bold" panose="02020603020101020101" pitchFamily="18" charset="-127"/>
+                <a:ea typeface="KoPub돋움체 Bold" panose="02020603020101020101" pitchFamily="18" charset="-127"/>
+              </a:rPr>
+              <a:t>1</a:t>
+            </a:r>
+            <a:r>
+              <a:rPr lang="ko-KR" altLang="en-US" sz="1200" dirty="0">
+                <a:latin typeface="KoPub돋움체 Bold" panose="02020603020101020101" pitchFamily="18" charset="-127"/>
+                <a:ea typeface="KoPub돋움체 Bold" panose="02020603020101020101" pitchFamily="18" charset="-127"/>
+              </a:rPr>
+              <a:t>학기</a:t>
+            </a:r>
+          </a:p>
+        </p:txBody>
+      </p:sp>
+      <p:sp>
+        <p:nvSpPr>
+          <p:cNvPr id="12" name="TextBox 11">
+            <a:extLst>
+              <a:ext uri="{FF2B5EF4-FFF2-40B4-BE49-F238E27FC236}">
+                <a16:creationId xmlns:a16="http://schemas.microsoft.com/office/drawing/2014/main" id="{7B08325E-9D94-4E8A-AEF6-35408DD326FE}"/>
+              </a:ext>
+            </a:extLst>
+          </p:cNvPr>
+          <p:cNvSpPr txBox="1"/>
+          <p:nvPr/>
+        </p:nvSpPr>
+        <p:spPr>
+          <a:xfrm>
+            <a:off x="8068437" y="464684"/>
+            <a:ext cx="2097031" cy="276999"/>
+          </a:xfrm>
+          <a:prstGeom prst="rect">
+            <a:avLst/>
+          </a:prstGeom>
+          <a:noFill/>
+        </p:spPr>
+        <p:txBody>
+          <a:bodyPr wrap="square" rtlCol="0">
+            <a:spAutoFit/>
+          </a:bodyPr>
+          <a:lstStyle/>
+          <a:p>
+            <a:r>
+              <a:rPr lang="en-US" altLang="ko-KR" sz="1200" dirty="0">
+                <a:latin typeface="KoPub돋움체 Bold" panose="02020603020101020101" pitchFamily="18" charset="-127"/>
+                <a:ea typeface="KoPub돋움체 Bold" panose="02020603020101020101" pitchFamily="18" charset="-127"/>
+              </a:rPr>
+              <a:t>2015</a:t>
+            </a:r>
+            <a:r>
+              <a:rPr lang="ko-KR" altLang="en-US" sz="1200" dirty="0">
+                <a:latin typeface="KoPub돋움체 Bold" panose="02020603020101020101" pitchFamily="18" charset="-127"/>
+                <a:ea typeface="KoPub돋움체 Bold" panose="02020603020101020101" pitchFamily="18" charset="-127"/>
+              </a:rPr>
+              <a:t>년도 </a:t>
+            </a:r>
+            <a:r>
+              <a:rPr lang="en-US" altLang="ko-KR" sz="1200" dirty="0">
+                <a:latin typeface="KoPub돋움체 Bold" panose="02020603020101020101" pitchFamily="18" charset="-127"/>
+                <a:ea typeface="KoPub돋움체 Bold" panose="02020603020101020101" pitchFamily="18" charset="-127"/>
+              </a:rPr>
+              <a:t>1</a:t>
+            </a:r>
+            <a:r>
+              <a:rPr lang="ko-KR" altLang="en-US" sz="1200" dirty="0">
+                <a:latin typeface="KoPub돋움체 Bold" panose="02020603020101020101" pitchFamily="18" charset="-127"/>
+                <a:ea typeface="KoPub돋움체 Bold" panose="02020603020101020101" pitchFamily="18" charset="-127"/>
+              </a:rPr>
+              <a:t>학기</a:t>
+            </a:r>
+          </a:p>
+        </p:txBody>
+      </p:sp>
+      <p:sp>
+        <p:nvSpPr>
+          <p:cNvPr id="13" name="직사각형 12">
+            <a:extLst>
+              <a:ext uri="{FF2B5EF4-FFF2-40B4-BE49-F238E27FC236}">
+                <a16:creationId xmlns:a16="http://schemas.microsoft.com/office/drawing/2014/main" id="{82343A0D-0B03-472B-8DC9-BE642C43CECD}"/>
+              </a:ext>
+            </a:extLst>
+          </p:cNvPr>
+          <p:cNvSpPr/>
+          <p:nvPr/>
+        </p:nvSpPr>
+        <p:spPr>
+          <a:xfrm>
+            <a:off x="2044230" y="2408686"/>
+            <a:ext cx="594467" cy="160343"/>
+          </a:xfrm>
+          <a:prstGeom prst="rect">
+            <a:avLst/>
+          </a:prstGeom>
+          <a:noFill/>
+          <a:ln w="25400">
+            <a:solidFill>
+              <a:srgbClr val="C00000"/>
+            </a:solidFill>
+          </a:ln>
+        </p:spPr>
+        <p:style>
+          <a:lnRef idx="2">
+            <a:schemeClr val="accent1">
+              <a:shade val="50000"/>
+            </a:schemeClr>
+          </a:lnRef>
+          <a:fillRef idx="1">
+            <a:schemeClr val="accent1"/>
+          </a:fillRef>
+          <a:effectRef idx="0">
+            <a:schemeClr val="accent1"/>
+          </a:effectRef>
+          <a:fontRef idx="minor">
+            <a:schemeClr val="lt1"/>
+          </a:fontRef>
+        </p:style>
+        <p:txBody>
+          <a:bodyPr rtlCol="0" anchor="ctr"/>
+          <a:lstStyle/>
+          <a:p>
+            <a:pPr algn="ctr"/>
+            <a:endParaRPr lang="ko-KR" altLang="en-US"/>
+          </a:p>
+        </p:txBody>
+      </p:sp>
+      <p:sp>
+        <p:nvSpPr>
+          <p:cNvPr id="14" name="직사각형 13">
+            <a:extLst>
+              <a:ext uri="{FF2B5EF4-FFF2-40B4-BE49-F238E27FC236}">
+                <a16:creationId xmlns:a16="http://schemas.microsoft.com/office/drawing/2014/main" id="{76C85FB7-29CE-4ADB-8365-10E4CC09EB2B}"/>
+              </a:ext>
+            </a:extLst>
+          </p:cNvPr>
+          <p:cNvSpPr/>
+          <p:nvPr/>
+        </p:nvSpPr>
+        <p:spPr>
+          <a:xfrm>
+            <a:off x="4214961" y="1595161"/>
+            <a:ext cx="3300536" cy="137846"/>
+          </a:xfrm>
+          <a:prstGeom prst="rect">
+            <a:avLst/>
+          </a:prstGeom>
+          <a:noFill/>
+          <a:ln w="25400">
+            <a:solidFill>
+              <a:srgbClr val="C00000"/>
+            </a:solidFill>
+          </a:ln>
+        </p:spPr>
+        <p:style>
+          <a:lnRef idx="2">
+            <a:schemeClr val="accent1">
+              <a:shade val="50000"/>
+            </a:schemeClr>
+          </a:lnRef>
+          <a:fillRef idx="1">
+            <a:schemeClr val="accent1"/>
+          </a:fillRef>
+          <a:effectRef idx="0">
+            <a:schemeClr val="accent1"/>
+          </a:effectRef>
+          <a:fontRef idx="minor">
+            <a:schemeClr val="lt1"/>
+          </a:fontRef>
+        </p:style>
+        <p:txBody>
+          <a:bodyPr rtlCol="0" anchor="ctr"/>
+          <a:lstStyle/>
+          <a:p>
+            <a:pPr algn="ctr"/>
+            <a:endParaRPr lang="ko-KR" altLang="en-US"/>
+          </a:p>
+        </p:txBody>
+      </p:sp>
+      <p:sp>
+        <p:nvSpPr>
+          <p:cNvPr id="15" name="직사각형 14">
+            <a:extLst>
+              <a:ext uri="{FF2B5EF4-FFF2-40B4-BE49-F238E27FC236}">
+                <a16:creationId xmlns:a16="http://schemas.microsoft.com/office/drawing/2014/main" id="{AD048326-0488-4565-8B97-DB81F0F73021}"/>
+              </a:ext>
+            </a:extLst>
+          </p:cNvPr>
+          <p:cNvSpPr/>
+          <p:nvPr/>
+        </p:nvSpPr>
+        <p:spPr>
+          <a:xfrm>
+            <a:off x="8225252" y="2689153"/>
+            <a:ext cx="3604648" cy="437224"/>
+          </a:xfrm>
+          <a:prstGeom prst="rect">
+            <a:avLst/>
+          </a:prstGeom>
+          <a:noFill/>
+          <a:ln w="25400">
+            <a:solidFill>
+              <a:srgbClr val="C00000"/>
+            </a:solidFill>
+          </a:ln>
+        </p:spPr>
+        <p:style>
+          <a:lnRef idx="2">
+            <a:schemeClr val="accent1">
+              <a:shade val="50000"/>
+            </a:schemeClr>
+          </a:lnRef>
+          <a:fillRef idx="1">
+            <a:schemeClr val="accent1"/>
+          </a:fillRef>
+          <a:effectRef idx="0">
+            <a:schemeClr val="accent1"/>
+          </a:effectRef>
+          <a:fontRef idx="minor">
+            <a:schemeClr val="lt1"/>
+          </a:fontRef>
+        </p:style>
+        <p:txBody>
+          <a:bodyPr rtlCol="0" anchor="ctr"/>
+          <a:lstStyle/>
+          <a:p>
+            <a:pPr algn="ctr"/>
+            <a:endParaRPr lang="ko-KR" altLang="en-US"/>
+          </a:p>
+        </p:txBody>
+      </p:sp>
+      <p:sp>
+        <p:nvSpPr>
+          <p:cNvPr id="16" name="TextBox 15">
+            <a:extLst>
+              <a:ext uri="{FF2B5EF4-FFF2-40B4-BE49-F238E27FC236}">
+                <a16:creationId xmlns:a16="http://schemas.microsoft.com/office/drawing/2014/main" id="{86E7F393-78CF-44E6-82CE-5B822FCD5EEC}"/>
+              </a:ext>
+            </a:extLst>
+          </p:cNvPr>
+          <p:cNvSpPr txBox="1"/>
+          <p:nvPr/>
+        </p:nvSpPr>
+        <p:spPr>
+          <a:xfrm>
+            <a:off x="108783" y="3785534"/>
+            <a:ext cx="4010292" cy="2308324"/>
+          </a:xfrm>
+          <a:prstGeom prst="rect">
+            <a:avLst/>
+          </a:prstGeom>
+          <a:noFill/>
+        </p:spPr>
+        <p:txBody>
+          <a:bodyPr wrap="square">
+            <a:spAutoFit/>
+          </a:bodyPr>
+          <a:lstStyle/>
+          <a:p>
+            <a:r>
+              <a:rPr lang="ko-KR" altLang="en-US" sz="1200" b="0" i="0" dirty="0">
+                <a:solidFill>
+                  <a:srgbClr val="C00000"/>
+                </a:solidFill>
+                <a:effectLst/>
+                <a:latin typeface="KoPub돋움체 Bold" panose="02020603020101020101" pitchFamily="18" charset="-127"/>
+                <a:ea typeface="KoPub돋움체 Bold" panose="02020603020101020101" pitchFamily="18" charset="-127"/>
+              </a:rPr>
+              <a:t>나</a:t>
+            </a:r>
+            <a:r>
+              <a:rPr lang="ko-KR" altLang="en-US" sz="1200" b="0" i="0" dirty="0">
+                <a:effectLst/>
+                <a:latin typeface="KoPub돋움체 Bold" panose="02020603020101020101" pitchFamily="18" charset="-127"/>
+                <a:ea typeface="KoPub돋움체 Bold" panose="02020603020101020101" pitchFamily="18" charset="-127"/>
+              </a:rPr>
+              <a:t> </a:t>
+            </a:r>
+            <a:r>
+              <a:rPr lang="en-US" altLang="ko-KR" sz="1200" b="0" i="0" dirty="0">
+                <a:effectLst/>
+                <a:latin typeface="KoPub돋움체 Bold" panose="02020603020101020101" pitchFamily="18" charset="-127"/>
+                <a:ea typeface="KoPub돋움체 Bold" panose="02020603020101020101" pitchFamily="18" charset="-127"/>
+              </a:rPr>
+              <a:t>– </a:t>
+            </a:r>
+            <a:r>
+              <a:rPr lang="ko-KR" altLang="en-US" sz="1200" b="0" i="0" dirty="0" err="1">
+                <a:effectLst/>
+                <a:latin typeface="KoPub돋움체 Bold" panose="02020603020101020101" pitchFamily="18" charset="-127"/>
+                <a:ea typeface="KoPub돋움체 Bold" panose="02020603020101020101" pitchFamily="18" charset="-127"/>
+              </a:rPr>
+              <a:t>인구동태통계는</a:t>
+            </a:r>
+            <a:r>
+              <a:rPr lang="ko-KR" altLang="en-US" sz="1200" b="0" i="0" dirty="0">
+                <a:effectLst/>
+                <a:latin typeface="KoPub돋움체 Bold" panose="02020603020101020101" pitchFamily="18" charset="-127"/>
+                <a:ea typeface="KoPub돋움체 Bold" panose="02020603020101020101" pitchFamily="18" charset="-127"/>
+              </a:rPr>
+              <a:t> 사망</a:t>
+            </a:r>
+            <a:r>
+              <a:rPr lang="en-US" altLang="ko-KR" sz="1200" b="0" i="0" dirty="0">
+                <a:effectLst/>
+                <a:latin typeface="KoPub돋움체 Bold" panose="02020603020101020101" pitchFamily="18" charset="-127"/>
+                <a:ea typeface="KoPub돋움체 Bold" panose="02020603020101020101" pitchFamily="18" charset="-127"/>
+              </a:rPr>
+              <a:t>, </a:t>
+            </a:r>
+            <a:r>
+              <a:rPr lang="ko-KR" altLang="en-US" sz="1200" b="0" i="0" dirty="0">
+                <a:effectLst/>
+                <a:latin typeface="KoPub돋움체 Bold" panose="02020603020101020101" pitchFamily="18" charset="-127"/>
+                <a:ea typeface="KoPub돋움체 Bold" panose="02020603020101020101" pitchFamily="18" charset="-127"/>
+              </a:rPr>
+              <a:t>출생</a:t>
+            </a:r>
+            <a:r>
+              <a:rPr lang="en-US" altLang="ko-KR" sz="1200" b="0" i="0" dirty="0">
+                <a:effectLst/>
+                <a:latin typeface="KoPub돋움체 Bold" panose="02020603020101020101" pitchFamily="18" charset="-127"/>
+                <a:ea typeface="KoPub돋움체 Bold" panose="02020603020101020101" pitchFamily="18" charset="-127"/>
+              </a:rPr>
+              <a:t>, </a:t>
+            </a:r>
+            <a:r>
+              <a:rPr lang="ko-KR" altLang="en-US" sz="1200" b="0" i="0" dirty="0">
+                <a:effectLst/>
+                <a:latin typeface="KoPub돋움체 Bold" panose="02020603020101020101" pitchFamily="18" charset="-127"/>
+                <a:ea typeface="KoPub돋움체 Bold" panose="02020603020101020101" pitchFamily="18" charset="-127"/>
+              </a:rPr>
+              <a:t>이동이므로 동태통계가 아닌 </a:t>
+            </a:r>
+            <a:r>
+              <a:rPr lang="ko-KR" altLang="en-US" sz="1200" b="0" i="0" dirty="0">
+                <a:solidFill>
+                  <a:srgbClr val="00B0F0"/>
+                </a:solidFill>
+                <a:effectLst/>
+                <a:latin typeface="KoPub돋움체 Bold" panose="02020603020101020101" pitchFamily="18" charset="-127"/>
+                <a:ea typeface="KoPub돋움체 Bold" panose="02020603020101020101" pitchFamily="18" charset="-127"/>
+              </a:rPr>
+              <a:t>정태통</a:t>
+            </a:r>
+            <a:r>
+              <a:rPr lang="ko-KR" altLang="en-US" sz="1200" b="0" i="0" dirty="0">
+                <a:effectLst/>
+                <a:latin typeface="KoPub돋움체 Bold" panose="02020603020101020101" pitchFamily="18" charset="-127"/>
+                <a:ea typeface="KoPub돋움체 Bold" panose="02020603020101020101" pitchFamily="18" charset="-127"/>
+              </a:rPr>
+              <a:t>계이다</a:t>
+            </a:r>
+            <a:r>
+              <a:rPr lang="en-US" altLang="ko-KR" sz="1200" b="0" i="0" dirty="0">
+                <a:effectLst/>
+                <a:latin typeface="KoPub돋움체 Bold" panose="02020603020101020101" pitchFamily="18" charset="-127"/>
+                <a:ea typeface="KoPub돋움체 Bold" panose="02020603020101020101" pitchFamily="18" charset="-127"/>
+              </a:rPr>
+              <a:t>.</a:t>
+            </a:r>
+          </a:p>
+          <a:p>
+            <a:r>
+              <a:rPr lang="ko-KR" altLang="en-US" sz="1200" dirty="0">
+                <a:solidFill>
+                  <a:srgbClr val="C00000"/>
+                </a:solidFill>
+                <a:latin typeface="KoPub돋움체 Bold" panose="02020603020101020101" pitchFamily="18" charset="-127"/>
+                <a:ea typeface="KoPub돋움체 Bold" panose="02020603020101020101" pitchFamily="18" charset="-127"/>
+              </a:rPr>
+              <a:t>다 </a:t>
+            </a:r>
+            <a:r>
+              <a:rPr lang="en-US" altLang="ko-KR" sz="1200" dirty="0">
+                <a:latin typeface="KoPub돋움체 Bold" panose="02020603020101020101" pitchFamily="18" charset="-127"/>
+                <a:ea typeface="KoPub돋움체 Bold" panose="02020603020101020101" pitchFamily="18" charset="-127"/>
+              </a:rPr>
+              <a:t>– </a:t>
+            </a:r>
+            <a:r>
+              <a:rPr lang="ko-KR" altLang="en-US" sz="1200" dirty="0">
+                <a:latin typeface="KoPub돋움체 Bold" panose="02020603020101020101" pitchFamily="18" charset="-127"/>
+                <a:ea typeface="KoPub돋움체 Bold" panose="02020603020101020101" pitchFamily="18" charset="-127"/>
+              </a:rPr>
+              <a:t>설명이 </a:t>
+            </a:r>
+            <a:r>
+              <a:rPr lang="ko-KR" altLang="en-US" sz="1200" dirty="0" err="1">
+                <a:latin typeface="KoPub돋움체 Bold" panose="02020603020101020101" pitchFamily="18" charset="-127"/>
+                <a:ea typeface="KoPub돋움체 Bold" panose="02020603020101020101" pitchFamily="18" charset="-127"/>
+              </a:rPr>
+              <a:t>맞는것</a:t>
+            </a:r>
+            <a:r>
+              <a:rPr lang="ko-KR" altLang="en-US" sz="1200" dirty="0">
+                <a:latin typeface="KoPub돋움체 Bold" panose="02020603020101020101" pitchFamily="18" charset="-127"/>
+                <a:ea typeface="KoPub돋움체 Bold" panose="02020603020101020101" pitchFamily="18" charset="-127"/>
+              </a:rPr>
+              <a:t> 처럼 보이나 표본오차가 아닌 </a:t>
+            </a:r>
+            <a:r>
+              <a:rPr lang="ko-KR" altLang="en-US" sz="1200" dirty="0" err="1">
+                <a:solidFill>
+                  <a:srgbClr val="00B0F0"/>
+                </a:solidFill>
+                <a:latin typeface="KoPub돋움체 Bold" panose="02020603020101020101" pitchFamily="18" charset="-127"/>
+                <a:ea typeface="KoPub돋움체 Bold" panose="02020603020101020101" pitchFamily="18" charset="-127"/>
+              </a:rPr>
+              <a:t>조사오차</a:t>
+            </a:r>
+            <a:r>
+              <a:rPr lang="ko-KR" altLang="en-US" sz="1200" dirty="0" err="1">
+                <a:latin typeface="KoPub돋움체 Bold" panose="02020603020101020101" pitchFamily="18" charset="-127"/>
+                <a:ea typeface="KoPub돋움체 Bold" panose="02020603020101020101" pitchFamily="18" charset="-127"/>
+              </a:rPr>
+              <a:t>이다</a:t>
+            </a:r>
+            <a:r>
+              <a:rPr lang="en-US" altLang="ko-KR" sz="1200" dirty="0">
+                <a:latin typeface="KoPub돋움체 Bold" panose="02020603020101020101" pitchFamily="18" charset="-127"/>
+                <a:ea typeface="KoPub돋움체 Bold" panose="02020603020101020101" pitchFamily="18" charset="-127"/>
+              </a:rPr>
+              <a:t>.</a:t>
+            </a:r>
+          </a:p>
+          <a:p>
+            <a:endParaRPr lang="en-US" altLang="ko-KR" sz="1200" b="0" i="0" dirty="0">
+              <a:effectLst/>
+              <a:latin typeface="KoPub돋움체 Bold" panose="02020603020101020101" pitchFamily="18" charset="-127"/>
+              <a:ea typeface="KoPub돋움체 Bold" panose="02020603020101020101" pitchFamily="18" charset="-127"/>
+            </a:endParaRPr>
+          </a:p>
+          <a:p>
+            <a:r>
+              <a:rPr lang="ko-KR" altLang="en-US" sz="1200" i="1" u="sng" dirty="0">
+                <a:solidFill>
+                  <a:srgbClr val="00B0F0"/>
+                </a:solidFill>
+                <a:latin typeface="KoPub돋움체 Bold" panose="02020603020101020101" pitchFamily="18" charset="-127"/>
+                <a:ea typeface="KoPub돋움체 Bold" panose="02020603020101020101" pitchFamily="18" charset="-127"/>
+              </a:rPr>
+              <a:t>조사오차</a:t>
+            </a:r>
+            <a:r>
+              <a:rPr lang="ko-KR" altLang="en-US" sz="1200" dirty="0">
+                <a:latin typeface="KoPub돋움체 Bold" panose="02020603020101020101" pitchFamily="18" charset="-127"/>
+                <a:ea typeface="KoPub돋움체 Bold" panose="02020603020101020101" pitchFamily="18" charset="-127"/>
+              </a:rPr>
+              <a:t> </a:t>
+            </a:r>
+            <a:r>
+              <a:rPr lang="en-US" altLang="ko-KR" sz="1200" dirty="0">
+                <a:latin typeface="KoPub돋움체 Bold" panose="02020603020101020101" pitchFamily="18" charset="-127"/>
+                <a:ea typeface="KoPub돋움체 Bold" panose="02020603020101020101" pitchFamily="18" charset="-127"/>
+              </a:rPr>
+              <a:t>– </a:t>
+            </a:r>
+            <a:r>
+              <a:rPr lang="ko-KR" altLang="en-US" sz="1200" dirty="0">
+                <a:latin typeface="KoPub돋움체 Bold" panose="02020603020101020101" pitchFamily="18" charset="-127"/>
+                <a:ea typeface="KoPub돋움체 Bold" panose="02020603020101020101" pitchFamily="18" charset="-127"/>
+              </a:rPr>
+              <a:t>통계조사에서 참값과 </a:t>
+            </a:r>
+            <a:r>
+              <a:rPr lang="ko-KR" altLang="en-US" sz="1200" dirty="0" err="1">
+                <a:latin typeface="KoPub돋움체 Bold" panose="02020603020101020101" pitchFamily="18" charset="-127"/>
+                <a:ea typeface="KoPub돋움체 Bold" panose="02020603020101020101" pitchFamily="18" charset="-127"/>
+              </a:rPr>
+              <a:t>추정값의</a:t>
+            </a:r>
+            <a:r>
+              <a:rPr lang="ko-KR" altLang="en-US" sz="1200" dirty="0">
+                <a:latin typeface="KoPub돋움체 Bold" panose="02020603020101020101" pitchFamily="18" charset="-127"/>
+                <a:ea typeface="KoPub돋움체 Bold" panose="02020603020101020101" pitchFamily="18" charset="-127"/>
+              </a:rPr>
+              <a:t> 차이를 조사 </a:t>
+            </a:r>
+            <a:r>
+              <a:rPr lang="ko-KR" altLang="en-US" sz="1200" dirty="0" err="1">
+                <a:latin typeface="KoPub돋움체 Bold" panose="02020603020101020101" pitchFamily="18" charset="-127"/>
+                <a:ea typeface="KoPub돋움체 Bold" panose="02020603020101020101" pitchFamily="18" charset="-127"/>
+              </a:rPr>
+              <a:t>오차라고한다</a:t>
+            </a:r>
+            <a:r>
+              <a:rPr lang="en-US" altLang="ko-KR" sz="1200" dirty="0">
+                <a:latin typeface="KoPub돋움체 Bold" panose="02020603020101020101" pitchFamily="18" charset="-127"/>
+                <a:ea typeface="KoPub돋움체 Bold" panose="02020603020101020101" pitchFamily="18" charset="-127"/>
+              </a:rPr>
+              <a:t>. </a:t>
+            </a:r>
+            <a:r>
+              <a:rPr lang="ko-KR" altLang="en-US" sz="1200" dirty="0">
+                <a:latin typeface="KoPub돋움체 Bold" panose="02020603020101020101" pitchFamily="18" charset="-127"/>
+                <a:ea typeface="KoPub돋움체 Bold" panose="02020603020101020101" pitchFamily="18" charset="-127"/>
+              </a:rPr>
+              <a:t>조사오차는 표본오차와 </a:t>
+            </a:r>
+            <a:r>
+              <a:rPr lang="ko-KR" altLang="en-US" sz="1200" dirty="0" err="1">
+                <a:latin typeface="KoPub돋움체 Bold" panose="02020603020101020101" pitchFamily="18" charset="-127"/>
+                <a:ea typeface="KoPub돋움체 Bold" panose="02020603020101020101" pitchFamily="18" charset="-127"/>
+              </a:rPr>
+              <a:t>비표본오차가</a:t>
+            </a:r>
+            <a:r>
+              <a:rPr lang="ko-KR" altLang="en-US" sz="1200" dirty="0">
+                <a:latin typeface="KoPub돋움체 Bold" panose="02020603020101020101" pitchFamily="18" charset="-127"/>
+                <a:ea typeface="KoPub돋움체 Bold" panose="02020603020101020101" pitchFamily="18" charset="-127"/>
+              </a:rPr>
+              <a:t> 있다</a:t>
+            </a:r>
+            <a:r>
+              <a:rPr lang="en-US" altLang="ko-KR" sz="1200" dirty="0">
+                <a:latin typeface="KoPub돋움체 Bold" panose="02020603020101020101" pitchFamily="18" charset="-127"/>
+                <a:ea typeface="KoPub돋움체 Bold" panose="02020603020101020101" pitchFamily="18" charset="-127"/>
+              </a:rPr>
+              <a:t>.</a:t>
+            </a:r>
+          </a:p>
+          <a:p>
+            <a:endParaRPr lang="en-US" altLang="ko-KR" sz="1200" dirty="0">
+              <a:latin typeface="KoPub돋움체 Bold" panose="02020603020101020101" pitchFamily="18" charset="-127"/>
+              <a:ea typeface="KoPub돋움체 Bold" panose="02020603020101020101" pitchFamily="18" charset="-127"/>
+            </a:endParaRPr>
+          </a:p>
+          <a:p>
+            <a:r>
+              <a:rPr lang="ko-KR" altLang="en-US" sz="1200" b="0" i="1" u="sng" dirty="0">
+                <a:solidFill>
+                  <a:srgbClr val="00B0F0"/>
+                </a:solidFill>
+                <a:effectLst/>
+                <a:latin typeface="KoPub돋움체 Bold" panose="02020603020101020101" pitchFamily="18" charset="-127"/>
+                <a:ea typeface="KoPub돋움체 Bold" panose="02020603020101020101" pitchFamily="18" charset="-127"/>
+              </a:rPr>
+              <a:t>표본오차</a:t>
+            </a:r>
+            <a:r>
+              <a:rPr lang="ko-KR" altLang="en-US" sz="1200" b="0" i="0" dirty="0">
+                <a:effectLst/>
+                <a:latin typeface="KoPub돋움체 Bold" panose="02020603020101020101" pitchFamily="18" charset="-127"/>
+                <a:ea typeface="KoPub돋움체 Bold" panose="02020603020101020101" pitchFamily="18" charset="-127"/>
+              </a:rPr>
+              <a:t> </a:t>
+            </a:r>
+            <a:r>
+              <a:rPr lang="en-US" altLang="ko-KR" sz="1200" b="0" i="0" dirty="0">
+                <a:effectLst/>
+                <a:latin typeface="KoPub돋움체 Bold" panose="02020603020101020101" pitchFamily="18" charset="-127"/>
+                <a:ea typeface="KoPub돋움체 Bold" panose="02020603020101020101" pitchFamily="18" charset="-127"/>
+              </a:rPr>
+              <a:t>– </a:t>
+            </a:r>
+            <a:r>
+              <a:rPr lang="ko-KR" altLang="en-US" sz="1200" b="0" i="0" dirty="0">
+                <a:effectLst/>
+                <a:latin typeface="KoPub돋움체 Bold" panose="02020603020101020101" pitchFamily="18" charset="-127"/>
+                <a:ea typeface="KoPub돋움체 Bold" panose="02020603020101020101" pitchFamily="18" charset="-127"/>
+              </a:rPr>
+              <a:t>자료 전체가 아닌 일부의 표본을 뽑아 조사해서 발생하는 오차</a:t>
+            </a:r>
+            <a:endParaRPr lang="en-US" altLang="ko-KR" sz="1200" b="0" i="0" dirty="0">
+              <a:effectLst/>
+              <a:latin typeface="KoPub돋움체 Bold" panose="02020603020101020101" pitchFamily="18" charset="-127"/>
+              <a:ea typeface="KoPub돋움체 Bold" panose="02020603020101020101" pitchFamily="18" charset="-127"/>
+            </a:endParaRPr>
+          </a:p>
+          <a:p>
+            <a:endParaRPr lang="en-US" altLang="ko-KR" sz="1200" b="0" i="0" dirty="0">
+              <a:effectLst/>
+              <a:latin typeface="KoPub돋움체 Bold" panose="02020603020101020101" pitchFamily="18" charset="-127"/>
+              <a:ea typeface="KoPub돋움체 Bold" panose="02020603020101020101" pitchFamily="18" charset="-127"/>
+            </a:endParaRPr>
+          </a:p>
+          <a:p>
+            <a:r>
+              <a:rPr lang="ko-KR" altLang="en-US" sz="1200" i="1" u="sng" dirty="0" err="1">
+                <a:solidFill>
+                  <a:srgbClr val="00B0F0"/>
+                </a:solidFill>
+                <a:latin typeface="KoPub돋움체 Bold" panose="02020603020101020101" pitchFamily="18" charset="-127"/>
+                <a:ea typeface="KoPub돋움체 Bold" panose="02020603020101020101" pitchFamily="18" charset="-127"/>
+              </a:rPr>
+              <a:t>비표본오차</a:t>
+            </a:r>
+            <a:r>
+              <a:rPr lang="ko-KR" altLang="en-US" sz="1200" dirty="0">
+                <a:latin typeface="KoPub돋움체 Bold" panose="02020603020101020101" pitchFamily="18" charset="-127"/>
+                <a:ea typeface="KoPub돋움체 Bold" panose="02020603020101020101" pitchFamily="18" charset="-127"/>
+              </a:rPr>
+              <a:t> </a:t>
+            </a:r>
+            <a:r>
+              <a:rPr lang="en-US" altLang="ko-KR" sz="1200" dirty="0">
+                <a:latin typeface="KoPub돋움체 Bold" panose="02020603020101020101" pitchFamily="18" charset="-127"/>
+                <a:ea typeface="KoPub돋움체 Bold" panose="02020603020101020101" pitchFamily="18" charset="-127"/>
+              </a:rPr>
+              <a:t>– </a:t>
+            </a:r>
+            <a:r>
+              <a:rPr lang="ko-KR" altLang="en-US" sz="1200" dirty="0">
+                <a:latin typeface="KoPub돋움체 Bold" panose="02020603020101020101" pitchFamily="18" charset="-127"/>
+                <a:ea typeface="KoPub돋움체 Bold" panose="02020603020101020101" pitchFamily="18" charset="-127"/>
+              </a:rPr>
+              <a:t>면접방법이나 질문지 구성방식의 오류</a:t>
+            </a:r>
+            <a:r>
+              <a:rPr lang="en-US" altLang="ko-KR" sz="1200" dirty="0">
+                <a:latin typeface="KoPub돋움체 Bold" panose="02020603020101020101" pitchFamily="18" charset="-127"/>
+                <a:ea typeface="KoPub돋움체 Bold" panose="02020603020101020101" pitchFamily="18" charset="-127"/>
+              </a:rPr>
+              <a:t>, </a:t>
+            </a:r>
+            <a:r>
+              <a:rPr lang="ko-KR" altLang="en-US" sz="1200" dirty="0">
+                <a:latin typeface="KoPub돋움체 Bold" panose="02020603020101020101" pitchFamily="18" charset="-127"/>
+                <a:ea typeface="KoPub돋움체 Bold" panose="02020603020101020101" pitchFamily="18" charset="-127"/>
+              </a:rPr>
+              <a:t>조사원의 자질 등 조사의 전체에 서 발생할 수 있는 오차</a:t>
+            </a:r>
+            <a:r>
+              <a:rPr lang="en-US" altLang="ko-KR" sz="1200" dirty="0">
+                <a:latin typeface="KoPub돋움체 Bold" panose="02020603020101020101" pitchFamily="18" charset="-127"/>
+                <a:ea typeface="KoPub돋움체 Bold" panose="02020603020101020101" pitchFamily="18" charset="-127"/>
+              </a:rPr>
+              <a:t>.</a:t>
+            </a:r>
+            <a:endParaRPr lang="en-US" altLang="ko-KR" sz="1200" b="0" i="0" dirty="0">
+              <a:effectLst/>
+              <a:latin typeface="KoPub돋움체 Bold" panose="02020603020101020101" pitchFamily="18" charset="-127"/>
+              <a:ea typeface="KoPub돋움체 Bold" panose="02020603020101020101" pitchFamily="18" charset="-127"/>
+            </a:endParaRPr>
+          </a:p>
+        </p:txBody>
+      </p:sp>
+      <p:sp>
+        <p:nvSpPr>
+          <p:cNvPr id="17" name="타원 16">
+            <a:extLst>
+              <a:ext uri="{FF2B5EF4-FFF2-40B4-BE49-F238E27FC236}">
+                <a16:creationId xmlns:a16="http://schemas.microsoft.com/office/drawing/2014/main" id="{B2B7D218-49C7-4351-8822-A108219E634A}"/>
+              </a:ext>
+            </a:extLst>
+          </p:cNvPr>
+          <p:cNvSpPr/>
+          <p:nvPr/>
+        </p:nvSpPr>
+        <p:spPr>
+          <a:xfrm>
+            <a:off x="371838" y="957603"/>
+            <a:ext cx="260371" cy="260371"/>
+          </a:xfrm>
+          <a:prstGeom prst="ellipse">
+            <a:avLst/>
+          </a:prstGeom>
+          <a:noFill/>
+          <a:ln w="38100">
+            <a:solidFill>
+              <a:srgbClr val="92D050"/>
+            </a:solidFill>
+          </a:ln>
+        </p:spPr>
+        <p:style>
+          <a:lnRef idx="2">
+            <a:schemeClr val="accent1">
+              <a:shade val="50000"/>
+            </a:schemeClr>
+          </a:lnRef>
+          <a:fillRef idx="1">
+            <a:schemeClr val="accent1"/>
+          </a:fillRef>
+          <a:effectRef idx="0">
+            <a:schemeClr val="accent1"/>
+          </a:effectRef>
+          <a:fontRef idx="minor">
+            <a:schemeClr val="lt1"/>
+          </a:fontRef>
+        </p:style>
+        <p:txBody>
+          <a:bodyPr rtlCol="0" anchor="ctr"/>
+          <a:lstStyle/>
+          <a:p>
+            <a:pPr algn="ctr"/>
+            <a:endParaRPr lang="ko-KR" altLang="en-US"/>
+          </a:p>
+        </p:txBody>
+      </p:sp>
+      <p:sp>
+        <p:nvSpPr>
+          <p:cNvPr id="18" name="타원 17">
+            <a:extLst>
+              <a:ext uri="{FF2B5EF4-FFF2-40B4-BE49-F238E27FC236}">
+                <a16:creationId xmlns:a16="http://schemas.microsoft.com/office/drawing/2014/main" id="{150B11B9-2A32-4F53-8E8D-3F4B9CEAE478}"/>
+              </a:ext>
+            </a:extLst>
+          </p:cNvPr>
+          <p:cNvSpPr/>
+          <p:nvPr/>
+        </p:nvSpPr>
+        <p:spPr>
+          <a:xfrm>
+            <a:off x="371838" y="1803844"/>
+            <a:ext cx="260371" cy="260371"/>
+          </a:xfrm>
+          <a:prstGeom prst="ellipse">
+            <a:avLst/>
+          </a:prstGeom>
+          <a:noFill/>
+          <a:ln w="38100">
+            <a:solidFill>
+              <a:srgbClr val="92D050"/>
+            </a:solidFill>
+          </a:ln>
+        </p:spPr>
+        <p:style>
+          <a:lnRef idx="2">
+            <a:schemeClr val="accent1">
+              <a:shade val="50000"/>
+            </a:schemeClr>
+          </a:lnRef>
+          <a:fillRef idx="1">
+            <a:schemeClr val="accent1"/>
+          </a:fillRef>
+          <a:effectRef idx="0">
+            <a:schemeClr val="accent1"/>
+          </a:effectRef>
+          <a:fontRef idx="minor">
+            <a:schemeClr val="lt1"/>
+          </a:fontRef>
+        </p:style>
+        <p:txBody>
+          <a:bodyPr rtlCol="0" anchor="ctr"/>
+          <a:lstStyle/>
+          <a:p>
+            <a:pPr algn="ctr"/>
+            <a:endParaRPr lang="ko-KR" altLang="en-US"/>
+          </a:p>
+        </p:txBody>
+      </p:sp>
+      <p:sp>
+        <p:nvSpPr>
+          <p:cNvPr id="19" name="TextBox 18">
+            <a:extLst>
+              <a:ext uri="{FF2B5EF4-FFF2-40B4-BE49-F238E27FC236}">
+                <a16:creationId xmlns:a16="http://schemas.microsoft.com/office/drawing/2014/main" id="{48B02D5A-14EA-474A-92A7-9F11D8D7707E}"/>
+              </a:ext>
+            </a:extLst>
+          </p:cNvPr>
+          <p:cNvSpPr txBox="1"/>
+          <p:nvPr/>
+        </p:nvSpPr>
+        <p:spPr>
+          <a:xfrm>
+            <a:off x="4406543" y="4801196"/>
+            <a:ext cx="3378913" cy="461665"/>
+          </a:xfrm>
+          <a:prstGeom prst="rect">
+            <a:avLst/>
+          </a:prstGeom>
+          <a:noFill/>
+        </p:spPr>
+        <p:txBody>
+          <a:bodyPr wrap="square">
+            <a:spAutoFit/>
+          </a:bodyPr>
+          <a:lstStyle/>
+          <a:p>
+            <a:r>
+              <a:rPr lang="ko-KR" altLang="en-US" sz="1200" b="0" i="0" dirty="0">
+                <a:effectLst/>
+                <a:latin typeface="KoPub돋움체 Bold" panose="02020603020101020101" pitchFamily="18" charset="-127"/>
+                <a:ea typeface="KoPub돋움체 Bold" panose="02020603020101020101" pitchFamily="18" charset="-127"/>
+              </a:rPr>
+              <a:t>추계기법을 적용한 추계인구는 인구정태통계가 된다</a:t>
+            </a:r>
+            <a:r>
+              <a:rPr lang="en-US" altLang="ko-KR" sz="1200" b="0" i="0" dirty="0">
+                <a:effectLst/>
+                <a:latin typeface="KoPub돋움체 Bold" panose="02020603020101020101" pitchFamily="18" charset="-127"/>
+                <a:ea typeface="KoPub돋움체 Bold" panose="02020603020101020101" pitchFamily="18" charset="-127"/>
+              </a:rPr>
+              <a:t>.</a:t>
+            </a:r>
+          </a:p>
+          <a:p>
+            <a:r>
+              <a:rPr lang="ko-KR" altLang="en-US" sz="1200" dirty="0" err="1">
+                <a:latin typeface="KoPub돋움체 Bold" panose="02020603020101020101" pitchFamily="18" charset="-127"/>
+                <a:ea typeface="KoPub돋움체 Bold" panose="02020603020101020101" pitchFamily="18" charset="-127"/>
+              </a:rPr>
+              <a:t>인구동태통계는</a:t>
+            </a:r>
+            <a:r>
+              <a:rPr lang="ko-KR" altLang="en-US" sz="1200" dirty="0">
+                <a:latin typeface="KoPub돋움체 Bold" panose="02020603020101020101" pitchFamily="18" charset="-127"/>
+                <a:ea typeface="KoPub돋움체 Bold" panose="02020603020101020101" pitchFamily="18" charset="-127"/>
+              </a:rPr>
+              <a:t> 출생</a:t>
+            </a:r>
+            <a:r>
+              <a:rPr lang="en-US" altLang="ko-KR" sz="1200" dirty="0">
+                <a:latin typeface="KoPub돋움체 Bold" panose="02020603020101020101" pitchFamily="18" charset="-127"/>
+                <a:ea typeface="KoPub돋움체 Bold" panose="02020603020101020101" pitchFamily="18" charset="-127"/>
+              </a:rPr>
+              <a:t>, </a:t>
+            </a:r>
+            <a:r>
+              <a:rPr lang="ko-KR" altLang="en-US" sz="1200" dirty="0">
+                <a:latin typeface="KoPub돋움체 Bold" panose="02020603020101020101" pitchFamily="18" charset="-127"/>
+                <a:ea typeface="KoPub돋움체 Bold" panose="02020603020101020101" pitchFamily="18" charset="-127"/>
+              </a:rPr>
+              <a:t>사망</a:t>
+            </a:r>
+            <a:r>
+              <a:rPr lang="en-US" altLang="ko-KR" sz="1200" dirty="0">
+                <a:latin typeface="KoPub돋움체 Bold" panose="02020603020101020101" pitchFamily="18" charset="-127"/>
+                <a:ea typeface="KoPub돋움체 Bold" panose="02020603020101020101" pitchFamily="18" charset="-127"/>
+              </a:rPr>
+              <a:t>, </a:t>
+            </a:r>
+            <a:r>
+              <a:rPr lang="ko-KR" altLang="en-US" sz="1200" dirty="0">
+                <a:latin typeface="KoPub돋움체 Bold" panose="02020603020101020101" pitchFamily="18" charset="-127"/>
+                <a:ea typeface="KoPub돋움체 Bold" panose="02020603020101020101" pitchFamily="18" charset="-127"/>
+              </a:rPr>
+              <a:t>이동만을 의미한다</a:t>
+            </a:r>
+            <a:r>
+              <a:rPr lang="en-US" altLang="ko-KR" sz="1200" dirty="0">
+                <a:latin typeface="KoPub돋움체 Bold" panose="02020603020101020101" pitchFamily="18" charset="-127"/>
+                <a:ea typeface="KoPub돋움체 Bold" panose="02020603020101020101" pitchFamily="18" charset="-127"/>
+              </a:rPr>
+              <a:t>.</a:t>
+            </a:r>
+            <a:endParaRPr lang="en-US" altLang="ko-KR" sz="1200" b="0" i="0" dirty="0">
+              <a:effectLst/>
+              <a:latin typeface="KoPub돋움체 Bold" panose="02020603020101020101" pitchFamily="18" charset="-127"/>
+              <a:ea typeface="KoPub돋움체 Bold" panose="02020603020101020101" pitchFamily="18" charset="-127"/>
+            </a:endParaRPr>
+          </a:p>
+        </p:txBody>
+      </p:sp>
+      <p:sp>
+        <p:nvSpPr>
+          <p:cNvPr id="20" name="TextBox 19">
+            <a:extLst>
+              <a:ext uri="{FF2B5EF4-FFF2-40B4-BE49-F238E27FC236}">
+                <a16:creationId xmlns:a16="http://schemas.microsoft.com/office/drawing/2014/main" id="{4AEB3012-8BD1-4E82-B06C-C636F7AAD4A0}"/>
+              </a:ext>
+            </a:extLst>
+          </p:cNvPr>
+          <p:cNvSpPr txBox="1"/>
+          <p:nvPr/>
+        </p:nvSpPr>
+        <p:spPr>
+          <a:xfrm>
+            <a:off x="8160322" y="4524196"/>
+            <a:ext cx="4010292" cy="1015663"/>
+          </a:xfrm>
+          <a:prstGeom prst="rect">
+            <a:avLst/>
+          </a:prstGeom>
+          <a:noFill/>
+        </p:spPr>
+        <p:txBody>
+          <a:bodyPr wrap="square">
+            <a:spAutoFit/>
+          </a:bodyPr>
+          <a:lstStyle/>
+          <a:p>
+            <a:r>
+              <a:rPr lang="ko-KR" altLang="en-US" sz="1200" dirty="0">
+                <a:latin typeface="KoPub돋움체 Bold" panose="02020603020101020101" pitchFamily="18" charset="-127"/>
+                <a:ea typeface="KoPub돋움체 Bold" panose="02020603020101020101" pitchFamily="18" charset="-127"/>
+              </a:rPr>
+              <a:t>누락과 중복을 보완하는 방법으로 사후조사의 결과를 </a:t>
+            </a:r>
+            <a:r>
+              <a:rPr lang="ko-KR" altLang="en-US" sz="1200" dirty="0" err="1">
+                <a:latin typeface="KoPub돋움체 Bold" panose="02020603020101020101" pitchFamily="18" charset="-127"/>
+                <a:ea typeface="KoPub돋움체 Bold" panose="02020603020101020101" pitchFamily="18" charset="-127"/>
+              </a:rPr>
+              <a:t>이용하는방법과</a:t>
+            </a:r>
+            <a:r>
+              <a:rPr lang="ko-KR" altLang="en-US" sz="1200" dirty="0">
+                <a:latin typeface="KoPub돋움체 Bold" panose="02020603020101020101" pitchFamily="18" charset="-127"/>
+                <a:ea typeface="KoPub돋움체 Bold" panose="02020603020101020101" pitchFamily="18" charset="-127"/>
+              </a:rPr>
+              <a:t> </a:t>
+            </a:r>
+            <a:r>
+              <a:rPr lang="ko-KR" altLang="en-US" sz="1200" dirty="0" err="1">
+                <a:latin typeface="KoPub돋움체 Bold" panose="02020603020101020101" pitchFamily="18" charset="-127"/>
+                <a:ea typeface="KoPub돋움체 Bold" panose="02020603020101020101" pitchFamily="18" charset="-127"/>
+              </a:rPr>
+              <a:t>생잔율법</a:t>
+            </a:r>
+            <a:r>
+              <a:rPr lang="en-US" altLang="ko-KR" sz="1200" dirty="0">
+                <a:latin typeface="KoPub돋움체 Bold" panose="02020603020101020101" pitchFamily="18" charset="-127"/>
+                <a:ea typeface="KoPub돋움체 Bold" panose="02020603020101020101" pitchFamily="18" charset="-127"/>
+              </a:rPr>
+              <a:t>, </a:t>
+            </a:r>
+            <a:r>
+              <a:rPr lang="ko-KR" altLang="en-US" sz="1200" dirty="0">
+                <a:solidFill>
+                  <a:srgbClr val="00B0F0"/>
+                </a:solidFill>
+                <a:latin typeface="KoPub돋움체 Bold" panose="02020603020101020101" pitchFamily="18" charset="-127"/>
+                <a:ea typeface="KoPub돋움체 Bold" panose="02020603020101020101" pitchFamily="18" charset="-127"/>
+              </a:rPr>
+              <a:t>인구균형방정식</a:t>
+            </a:r>
+            <a:r>
+              <a:rPr lang="ko-KR" altLang="en-US" sz="1200" dirty="0">
+                <a:latin typeface="KoPub돋움체 Bold" panose="02020603020101020101" pitchFamily="18" charset="-127"/>
+                <a:ea typeface="KoPub돋움체 Bold" panose="02020603020101020101" pitchFamily="18" charset="-127"/>
+              </a:rPr>
+              <a:t>이 있다</a:t>
+            </a:r>
+            <a:r>
+              <a:rPr lang="en-US" altLang="ko-KR" sz="1200" dirty="0">
+                <a:latin typeface="KoPub돋움체 Bold" panose="02020603020101020101" pitchFamily="18" charset="-127"/>
+                <a:ea typeface="KoPub돋움체 Bold" panose="02020603020101020101" pitchFamily="18" charset="-127"/>
+              </a:rPr>
+              <a:t>. </a:t>
+            </a:r>
+            <a:r>
+              <a:rPr lang="ko-KR" altLang="en-US" sz="1200" dirty="0">
+                <a:latin typeface="KoPub돋움체 Bold" panose="02020603020101020101" pitchFamily="18" charset="-127"/>
+                <a:ea typeface="KoPub돋움체 Bold" panose="02020603020101020101" pitchFamily="18" charset="-127"/>
+              </a:rPr>
+              <a:t>즉 </a:t>
+            </a:r>
+            <a:r>
+              <a:rPr lang="ko-KR" altLang="en-US" sz="1200" dirty="0">
+                <a:solidFill>
+                  <a:srgbClr val="00B0F0"/>
+                </a:solidFill>
+                <a:latin typeface="KoPub돋움체 Bold" panose="02020603020101020101" pitchFamily="18" charset="-127"/>
+                <a:ea typeface="KoPub돋움체 Bold" panose="02020603020101020101" pitchFamily="18" charset="-127"/>
+              </a:rPr>
+              <a:t>연쇄가중법</a:t>
+            </a:r>
+            <a:r>
+              <a:rPr lang="ko-KR" altLang="en-US" sz="1200" dirty="0">
+                <a:latin typeface="KoPub돋움체 Bold" panose="02020603020101020101" pitchFamily="18" charset="-127"/>
+                <a:ea typeface="KoPub돋움체 Bold" panose="02020603020101020101" pitchFamily="18" charset="-127"/>
+              </a:rPr>
+              <a:t>은 아니다</a:t>
+            </a:r>
+            <a:r>
+              <a:rPr lang="en-US" altLang="ko-KR" sz="1200" dirty="0">
+                <a:latin typeface="KoPub돋움체 Bold" panose="02020603020101020101" pitchFamily="18" charset="-127"/>
+                <a:ea typeface="KoPub돋움체 Bold" panose="02020603020101020101" pitchFamily="18" charset="-127"/>
+              </a:rPr>
+              <a:t>.</a:t>
+            </a:r>
+          </a:p>
+          <a:p>
+            <a:endParaRPr lang="en-US" altLang="ko-KR" sz="1200" b="0" i="0" dirty="0">
+              <a:effectLst/>
+              <a:latin typeface="KoPub돋움체 Bold" panose="02020603020101020101" pitchFamily="18" charset="-127"/>
+              <a:ea typeface="KoPub돋움체 Bold" panose="02020603020101020101" pitchFamily="18" charset="-127"/>
+            </a:endParaRPr>
+          </a:p>
+          <a:p>
+            <a:r>
+              <a:rPr lang="ko-KR" altLang="en-US" sz="1200" dirty="0">
+                <a:latin typeface="KoPub돋움체 Bold" panose="02020603020101020101" pitchFamily="18" charset="-127"/>
+                <a:ea typeface="KoPub돋움체 Bold" panose="02020603020101020101" pitchFamily="18" charset="-127"/>
+              </a:rPr>
+              <a:t>연쇄가중법은 인구추계가 아니라 </a:t>
+            </a:r>
+            <a:r>
+              <a:rPr lang="ko-KR" altLang="en-US" sz="1200" dirty="0">
+                <a:solidFill>
+                  <a:srgbClr val="00B0F0"/>
+                </a:solidFill>
+                <a:latin typeface="KoPub돋움체 Bold" panose="02020603020101020101" pitchFamily="18" charset="-127"/>
+                <a:ea typeface="KoPub돋움체 Bold" panose="02020603020101020101" pitchFamily="18" charset="-127"/>
+              </a:rPr>
+              <a:t>국내총생산</a:t>
+            </a:r>
+            <a:r>
+              <a:rPr lang="ko-KR" altLang="en-US" sz="1200" dirty="0">
+                <a:latin typeface="KoPub돋움체 Bold" panose="02020603020101020101" pitchFamily="18" charset="-127"/>
+                <a:ea typeface="KoPub돋움체 Bold" panose="02020603020101020101" pitchFamily="18" charset="-127"/>
+              </a:rPr>
+              <a:t> 추계에 사용된다</a:t>
+            </a:r>
+            <a:r>
+              <a:rPr lang="en-US" altLang="ko-KR" sz="1200" dirty="0">
+                <a:latin typeface="KoPub돋움체 Bold" panose="02020603020101020101" pitchFamily="18" charset="-127"/>
+                <a:ea typeface="KoPub돋움체 Bold" panose="02020603020101020101" pitchFamily="18" charset="-127"/>
+              </a:rPr>
+              <a:t>.</a:t>
+            </a:r>
+            <a:endParaRPr lang="en-US" altLang="ko-KR" sz="1200" b="0" i="0" dirty="0">
+              <a:effectLst/>
+              <a:latin typeface="KoPub돋움체 Bold" panose="02020603020101020101" pitchFamily="18" charset="-127"/>
+              <a:ea typeface="KoPub돋움체 Bold" panose="02020603020101020101" pitchFamily="18" charset="-127"/>
+            </a:endParaRPr>
+          </a:p>
+        </p:txBody>
+      </p:sp>
+    </p:spTree>
+    <p:extLst>
+      <p:ext uri="{BB962C8B-B14F-4D97-AF65-F5344CB8AC3E}">
+        <p14:creationId xmlns:p14="http://schemas.microsoft.com/office/powerpoint/2010/main" val="3193621315"/>
+      </p:ext>
+    </p:extLst>
+  </p:cSld>
+  <p:clrMapOvr>
+    <a:masterClrMapping/>
+  </p:clrMapOvr>
+</p:sld>
+</file>
+
+<file path=ppt/slides/slide14.xml><?xml version="1.0" encoding="utf-8"?>
 <p:sld xmlns:a="http://schemas.openxmlformats.org/drawingml/2006/main" xmlns:r="http://schemas.openxmlformats.org/officeDocument/2006/relationships" xmlns:p="http://schemas.openxmlformats.org/presentationml/2006/main">
   <p:cSld>
     <p:spTree>

--- a/previous_question/2장-인구통계.pptx
+++ b/previous_question/2장-인구통계.pptx
@@ -272,7 +272,7 @@
           <a:p>
             <a:fld id="{BEFD91D8-0AEC-4011-B9A2-28CCE99346D9}" type="datetimeFigureOut">
               <a:rPr lang="ko-KR" altLang="en-US" smtClean="0"/>
-              <a:t>2021-10-23</a:t>
+              <a:t>2021. 11. 26.</a:t>
             </a:fld>
             <a:endParaRPr lang="ko-KR" altLang="en-US"/>
           </a:p>
@@ -470,7 +470,7 @@
           <a:p>
             <a:fld id="{BEFD91D8-0AEC-4011-B9A2-28CCE99346D9}" type="datetimeFigureOut">
               <a:rPr lang="ko-KR" altLang="en-US" smtClean="0"/>
-              <a:t>2021-10-23</a:t>
+              <a:t>2021. 11. 26.</a:t>
             </a:fld>
             <a:endParaRPr lang="ko-KR" altLang="en-US"/>
           </a:p>
@@ -678,7 +678,7 @@
           <a:p>
             <a:fld id="{BEFD91D8-0AEC-4011-B9A2-28CCE99346D9}" type="datetimeFigureOut">
               <a:rPr lang="ko-KR" altLang="en-US" smtClean="0"/>
-              <a:t>2021-10-23</a:t>
+              <a:t>2021. 11. 26.</a:t>
             </a:fld>
             <a:endParaRPr lang="ko-KR" altLang="en-US"/>
           </a:p>
@@ -876,7 +876,7 @@
           <a:p>
             <a:fld id="{BEFD91D8-0AEC-4011-B9A2-28CCE99346D9}" type="datetimeFigureOut">
               <a:rPr lang="ko-KR" altLang="en-US" smtClean="0"/>
-              <a:t>2021-10-23</a:t>
+              <a:t>2021. 11. 26.</a:t>
             </a:fld>
             <a:endParaRPr lang="ko-KR" altLang="en-US"/>
           </a:p>
@@ -1151,7 +1151,7 @@
           <a:p>
             <a:fld id="{BEFD91D8-0AEC-4011-B9A2-28CCE99346D9}" type="datetimeFigureOut">
               <a:rPr lang="ko-KR" altLang="en-US" smtClean="0"/>
-              <a:t>2021-10-23</a:t>
+              <a:t>2021. 11. 26.</a:t>
             </a:fld>
             <a:endParaRPr lang="ko-KR" altLang="en-US"/>
           </a:p>
@@ -1416,7 +1416,7 @@
           <a:p>
             <a:fld id="{BEFD91D8-0AEC-4011-B9A2-28CCE99346D9}" type="datetimeFigureOut">
               <a:rPr lang="ko-KR" altLang="en-US" smtClean="0"/>
-              <a:t>2021-10-23</a:t>
+              <a:t>2021. 11. 26.</a:t>
             </a:fld>
             <a:endParaRPr lang="ko-KR" altLang="en-US"/>
           </a:p>
@@ -1828,7 +1828,7 @@
           <a:p>
             <a:fld id="{BEFD91D8-0AEC-4011-B9A2-28CCE99346D9}" type="datetimeFigureOut">
               <a:rPr lang="ko-KR" altLang="en-US" smtClean="0"/>
-              <a:t>2021-10-23</a:t>
+              <a:t>2021. 11. 26.</a:t>
             </a:fld>
             <a:endParaRPr lang="ko-KR" altLang="en-US"/>
           </a:p>
@@ -1969,7 +1969,7 @@
           <a:p>
             <a:fld id="{BEFD91D8-0AEC-4011-B9A2-28CCE99346D9}" type="datetimeFigureOut">
               <a:rPr lang="ko-KR" altLang="en-US" smtClean="0"/>
-              <a:t>2021-10-23</a:t>
+              <a:t>2021. 11. 26.</a:t>
             </a:fld>
             <a:endParaRPr lang="ko-KR" altLang="en-US"/>
           </a:p>
@@ -2082,7 +2082,7 @@
           <a:p>
             <a:fld id="{BEFD91D8-0AEC-4011-B9A2-28CCE99346D9}" type="datetimeFigureOut">
               <a:rPr lang="ko-KR" altLang="en-US" smtClean="0"/>
-              <a:t>2021-10-23</a:t>
+              <a:t>2021. 11. 26.</a:t>
             </a:fld>
             <a:endParaRPr lang="ko-KR" altLang="en-US"/>
           </a:p>
@@ -2393,7 +2393,7 @@
           <a:p>
             <a:fld id="{BEFD91D8-0AEC-4011-B9A2-28CCE99346D9}" type="datetimeFigureOut">
               <a:rPr lang="ko-KR" altLang="en-US" smtClean="0"/>
-              <a:t>2021-10-23</a:t>
+              <a:t>2021. 11. 26.</a:t>
             </a:fld>
             <a:endParaRPr lang="ko-KR" altLang="en-US"/>
           </a:p>
@@ -2681,7 +2681,7 @@
           <a:p>
             <a:fld id="{BEFD91D8-0AEC-4011-B9A2-28CCE99346D9}" type="datetimeFigureOut">
               <a:rPr lang="ko-KR" altLang="en-US" smtClean="0"/>
-              <a:t>2021-10-23</a:t>
+              <a:t>2021. 11. 26.</a:t>
             </a:fld>
             <a:endParaRPr lang="ko-KR" altLang="en-US"/>
           </a:p>
@@ -2922,7 +2922,7 @@
           <a:p>
             <a:fld id="{BEFD91D8-0AEC-4011-B9A2-28CCE99346D9}" type="datetimeFigureOut">
               <a:rPr lang="ko-KR" altLang="en-US" smtClean="0"/>
-              <a:t>2021-10-23</a:t>
+              <a:t>2021. 11. 26.</a:t>
             </a:fld>
             <a:endParaRPr lang="ko-KR" altLang="en-US"/>
           </a:p>
@@ -4240,15 +4240,14 @@
           <a:lstStyle/>
           <a:p>
             <a:r>
-              <a:rPr lang="en-US" altLang="ko-KR" sz="1200" b="0" i="0" dirty="0">
+              <a:rPr lang="en-US" altLang="ko-KR" sz="1200" dirty="0">
                 <a:solidFill>
                   <a:srgbClr val="C00000"/>
                 </a:solidFill>
-                <a:effectLst/>
-                <a:latin typeface="KoPub돋움체 Bold" panose="02020603020101020101" pitchFamily="18" charset="-127"/>
-                <a:ea typeface="KoPub돋움체 Bold" panose="02020603020101020101" pitchFamily="18" charset="-127"/>
-              </a:rPr>
-              <a:t>1</a:t>
+                <a:latin typeface="KoPub돋움체 Bold" panose="02020603020101020101" pitchFamily="18" charset="-127"/>
+                <a:ea typeface="KoPub돋움체 Bold" panose="02020603020101020101" pitchFamily="18" charset="-127"/>
+              </a:rPr>
+              <a:t>4</a:t>
             </a:r>
             <a:r>
               <a:rPr lang="ko-KR" altLang="en-US" sz="1200" b="0" i="0" dirty="0">
@@ -5006,7 +5005,7 @@
                 <a:latin typeface="KoPub돋움체 Bold" panose="02020603020101020101" pitchFamily="18" charset="-127"/>
                 <a:ea typeface="KoPub돋움체 Bold" panose="02020603020101020101" pitchFamily="18" charset="-127"/>
               </a:rPr>
-              <a:t>정태통</a:t>
+              <a:t>정태통계</a:t>
             </a:r>
             <a:r>
               <a:rPr lang="ko-KR" altLang="en-US" sz="1200" b="0" i="0" dirty="0">
@@ -5014,16 +5013,21 @@
                 <a:latin typeface="KoPub돋움체 Bold" panose="02020603020101020101" pitchFamily="18" charset="-127"/>
                 <a:ea typeface="KoPub돋움체 Bold" panose="02020603020101020101" pitchFamily="18" charset="-127"/>
               </a:rPr>
-              <a:t>계이다</a:t>
-            </a:r>
-            <a:r>
-              <a:rPr lang="en-US" altLang="ko-KR" sz="1200" b="0" i="0" dirty="0">
+              <a:t>이다</a:t>
+            </a:r>
+            <a:r>
+              <a:rPr lang="en-US" altLang="ko-KR" sz="1200" b="0" i="0">
                 <a:effectLst/>
                 <a:latin typeface="KoPub돋움체 Bold" panose="02020603020101020101" pitchFamily="18" charset="-127"/>
                 <a:ea typeface="KoPub돋움체 Bold" panose="02020603020101020101" pitchFamily="18" charset="-127"/>
               </a:rPr>
               <a:t>.</a:t>
             </a:r>
+            <a:endParaRPr lang="en-US" altLang="ko-KR" sz="1200" b="0" i="0" dirty="0">
+              <a:effectLst/>
+              <a:latin typeface="KoPub돋움체 Bold" panose="02020603020101020101" pitchFamily="18" charset="-127"/>
+              <a:ea typeface="KoPub돋움체 Bold" panose="02020603020101020101" pitchFamily="18" charset="-127"/>
+            </a:endParaRPr>
           </a:p>
           <a:p>
             <a:r>
@@ -6555,8 +6559,8 @@
           <a:chExt cx="0" cy="0"/>
         </a:xfrm>
       </p:grpSpPr>
-      <mc:AlternateContent xmlns:mc="http://schemas.openxmlformats.org/markup-compatibility/2006">
-        <mc:Choice xmlns:a14="http://schemas.microsoft.com/office/drawing/2010/main" Requires="a14">
+      <mc:AlternateContent xmlns:mc="http://schemas.openxmlformats.org/markup-compatibility/2006" xmlns:a14="http://schemas.microsoft.com/office/drawing/2010/main">
+        <mc:Choice Requires="a14">
           <p:sp>
             <p:nvSpPr>
               <p:cNvPr id="8" name="TextBox 7">
@@ -6911,6 +6915,7 @@
                 </a:endParaRPr>
               </a:p>
               <a:p>
+                <a:pPr/>
                 <a14:m>
                   <m:oMathPara xmlns:m="http://schemas.openxmlformats.org/officeDocument/2006/math">
                     <m:oMathParaPr>
@@ -7103,6 +7108,7 @@
                 </a:endParaRPr>
               </a:p>
               <a:p>
+                <a:pPr/>
                 <a14:m>
                   <m:oMathPara xmlns:m="http://schemas.openxmlformats.org/officeDocument/2006/math">
                     <m:oMathParaPr>
@@ -7411,7 +7417,7 @@
             </p:txBody>
           </p:sp>
         </mc:Choice>
-        <mc:Fallback>
+        <mc:Fallback xmlns="">
           <p:sp>
             <p:nvSpPr>
               <p:cNvPr id="8" name="TextBox 7">
@@ -8182,7 +8188,7 @@
         </p:blipFill>
         <p:spPr>
           <a:xfrm>
-            <a:off x="7074877" y="2074801"/>
+            <a:off x="6298022" y="1269815"/>
             <a:ext cx="3640016" cy="643871"/>
           </a:xfrm>
           <a:prstGeom prst="rect">
@@ -8263,7 +8269,7 @@
         </p:nvSpPr>
         <p:spPr>
           <a:xfrm>
-            <a:off x="7074877" y="1797802"/>
+            <a:off x="6298022" y="992816"/>
             <a:ext cx="2097031" cy="276999"/>
           </a:xfrm>
           <a:prstGeom prst="rect">
@@ -8374,7 +8380,7 @@
         </p:nvSpPr>
         <p:spPr>
           <a:xfrm>
-            <a:off x="9243647" y="2515416"/>
+            <a:off x="8466792" y="1710430"/>
             <a:ext cx="803030" cy="157483"/>
           </a:xfrm>
           <a:prstGeom prst="rect">
@@ -8426,7 +8432,7 @@
         </p:nvSpPr>
         <p:spPr>
           <a:xfrm>
-            <a:off x="6267516" y="4221391"/>
+            <a:off x="6298022" y="2691498"/>
             <a:ext cx="5808784" cy="461665"/>
           </a:xfrm>
           <a:prstGeom prst="rect">
@@ -8951,6 +8957,293 @@
           </a:p>
         </p:txBody>
       </p:sp>
+      <p:sp>
+        <p:nvSpPr>
+          <p:cNvPr id="2" name="직사각형 1">
+            <a:extLst>
+              <a:ext uri="{FF2B5EF4-FFF2-40B4-BE49-F238E27FC236}">
+                <a16:creationId xmlns:a16="http://schemas.microsoft.com/office/drawing/2014/main" id="{EC174850-754B-3741-BF7F-985D334B7F45}"/>
+              </a:ext>
+            </a:extLst>
+          </p:cNvPr>
+          <p:cNvSpPr/>
+          <p:nvPr/>
+        </p:nvSpPr>
+        <p:spPr>
+          <a:xfrm>
+            <a:off x="6298022" y="5603325"/>
+            <a:ext cx="4516316" cy="461665"/>
+          </a:xfrm>
+          <a:prstGeom prst="rect">
+            <a:avLst/>
+          </a:prstGeom>
+        </p:spPr>
+        <p:txBody>
+          <a:bodyPr wrap="square">
+            <a:spAutoFit/>
+          </a:bodyPr>
+          <a:lstStyle/>
+          <a:p>
+            <a:r>
+              <a:rPr lang="ko-KR" altLang="en-US" sz="1200" b="1" dirty="0" err="1">
+                <a:solidFill>
+                  <a:schemeClr val="accent1">
+                    <a:lumMod val="75000"/>
+                  </a:schemeClr>
+                </a:solidFill>
+                <a:latin typeface="KoPubDotum Bold" pitchFamily="2" charset="-127"/>
+                <a:ea typeface="KoPubDotum Bold" pitchFamily="2" charset="-127"/>
+              </a:rPr>
+              <a:t>조출생률</a:t>
+            </a:r>
+            <a:r>
+              <a:rPr lang="ko-KR" altLang="en-US" sz="1200" b="1" dirty="0">
+                <a:solidFill>
+                  <a:srgbClr val="202124"/>
+                </a:solidFill>
+                <a:latin typeface="KoPubDotum Bold" pitchFamily="2" charset="-127"/>
+                <a:ea typeface="KoPubDotum Bold" pitchFamily="2" charset="-127"/>
+              </a:rPr>
+              <a:t> </a:t>
+            </a:r>
+            <a:r>
+              <a:rPr lang="en-US" altLang="ko-KR" sz="1200" b="1" dirty="0">
+                <a:solidFill>
+                  <a:srgbClr val="202124"/>
+                </a:solidFill>
+                <a:latin typeface="KoPubDotum Bold" pitchFamily="2" charset="-127"/>
+                <a:ea typeface="KoPubDotum Bold" pitchFamily="2" charset="-127"/>
+              </a:rPr>
+              <a:t>-</a:t>
+            </a:r>
+            <a:r>
+              <a:rPr lang="ko-KR" altLang="en-US" sz="1200" b="1" dirty="0">
+                <a:solidFill>
+                  <a:srgbClr val="202124"/>
+                </a:solidFill>
+                <a:latin typeface="KoPubDotum Bold" pitchFamily="2" charset="-127"/>
+                <a:ea typeface="KoPubDotum Bold" pitchFamily="2" charset="-127"/>
+              </a:rPr>
+              <a:t> 특정 </a:t>
+            </a:r>
+            <a:r>
+              <a:rPr lang="en-US" altLang="ko-KR" sz="1200" b="1" dirty="0">
+                <a:solidFill>
+                  <a:srgbClr val="202124"/>
+                </a:solidFill>
+                <a:latin typeface="KoPubDotum Bold" pitchFamily="2" charset="-127"/>
+                <a:ea typeface="KoPubDotum Bold" pitchFamily="2" charset="-127"/>
+              </a:rPr>
+              <a:t>1</a:t>
+            </a:r>
+            <a:r>
+              <a:rPr lang="ko-KR" altLang="en-US" sz="1200" b="1" dirty="0">
+                <a:solidFill>
+                  <a:srgbClr val="202124"/>
+                </a:solidFill>
+                <a:latin typeface="KoPubDotum Bold" pitchFamily="2" charset="-127"/>
+                <a:ea typeface="KoPubDotum Bold" pitchFamily="2" charset="-127"/>
+              </a:rPr>
+              <a:t>년간의 총 </a:t>
+            </a:r>
+            <a:r>
+              <a:rPr lang="ko-KR" altLang="en-US" sz="1200" b="1" dirty="0" err="1">
+                <a:solidFill>
+                  <a:srgbClr val="202124"/>
+                </a:solidFill>
+                <a:latin typeface="KoPubDotum Bold" pitchFamily="2" charset="-127"/>
+                <a:ea typeface="KoPubDotum Bold" pitchFamily="2" charset="-127"/>
+              </a:rPr>
+              <a:t>출생아수</a:t>
+            </a:r>
+            <a:r>
+              <a:rPr lang="ko-KR" altLang="en-US" sz="1200" b="1" dirty="0">
+                <a:solidFill>
+                  <a:srgbClr val="202124"/>
+                </a:solidFill>
+                <a:latin typeface="KoPubDotum Bold" pitchFamily="2" charset="-127"/>
+                <a:ea typeface="KoPubDotum Bold" pitchFamily="2" charset="-127"/>
+              </a:rPr>
+              <a:t> </a:t>
+            </a:r>
+            <a:r>
+              <a:rPr lang="en-US" altLang="ko-KR" sz="1200" b="1" dirty="0">
+                <a:solidFill>
+                  <a:srgbClr val="202124"/>
+                </a:solidFill>
+                <a:latin typeface="KoPubDotum Bold" pitchFamily="2" charset="-127"/>
+                <a:ea typeface="KoPubDotum Bold" pitchFamily="2" charset="-127"/>
+              </a:rPr>
+              <a:t>/ </a:t>
+            </a:r>
+            <a:r>
+              <a:rPr lang="ko-KR" altLang="en-US" sz="1200" b="1" dirty="0" err="1">
+                <a:solidFill>
+                  <a:srgbClr val="202124"/>
+                </a:solidFill>
+                <a:latin typeface="KoPubDotum Bold" pitchFamily="2" charset="-127"/>
+                <a:ea typeface="KoPubDotum Bold" pitchFamily="2" charset="-127"/>
+              </a:rPr>
+              <a:t>당해연도의</a:t>
+            </a:r>
+            <a:r>
+              <a:rPr lang="ko-KR" altLang="en-US" sz="1200" b="1" dirty="0">
+                <a:solidFill>
+                  <a:srgbClr val="202124"/>
+                </a:solidFill>
+                <a:latin typeface="KoPubDotum Bold" pitchFamily="2" charset="-127"/>
+                <a:ea typeface="KoPubDotum Bold" pitchFamily="2" charset="-127"/>
+              </a:rPr>
+              <a:t> </a:t>
+            </a:r>
+            <a:r>
+              <a:rPr lang="ko-KR" altLang="en-US" sz="1200" b="1" dirty="0" err="1">
+                <a:solidFill>
+                  <a:srgbClr val="202124"/>
+                </a:solidFill>
+                <a:latin typeface="KoPubDotum Bold" pitchFamily="2" charset="-127"/>
+                <a:ea typeface="KoPubDotum Bold" pitchFamily="2" charset="-127"/>
+              </a:rPr>
+              <a:t>연앙인구</a:t>
+            </a:r>
+            <a:r>
+              <a:rPr lang="ko-KR" altLang="en-US" sz="1200" b="1" dirty="0">
+                <a:solidFill>
+                  <a:srgbClr val="202124"/>
+                </a:solidFill>
+                <a:latin typeface="KoPubDotum Bold" pitchFamily="2" charset="-127"/>
+                <a:ea typeface="KoPubDotum Bold" pitchFamily="2" charset="-127"/>
+              </a:rPr>
+              <a:t> </a:t>
+            </a:r>
+            <a:r>
+              <a:rPr lang="en-US" altLang="ko-KR" sz="1200" b="1" dirty="0">
+                <a:solidFill>
+                  <a:srgbClr val="202124"/>
+                </a:solidFill>
+                <a:latin typeface="KoPubDotum Bold" pitchFamily="2" charset="-127"/>
+                <a:ea typeface="KoPubDotum Bold" pitchFamily="2" charset="-127"/>
+              </a:rPr>
+              <a:t>× 1,000</a:t>
+            </a:r>
+          </a:p>
+          <a:p>
+            <a:r>
+              <a:rPr lang="ko-KR" altLang="en-US" sz="1200" b="1" dirty="0">
+                <a:solidFill>
+                  <a:schemeClr val="accent1">
+                    <a:lumMod val="75000"/>
+                  </a:schemeClr>
+                </a:solidFill>
+                <a:latin typeface="KoPubDotum Bold" pitchFamily="2" charset="-127"/>
+                <a:ea typeface="KoPubDotum Bold" pitchFamily="2" charset="-127"/>
+              </a:rPr>
+              <a:t>출생률</a:t>
+            </a:r>
+            <a:r>
+              <a:rPr lang="ko-KR" altLang="en-US" sz="1200" b="1" dirty="0">
+                <a:solidFill>
+                  <a:srgbClr val="202124"/>
+                </a:solidFill>
+                <a:latin typeface="KoPubDotum Bold" pitchFamily="2" charset="-127"/>
+                <a:ea typeface="KoPubDotum Bold" pitchFamily="2" charset="-127"/>
+              </a:rPr>
+              <a:t> </a:t>
+            </a:r>
+            <a:r>
+              <a:rPr lang="en-US" altLang="ko-KR" sz="1200" b="1" dirty="0">
+                <a:solidFill>
+                  <a:srgbClr val="202124"/>
+                </a:solidFill>
+                <a:latin typeface="KoPubDotum Bold" pitchFamily="2" charset="-127"/>
+                <a:ea typeface="KoPubDotum Bold" pitchFamily="2" charset="-127"/>
+              </a:rPr>
+              <a:t>-</a:t>
+            </a:r>
+            <a:r>
+              <a:rPr lang="ko-KR" altLang="en-US" sz="1200" b="1" dirty="0">
+                <a:solidFill>
+                  <a:srgbClr val="202124"/>
+                </a:solidFill>
+                <a:latin typeface="KoPubDotum Bold" pitchFamily="2" charset="-127"/>
+                <a:ea typeface="KoPubDotum Bold" pitchFamily="2" charset="-127"/>
+              </a:rPr>
+              <a:t> </a:t>
+            </a:r>
+            <a:r>
+              <a:rPr lang="ko-KR" altLang="en-US" sz="1200" b="1" dirty="0" err="1">
+                <a:solidFill>
+                  <a:srgbClr val="202124"/>
+                </a:solidFill>
+                <a:latin typeface="KoPubDotum Bold" pitchFamily="2" charset="-127"/>
+                <a:ea typeface="KoPubDotum Bold" pitchFamily="2" charset="-127"/>
+              </a:rPr>
+              <a:t>조출생률과</a:t>
+            </a:r>
+            <a:r>
+              <a:rPr lang="ko-KR" altLang="en-US" sz="1200" b="1" dirty="0">
+                <a:solidFill>
+                  <a:srgbClr val="202124"/>
+                </a:solidFill>
+                <a:latin typeface="KoPubDotum Bold" pitchFamily="2" charset="-127"/>
+                <a:ea typeface="KoPubDotum Bold" pitchFamily="2" charset="-127"/>
+              </a:rPr>
+              <a:t> 같다</a:t>
+            </a:r>
+            <a:endParaRPr lang="ko-Kore-KR" altLang="en-US" sz="1200" b="1" dirty="0">
+              <a:latin typeface="KoPubDotum Bold" pitchFamily="2" charset="-127"/>
+              <a:ea typeface="KoPubDotum Bold" pitchFamily="2" charset="-127"/>
+            </a:endParaRPr>
+          </a:p>
+        </p:txBody>
+      </p:sp>
+      <p:pic>
+        <p:nvPicPr>
+          <p:cNvPr id="1026" name="Picture 2" descr="조출생률은 해당연도의 총 출생아수를 해당연도의 연앙인구로 나누고 1,000을 곱하여 산출한다">
+            <a:extLst>
+              <a:ext uri="{FF2B5EF4-FFF2-40B4-BE49-F238E27FC236}">
+                <a16:creationId xmlns:a16="http://schemas.microsoft.com/office/drawing/2014/main" id="{E430385B-C6D9-024F-8CC1-BCCEA317794D}"/>
+              </a:ext>
+            </a:extLst>
+          </p:cNvPr>
+          <p:cNvPicPr>
+            <a:picLocks noChangeAspect="1" noChangeArrowheads="1"/>
+          </p:cNvPicPr>
+          <p:nvPr/>
+        </p:nvPicPr>
+        <p:blipFill>
+          <a:blip r:embed="rId4">
+            <a:extLst>
+              <a:ext uri="{28A0092B-C50C-407E-A947-70E740481C1C}">
+                <a14:useLocalDpi xmlns:a14="http://schemas.microsoft.com/office/drawing/2010/main" val="0"/>
+              </a:ext>
+            </a:extLst>
+          </a:blip>
+          <a:srcRect/>
+          <a:stretch>
+            <a:fillRect/>
+          </a:stretch>
+        </p:blipFill>
+        <p:spPr bwMode="auto">
+          <a:xfrm>
+            <a:off x="6351753" y="3309246"/>
+            <a:ext cx="2850661" cy="2137996"/>
+          </a:xfrm>
+          <a:prstGeom prst="rect">
+            <a:avLst/>
+          </a:prstGeom>
+          <a:noFill/>
+          <a:extLst>
+            <a:ext uri="{909E8E84-426E-40DD-AFC4-6F175D3DCCD1}">
+              <a14:hiddenFill xmlns:a14="http://schemas.microsoft.com/office/drawing/2010/main">
+                <a:solidFill>
+                  <a:srgbClr val="FFFFFF"/>
+                </a:solidFill>
+              </a14:hiddenFill>
+            </a:ext>
+          </a:extLst>
+        </p:spPr>
+      </p:pic>
     </p:spTree>
     <p:extLst>
       <p:ext uri="{BB962C8B-B14F-4D97-AF65-F5344CB8AC3E}">
@@ -10677,28 +10970,21 @@
               <a:t>– </a:t>
             </a:r>
             <a:r>
-              <a:rPr lang="ko-KR" altLang="en-US" sz="1200" dirty="0" err="1">
+              <a:rPr lang="ko-KR" altLang="en-US" sz="1200" dirty="0">
                 <a:solidFill>
                   <a:srgbClr val="00B0F0"/>
                 </a:solidFill>
                 <a:latin typeface="KoPub돋움체 Bold" panose="02020603020101020101" pitchFamily="18" charset="-127"/>
                 <a:ea typeface="KoPub돋움체 Bold" panose="02020603020101020101" pitchFamily="18" charset="-127"/>
               </a:rPr>
-              <a:t>채류</a:t>
-            </a:r>
-            <a:r>
-              <a:rPr lang="ko-KR" altLang="en-US" sz="1200" dirty="0" err="1">
-                <a:latin typeface="KoPub돋움체 Bold" panose="02020603020101020101" pitchFamily="18" charset="-127"/>
-                <a:ea typeface="KoPub돋움체 Bold" panose="02020603020101020101" pitchFamily="18" charset="-127"/>
-              </a:rPr>
-              <a:t>중인</a:t>
-            </a:r>
-            <a:r>
-              <a:rPr lang="ko-KR" altLang="en-US" sz="1200" dirty="0">
-                <a:latin typeface="KoPub돋움체 Bold" panose="02020603020101020101" pitchFamily="18" charset="-127"/>
-                <a:ea typeface="KoPub돋움체 Bold" panose="02020603020101020101" pitchFamily="18" charset="-127"/>
-              </a:rPr>
-              <a:t> 한국인은 포함한다</a:t>
+              <a:t>체류</a:t>
+            </a:r>
+            <a:r>
+              <a:rPr lang="ko-KR" altLang="en-US" sz="1200" dirty="0">
+                <a:latin typeface="KoPub돋움체 Bold" panose="02020603020101020101" pitchFamily="18" charset="-127"/>
+                <a:ea typeface="KoPub돋움체 Bold" panose="02020603020101020101" pitchFamily="18" charset="-127"/>
+              </a:rPr>
+              <a:t>중인 한국인은 포함한다</a:t>
             </a:r>
             <a:r>
               <a:rPr lang="en-US" altLang="ko-KR" sz="1200" dirty="0">

--- a/previous_question/2장-인구통계.pptx
+++ b/previous_question/2장-인구통계.pptx
@@ -5016,18 +5016,13 @@
               <a:t>이다</a:t>
             </a:r>
             <a:r>
-              <a:rPr lang="en-US" altLang="ko-KR" sz="1200" b="0" i="0">
+              <a:rPr lang="en-US" altLang="ko-KR" sz="1200" b="0" i="0" dirty="0">
                 <a:effectLst/>
                 <a:latin typeface="KoPub돋움체 Bold" panose="02020603020101020101" pitchFamily="18" charset="-127"/>
                 <a:ea typeface="KoPub돋움체 Bold" panose="02020603020101020101" pitchFamily="18" charset="-127"/>
               </a:rPr>
               <a:t>.</a:t>
             </a:r>
-            <a:endParaRPr lang="en-US" altLang="ko-KR" sz="1200" b="0" i="0" dirty="0">
-              <a:effectLst/>
-              <a:latin typeface="KoPub돋움체 Bold" panose="02020603020101020101" pitchFamily="18" charset="-127"/>
-              <a:ea typeface="KoPub돋움체 Bold" panose="02020603020101020101" pitchFamily="18" charset="-127"/>
-            </a:endParaRPr>
           </a:p>
           <a:p>
             <a:r>
@@ -5599,12 +5594,24 @@
               </a:rPr>
               <a:t>. </a:t>
             </a:r>
-            <a:r>
-              <a:rPr lang="ko-KR" altLang="en-US" sz="1200" dirty="0">
-                <a:latin typeface="KoPub돋움체 Bold" panose="02020603020101020101" pitchFamily="18" charset="-127"/>
-                <a:ea typeface="KoPub돋움체 Bold" panose="02020603020101020101" pitchFamily="18" charset="-127"/>
-              </a:rPr>
-              <a:t>즉 </a:t>
+          </a:p>
+          <a:p>
+            <a:r>
+              <a:rPr lang="ko-KR" altLang="en-US" sz="1200" dirty="0">
+                <a:solidFill>
+                  <a:srgbClr val="FF0000"/>
+                </a:solidFill>
+                <a:latin typeface="KoPub돋움체 Bold" panose="02020603020101020101" pitchFamily="18" charset="-127"/>
+                <a:ea typeface="KoPub돋움체 Bold" panose="02020603020101020101" pitchFamily="18" charset="-127"/>
+              </a:rPr>
+              <a:t>즉</a:t>
+            </a:r>
+            <a:r>
+              <a:rPr lang="ko-KR" altLang="en-US" sz="1200" dirty="0">
+                <a:latin typeface="KoPub돋움체 Bold" panose="02020603020101020101" pitchFamily="18" charset="-127"/>
+                <a:ea typeface="KoPub돋움체 Bold" panose="02020603020101020101" pitchFamily="18" charset="-127"/>
+              </a:rPr>
+              <a:t> </a:t>
             </a:r>
             <a:r>
               <a:rPr lang="ko-KR" altLang="en-US" sz="1200" dirty="0">

--- a/previous_question/2장-인구통계.pptx
+++ b/previous_question/2장-인구통계.pptx
@@ -19,6 +19,11 @@
     <p:sldId id="278" r:id="rId13"/>
     <p:sldId id="284" r:id="rId14"/>
     <p:sldId id="279" r:id="rId15"/>
+    <p:sldId id="285" r:id="rId16"/>
+    <p:sldId id="287" r:id="rId17"/>
+    <p:sldId id="289" r:id="rId18"/>
+    <p:sldId id="290" r:id="rId19"/>
+    <p:sldId id="288" r:id="rId20"/>
   </p:sldIdLst>
   <p:sldSz cx="12192000" cy="6858000"/>
   <p:notesSz cx="6858000" cy="9144000"/>
@@ -5521,7 +5526,7 @@
         </p:nvSpPr>
         <p:spPr>
           <a:xfrm>
-            <a:off x="8160322" y="4524196"/>
+            <a:off x="8160322" y="5214203"/>
             <a:ext cx="4010292" cy="1015663"/>
           </a:xfrm>
           <a:prstGeom prst="rect">
@@ -5540,7 +5545,24 @@
                 <a:latin typeface="KoPub돋움체 Bold" panose="02020603020101020101" pitchFamily="18" charset="-127"/>
                 <a:ea typeface="KoPub돋움체 Bold" panose="02020603020101020101" pitchFamily="18" charset="-127"/>
               </a:rPr>
-              <a:t>누락과 중복을 보완하는 방법으로 사후조사의 결과를 </a:t>
+              <a:t>누락과 중복을 보완하는 방법으로 </a:t>
+            </a:r>
+            <a:r>
+              <a:rPr lang="ko-KR" altLang="en-US" sz="1200" dirty="0">
+                <a:solidFill>
+                  <a:srgbClr val="00B0F0"/>
+                </a:solidFill>
+                <a:latin typeface="KoPub돋움체 Bold" panose="02020603020101020101" pitchFamily="18" charset="-127"/>
+                <a:ea typeface="KoPub돋움체 Bold" panose="02020603020101020101" pitchFamily="18" charset="-127"/>
+              </a:rPr>
+              <a:t>사후조사</a:t>
+            </a:r>
+            <a:r>
+              <a:rPr lang="ko-KR" altLang="en-US" sz="1200" dirty="0">
+                <a:latin typeface="KoPub돋움체 Bold" panose="02020603020101020101" pitchFamily="18" charset="-127"/>
+                <a:ea typeface="KoPub돋움체 Bold" panose="02020603020101020101" pitchFamily="18" charset="-127"/>
+              </a:rPr>
+              <a:t>의 결과를 </a:t>
             </a:r>
             <a:r>
               <a:rPr lang="ko-KR" altLang="en-US" sz="1200" dirty="0" err="1">
@@ -5558,6 +5580,9 @@
             </a:r>
             <a:r>
               <a:rPr lang="ko-KR" altLang="en-US" sz="1200" dirty="0" err="1">
+                <a:solidFill>
+                  <a:srgbClr val="00B0F0"/>
+                </a:solidFill>
                 <a:latin typeface="KoPub돋움체 Bold" panose="02020603020101020101" pitchFamily="18" charset="-127"/>
                 <a:ea typeface="KoPub돋움체 Bold" panose="02020603020101020101" pitchFamily="18" charset="-127"/>
               </a:rPr>
@@ -5616,7 +5641,7 @@
             <a:r>
               <a:rPr lang="ko-KR" altLang="en-US" sz="1200" dirty="0">
                 <a:solidFill>
-                  <a:srgbClr val="00B0F0"/>
+                  <a:srgbClr val="FF0000"/>
                 </a:solidFill>
                 <a:latin typeface="KoPub돋움체 Bold" panose="02020603020101020101" pitchFamily="18" charset="-127"/>
                 <a:ea typeface="KoPub돋움체 Bold" panose="02020603020101020101" pitchFamily="18" charset="-127"/>
@@ -5682,6 +5707,153 @@
               <a:latin typeface="KoPub돋움체 Bold" panose="02020603020101020101" pitchFamily="18" charset="-127"/>
               <a:ea typeface="KoPub돋움체 Bold" panose="02020603020101020101" pitchFamily="18" charset="-127"/>
             </a:endParaRPr>
+          </a:p>
+        </p:txBody>
+      </p:sp>
+      <p:pic>
+        <p:nvPicPr>
+          <p:cNvPr id="3" name="그림 2" descr="텍스트이(가) 표시된 사진&#10;&#10;자동 생성된 설명">
+            <a:extLst>
+              <a:ext uri="{FF2B5EF4-FFF2-40B4-BE49-F238E27FC236}">
+                <a16:creationId xmlns:a16="http://schemas.microsoft.com/office/drawing/2014/main" id="{A7A363EE-1660-3A44-A561-8A71C62B094D}"/>
+              </a:ext>
+            </a:extLst>
+          </p:cNvPr>
+          <p:cNvPicPr>
+            <a:picLocks noChangeAspect="1"/>
+          </p:cNvPicPr>
+          <p:nvPr/>
+        </p:nvPicPr>
+        <p:blipFill>
+          <a:blip r:embed="rId5">
+            <a:extLst>
+              <a:ext uri="{28A0092B-C50C-407E-A947-70E740481C1C}">
+                <a14:useLocalDpi xmlns:a14="http://schemas.microsoft.com/office/drawing/2010/main" val="0"/>
+              </a:ext>
+            </a:extLst>
+          </a:blip>
+          <a:stretch>
+            <a:fillRect/>
+          </a:stretch>
+        </p:blipFill>
+        <p:spPr>
+          <a:xfrm>
+            <a:off x="8220681" y="3948219"/>
+            <a:ext cx="3635303" cy="707928"/>
+          </a:xfrm>
+          <a:prstGeom prst="rect">
+            <a:avLst/>
+          </a:prstGeom>
+        </p:spPr>
+      </p:pic>
+      <p:sp>
+        <p:nvSpPr>
+          <p:cNvPr id="21" name="TextBox 20">
+            <a:extLst>
+              <a:ext uri="{FF2B5EF4-FFF2-40B4-BE49-F238E27FC236}">
+                <a16:creationId xmlns:a16="http://schemas.microsoft.com/office/drawing/2014/main" id="{414C4F41-E400-1644-82D7-E88587DD931D}"/>
+              </a:ext>
+            </a:extLst>
+          </p:cNvPr>
+          <p:cNvSpPr txBox="1"/>
+          <p:nvPr/>
+        </p:nvSpPr>
+        <p:spPr>
+          <a:xfrm>
+            <a:off x="8160322" y="3754791"/>
+            <a:ext cx="2097031" cy="276999"/>
+          </a:xfrm>
+          <a:prstGeom prst="rect">
+            <a:avLst/>
+          </a:prstGeom>
+          <a:noFill/>
+        </p:spPr>
+        <p:txBody>
+          <a:bodyPr wrap="square" rtlCol="0">
+            <a:spAutoFit/>
+          </a:bodyPr>
+          <a:lstStyle/>
+          <a:p>
+            <a:r>
+              <a:rPr lang="en-US" altLang="ko-KR" sz="1200" dirty="0">
+                <a:latin typeface="KoPub돋움체 Bold" panose="02020603020101020101" pitchFamily="18" charset="-127"/>
+                <a:ea typeface="KoPub돋움체 Bold" panose="02020603020101020101" pitchFamily="18" charset="-127"/>
+              </a:rPr>
+              <a:t>2019</a:t>
+            </a:r>
+            <a:r>
+              <a:rPr lang="ko-KR" altLang="en-US" sz="1200" dirty="0">
+                <a:latin typeface="KoPub돋움체 Bold" panose="02020603020101020101" pitchFamily="18" charset="-127"/>
+                <a:ea typeface="KoPub돋움체 Bold" panose="02020603020101020101" pitchFamily="18" charset="-127"/>
+              </a:rPr>
+              <a:t>년도 </a:t>
+            </a:r>
+            <a:r>
+              <a:rPr lang="en-US" altLang="ko-KR" sz="1200" dirty="0">
+                <a:latin typeface="KoPub돋움체 Bold" panose="02020603020101020101" pitchFamily="18" charset="-127"/>
+                <a:ea typeface="KoPub돋움체 Bold" panose="02020603020101020101" pitchFamily="18" charset="-127"/>
+              </a:rPr>
+              <a:t>1</a:t>
+            </a:r>
+            <a:r>
+              <a:rPr lang="ko-KR" altLang="en-US" sz="1200" dirty="0">
+                <a:latin typeface="KoPub돋움체 Bold" panose="02020603020101020101" pitchFamily="18" charset="-127"/>
+                <a:ea typeface="KoPub돋움체 Bold" panose="02020603020101020101" pitchFamily="18" charset="-127"/>
+              </a:rPr>
+              <a:t>학기</a:t>
+            </a:r>
+          </a:p>
+        </p:txBody>
+      </p:sp>
+      <p:sp>
+        <p:nvSpPr>
+          <p:cNvPr id="22" name="직사각형 21">
+            <a:extLst>
+              <a:ext uri="{FF2B5EF4-FFF2-40B4-BE49-F238E27FC236}">
+                <a16:creationId xmlns:a16="http://schemas.microsoft.com/office/drawing/2014/main" id="{BE8333E8-AEA0-BC42-8621-F97955CB92BF}"/>
+              </a:ext>
+            </a:extLst>
+          </p:cNvPr>
+          <p:cNvSpPr/>
+          <p:nvPr/>
+        </p:nvSpPr>
+        <p:spPr>
+          <a:xfrm>
+            <a:off x="8363144" y="4277592"/>
+            <a:ext cx="859393" cy="176602"/>
+          </a:xfrm>
+          <a:prstGeom prst="rect">
+            <a:avLst/>
+          </a:prstGeom>
+          <a:noFill/>
+          <a:ln w="25400">
+            <a:solidFill>
+              <a:srgbClr val="C00000"/>
+            </a:solidFill>
+          </a:ln>
+        </p:spPr>
+        <p:style>
+          <a:lnRef idx="2">
+            <a:schemeClr val="accent1">
+              <a:shade val="50000"/>
+            </a:schemeClr>
+          </a:lnRef>
+          <a:fillRef idx="1">
+            <a:schemeClr val="accent1"/>
+          </a:fillRef>
+          <a:effectRef idx="0">
+            <a:schemeClr val="accent1"/>
+          </a:effectRef>
+          <a:fontRef idx="minor">
+            <a:schemeClr val="lt1"/>
+          </a:fontRef>
+        </p:style>
+        <p:txBody>
+          <a:bodyPr rtlCol="0" anchor="ctr"/>
+          <a:lstStyle/>
+          <a:p>
+            <a:pPr algn="ctr"/>
+            <a:endParaRPr lang="ko-KR" altLang="en-US"/>
           </a:p>
         </p:txBody>
       </p:sp>
@@ -6390,10 +6562,3331 @@
           </a:p>
         </p:txBody>
       </p:sp>
+      <p:sp>
+        <p:nvSpPr>
+          <p:cNvPr id="17" name="TextBox 16">
+            <a:extLst>
+              <a:ext uri="{FF2B5EF4-FFF2-40B4-BE49-F238E27FC236}">
+                <a16:creationId xmlns:a16="http://schemas.microsoft.com/office/drawing/2014/main" id="{82EF2426-4FC2-8D46-98D8-B6F7F9BDD6D8}"/>
+              </a:ext>
+            </a:extLst>
+          </p:cNvPr>
+          <p:cNvSpPr txBox="1"/>
+          <p:nvPr/>
+        </p:nvSpPr>
+        <p:spPr>
+          <a:xfrm>
+            <a:off x="359039" y="131486"/>
+            <a:ext cx="1358645" cy="276999"/>
+          </a:xfrm>
+          <a:prstGeom prst="rect">
+            <a:avLst/>
+          </a:prstGeom>
+          <a:solidFill>
+            <a:schemeClr val="accent2">
+              <a:lumMod val="20000"/>
+              <a:lumOff val="80000"/>
+            </a:schemeClr>
+          </a:solidFill>
+        </p:spPr>
+        <p:txBody>
+          <a:bodyPr wrap="square" rtlCol="0">
+            <a:spAutoFit/>
+          </a:bodyPr>
+          <a:lstStyle/>
+          <a:p>
+            <a:r>
+              <a:rPr lang="ko-KR" altLang="en-US" sz="1200" dirty="0" err="1">
+                <a:latin typeface="KoPubWorld돋움체 Bold" panose="00000800000000000000" pitchFamily="2" charset="-127"/>
+                <a:ea typeface="KoPubWorld돋움체 Bold" panose="00000800000000000000" pitchFamily="2" charset="-127"/>
+                <a:cs typeface="KoPubWorld돋움체 Bold" panose="00000800000000000000" pitchFamily="2" charset="-127"/>
+              </a:rPr>
+              <a:t>코호트</a:t>
+            </a:r>
+            <a:r>
+              <a:rPr lang="ko-KR" altLang="en-US" sz="1200" dirty="0">
+                <a:latin typeface="KoPubWorld돋움체 Bold" panose="00000800000000000000" pitchFamily="2" charset="-127"/>
+                <a:ea typeface="KoPubWorld돋움체 Bold" panose="00000800000000000000" pitchFamily="2" charset="-127"/>
+                <a:cs typeface="KoPubWorld돋움체 Bold" panose="00000800000000000000" pitchFamily="2" charset="-127"/>
+              </a:rPr>
+              <a:t> </a:t>
+            </a:r>
+            <a:r>
+              <a:rPr lang="ko-KR" altLang="en-US" sz="1200" dirty="0" err="1">
+                <a:latin typeface="KoPubWorld돋움체 Bold" panose="00000800000000000000" pitchFamily="2" charset="-127"/>
+                <a:ea typeface="KoPubWorld돋움체 Bold" panose="00000800000000000000" pitchFamily="2" charset="-127"/>
+                <a:cs typeface="KoPubWorld돋움체 Bold" panose="00000800000000000000" pitchFamily="2" charset="-127"/>
+              </a:rPr>
+              <a:t>요인법</a:t>
+            </a:r>
+            <a:r>
+              <a:rPr lang="ko-KR" altLang="en-US" sz="1200" dirty="0">
+                <a:latin typeface="KoPubWorld돋움체 Bold" panose="00000800000000000000" pitchFamily="2" charset="-127"/>
+                <a:ea typeface="KoPubWorld돋움체 Bold" panose="00000800000000000000" pitchFamily="2" charset="-127"/>
+                <a:cs typeface="KoPubWorld돋움체 Bold" panose="00000800000000000000" pitchFamily="2" charset="-127"/>
+              </a:rPr>
+              <a:t> 관련</a:t>
+            </a:r>
+          </a:p>
+        </p:txBody>
+      </p:sp>
     </p:spTree>
     <p:extLst>
       <p:ext uri="{BB962C8B-B14F-4D97-AF65-F5344CB8AC3E}">
         <p14:creationId xmlns:p14="http://schemas.microsoft.com/office/powerpoint/2010/main" val="1686488984"/>
+      </p:ext>
+    </p:extLst>
+  </p:cSld>
+  <p:clrMapOvr>
+    <a:masterClrMapping/>
+  </p:clrMapOvr>
+</p:sld>
+</file>
+
+<file path=ppt/slides/slide15.xml><?xml version="1.0" encoding="utf-8"?>
+<p:sld xmlns:a="http://schemas.openxmlformats.org/drawingml/2006/main" xmlns:r="http://schemas.openxmlformats.org/officeDocument/2006/relationships" xmlns:p="http://schemas.openxmlformats.org/presentationml/2006/main">
+  <p:cSld>
+    <p:spTree>
+      <p:nvGrpSpPr>
+        <p:cNvPr id="1" name=""/>
+        <p:cNvGrpSpPr/>
+        <p:nvPr/>
+      </p:nvGrpSpPr>
+      <p:grpSpPr>
+        <a:xfrm>
+          <a:off x="0" y="0"/>
+          <a:ext cx="0" cy="0"/>
+          <a:chOff x="0" y="0"/>
+          <a:chExt cx="0" cy="0"/>
+        </a:xfrm>
+      </p:grpSpPr>
+      <p:sp>
+        <p:nvSpPr>
+          <p:cNvPr id="4" name="TextBox 3">
+            <a:extLst>
+              <a:ext uri="{FF2B5EF4-FFF2-40B4-BE49-F238E27FC236}">
+                <a16:creationId xmlns:a16="http://schemas.microsoft.com/office/drawing/2014/main" id="{AE2D8C9B-8D25-4937-BDCF-C250B7D4D721}"/>
+              </a:ext>
+            </a:extLst>
+          </p:cNvPr>
+          <p:cNvSpPr txBox="1"/>
+          <p:nvPr/>
+        </p:nvSpPr>
+        <p:spPr>
+          <a:xfrm>
+            <a:off x="3103684" y="3075057"/>
+            <a:ext cx="5984631" cy="707886"/>
+          </a:xfrm>
+          <a:prstGeom prst="rect">
+            <a:avLst/>
+          </a:prstGeom>
+          <a:noFill/>
+        </p:spPr>
+        <p:txBody>
+          <a:bodyPr wrap="square" rtlCol="0">
+            <a:spAutoFit/>
+          </a:bodyPr>
+          <a:lstStyle/>
+          <a:p>
+            <a:pPr algn="ctr"/>
+            <a:r>
+              <a:rPr lang="en-US" altLang="ko-KR" sz="4000" dirty="0">
+                <a:latin typeface="KoPub돋움체 Bold" panose="02020603020101020101" pitchFamily="18" charset="-127"/>
+                <a:ea typeface="KoPub돋움체 Bold" panose="02020603020101020101" pitchFamily="18" charset="-127"/>
+              </a:rPr>
+              <a:t>2.4 </a:t>
+            </a:r>
+            <a:r>
+              <a:rPr lang="ko-KR" altLang="en-US" sz="4000" dirty="0">
+                <a:latin typeface="KoPub돋움체 Bold" panose="02020603020101020101" pitchFamily="18" charset="-127"/>
+                <a:ea typeface="KoPub돋움체 Bold" panose="02020603020101020101" pitchFamily="18" charset="-127"/>
+              </a:rPr>
+              <a:t>주요 인구통계지표</a:t>
+            </a:r>
+          </a:p>
+        </p:txBody>
+      </p:sp>
+    </p:spTree>
+    <p:extLst>
+      <p:ext uri="{BB962C8B-B14F-4D97-AF65-F5344CB8AC3E}">
+        <p14:creationId xmlns:p14="http://schemas.microsoft.com/office/powerpoint/2010/main" val="2246235566"/>
+      </p:ext>
+    </p:extLst>
+  </p:cSld>
+  <p:clrMapOvr>
+    <a:masterClrMapping/>
+  </p:clrMapOvr>
+</p:sld>
+</file>
+
+<file path=ppt/slides/slide16.xml><?xml version="1.0" encoding="utf-8"?>
+<p:sld xmlns:a="http://schemas.openxmlformats.org/drawingml/2006/main" xmlns:r="http://schemas.openxmlformats.org/officeDocument/2006/relationships" xmlns:p="http://schemas.openxmlformats.org/presentationml/2006/main">
+  <p:cSld>
+    <p:spTree>
+      <p:nvGrpSpPr>
+        <p:cNvPr id="1" name=""/>
+        <p:cNvGrpSpPr/>
+        <p:nvPr/>
+      </p:nvGrpSpPr>
+      <p:grpSpPr>
+        <a:xfrm>
+          <a:off x="0" y="0"/>
+          <a:ext cx="0" cy="0"/>
+          <a:chOff x="0" y="0"/>
+          <a:chExt cx="0" cy="0"/>
+        </a:xfrm>
+      </p:grpSpPr>
+      <p:pic>
+        <p:nvPicPr>
+          <p:cNvPr id="7" name="그림 6" descr="텍스트이(가) 표시된 사진&#10;&#10;자동 생성된 설명">
+            <a:extLst>
+              <a:ext uri="{FF2B5EF4-FFF2-40B4-BE49-F238E27FC236}">
+                <a16:creationId xmlns:a16="http://schemas.microsoft.com/office/drawing/2014/main" id="{E653ECE2-BC68-6A4E-A2E0-FE6F2C34071C}"/>
+              </a:ext>
+            </a:extLst>
+          </p:cNvPr>
+          <p:cNvPicPr>
+            <a:picLocks noChangeAspect="1"/>
+          </p:cNvPicPr>
+          <p:nvPr/>
+        </p:nvPicPr>
+        <p:blipFill>
+          <a:blip r:embed="rId2">
+            <a:extLst>
+              <a:ext uri="{28A0092B-C50C-407E-A947-70E740481C1C}">
+                <a14:useLocalDpi xmlns:a14="http://schemas.microsoft.com/office/drawing/2010/main" val="0"/>
+              </a:ext>
+            </a:extLst>
+          </a:blip>
+          <a:stretch>
+            <a:fillRect/>
+          </a:stretch>
+        </p:blipFill>
+        <p:spPr>
+          <a:xfrm>
+            <a:off x="828383" y="935203"/>
+            <a:ext cx="3613832" cy="1166967"/>
+          </a:xfrm>
+          <a:prstGeom prst="rect">
+            <a:avLst/>
+          </a:prstGeom>
+        </p:spPr>
+      </p:pic>
+      <p:pic>
+        <p:nvPicPr>
+          <p:cNvPr id="13" name="그림 12" descr="텍스트이(가) 표시된 사진&#10;&#10;자동 생성된 설명">
+            <a:extLst>
+              <a:ext uri="{FF2B5EF4-FFF2-40B4-BE49-F238E27FC236}">
+                <a16:creationId xmlns:a16="http://schemas.microsoft.com/office/drawing/2014/main" id="{A028412D-1D04-7346-90C6-1A2D9615121E}"/>
+              </a:ext>
+            </a:extLst>
+          </p:cNvPr>
+          <p:cNvPicPr>
+            <a:picLocks noChangeAspect="1"/>
+          </p:cNvPicPr>
+          <p:nvPr/>
+        </p:nvPicPr>
+        <p:blipFill>
+          <a:blip r:embed="rId3">
+            <a:extLst>
+              <a:ext uri="{28A0092B-C50C-407E-A947-70E740481C1C}">
+                <a14:useLocalDpi xmlns:a14="http://schemas.microsoft.com/office/drawing/2010/main" val="0"/>
+              </a:ext>
+            </a:extLst>
+          </a:blip>
+          <a:stretch>
+            <a:fillRect/>
+          </a:stretch>
+        </p:blipFill>
+        <p:spPr>
+          <a:xfrm>
+            <a:off x="828382" y="2845516"/>
+            <a:ext cx="3618391" cy="1249650"/>
+          </a:xfrm>
+          <a:prstGeom prst="rect">
+            <a:avLst/>
+          </a:prstGeom>
+        </p:spPr>
+      </p:pic>
+      <p:sp>
+        <p:nvSpPr>
+          <p:cNvPr id="14" name="직사각형 13">
+            <a:extLst>
+              <a:ext uri="{FF2B5EF4-FFF2-40B4-BE49-F238E27FC236}">
+                <a16:creationId xmlns:a16="http://schemas.microsoft.com/office/drawing/2014/main" id="{FAF200C6-B3C2-624A-B33F-94925306D4D9}"/>
+              </a:ext>
+            </a:extLst>
+          </p:cNvPr>
+          <p:cNvSpPr/>
+          <p:nvPr/>
+        </p:nvSpPr>
+        <p:spPr>
+          <a:xfrm>
+            <a:off x="6847301" y="1945725"/>
+            <a:ext cx="4516316" cy="1938992"/>
+          </a:xfrm>
+          <a:prstGeom prst="rect">
+            <a:avLst/>
+          </a:prstGeom>
+        </p:spPr>
+        <p:txBody>
+          <a:bodyPr wrap="square">
+            <a:spAutoFit/>
+          </a:bodyPr>
+          <a:lstStyle/>
+          <a:p>
+            <a:r>
+              <a:rPr lang="ko-KR" altLang="en-US" sz="1200" b="1" dirty="0" err="1">
+                <a:solidFill>
+                  <a:schemeClr val="accent1">
+                    <a:lumMod val="75000"/>
+                  </a:schemeClr>
+                </a:solidFill>
+                <a:latin typeface="KoPubDotum Bold" pitchFamily="2" charset="-127"/>
+                <a:ea typeface="KoPubDotum Bold" pitchFamily="2" charset="-127"/>
+              </a:rPr>
+              <a:t>연앙인구</a:t>
+            </a:r>
+            <a:r>
+              <a:rPr lang="ko-KR" altLang="en-US" sz="1200" b="1" dirty="0">
+                <a:solidFill>
+                  <a:srgbClr val="202124"/>
+                </a:solidFill>
+                <a:latin typeface="KoPubDotum Bold" pitchFamily="2" charset="-127"/>
+                <a:ea typeface="KoPubDotum Bold" pitchFamily="2" charset="-127"/>
+              </a:rPr>
+              <a:t> </a:t>
+            </a:r>
+            <a:r>
+              <a:rPr lang="en-US" altLang="ko-KR" sz="1200" b="1" dirty="0">
+                <a:solidFill>
+                  <a:srgbClr val="202124"/>
+                </a:solidFill>
+                <a:latin typeface="KoPubDotum Bold" pitchFamily="2" charset="-127"/>
+                <a:ea typeface="KoPubDotum Bold" pitchFamily="2" charset="-127"/>
+              </a:rPr>
+              <a:t>-</a:t>
+            </a:r>
+            <a:r>
+              <a:rPr lang="ko-KR" altLang="en-US" sz="1200" b="1" dirty="0">
+                <a:solidFill>
+                  <a:srgbClr val="202124"/>
+                </a:solidFill>
+                <a:latin typeface="KoPubDotum Bold" pitchFamily="2" charset="-127"/>
+                <a:ea typeface="KoPubDotum Bold" pitchFamily="2" charset="-127"/>
+              </a:rPr>
+              <a:t> </a:t>
+            </a:r>
+            <a:r>
+              <a:rPr lang="en-US" altLang="ko-KR" sz="1200" b="1" dirty="0">
+                <a:solidFill>
+                  <a:srgbClr val="202124"/>
+                </a:solidFill>
+                <a:latin typeface="KoPubDotum Bold" pitchFamily="2" charset="-127"/>
+                <a:ea typeface="KoPubDotum Bold" pitchFamily="2" charset="-127"/>
+              </a:rPr>
+              <a:t>7</a:t>
+            </a:r>
+            <a:r>
+              <a:rPr lang="ko-KR" altLang="en-US" sz="1200" b="1" dirty="0">
+                <a:solidFill>
+                  <a:srgbClr val="202124"/>
+                </a:solidFill>
+                <a:latin typeface="KoPubDotum Bold" pitchFamily="2" charset="-127"/>
+                <a:ea typeface="KoPubDotum Bold" pitchFamily="2" charset="-127"/>
+              </a:rPr>
+              <a:t>월 </a:t>
+            </a:r>
+            <a:r>
+              <a:rPr lang="en-US" altLang="ko-KR" sz="1200" b="1" dirty="0">
+                <a:solidFill>
+                  <a:srgbClr val="202124"/>
+                </a:solidFill>
+                <a:latin typeface="KoPubDotum Bold" pitchFamily="2" charset="-127"/>
+                <a:ea typeface="KoPubDotum Bold" pitchFamily="2" charset="-127"/>
+              </a:rPr>
+              <a:t>1</a:t>
+            </a:r>
+            <a:r>
+              <a:rPr lang="ko-KR" altLang="en-US" sz="1200" b="1" dirty="0">
+                <a:solidFill>
+                  <a:srgbClr val="202124"/>
+                </a:solidFill>
+                <a:latin typeface="KoPubDotum Bold" pitchFamily="2" charset="-127"/>
+                <a:ea typeface="KoPubDotum Bold" pitchFamily="2" charset="-127"/>
+              </a:rPr>
+              <a:t>일 시점에서의 인구</a:t>
+            </a:r>
+            <a:r>
+              <a:rPr lang="en-US" altLang="ko-KR" sz="1200" b="1" dirty="0">
+                <a:solidFill>
+                  <a:srgbClr val="202124"/>
+                </a:solidFill>
+                <a:latin typeface="KoPubDotum Bold" pitchFamily="2" charset="-127"/>
+                <a:ea typeface="KoPubDotum Bold" pitchFamily="2" charset="-127"/>
+              </a:rPr>
+              <a:t>(</a:t>
+            </a:r>
+            <a:r>
+              <a:rPr lang="ko-KR" altLang="en-US" sz="1200" b="1" dirty="0" err="1">
+                <a:solidFill>
+                  <a:srgbClr val="202124"/>
+                </a:solidFill>
+                <a:latin typeface="KoPubDotum Bold" pitchFamily="2" charset="-127"/>
+                <a:ea typeface="KoPubDotum Bold" pitchFamily="2" charset="-127"/>
+              </a:rPr>
+              <a:t>연앙</a:t>
+            </a:r>
+            <a:r>
+              <a:rPr lang="ko-KR" altLang="en-US" sz="1200" b="1" dirty="0" err="1">
+                <a:latin typeface="KoPubDotum Bold" pitchFamily="2" charset="-127"/>
+                <a:ea typeface="KoPubDotum Bold" pitchFamily="2" charset="-127"/>
+              </a:rPr>
+              <a:t>年央</a:t>
+            </a:r>
+            <a:r>
+              <a:rPr lang="en-US" altLang="ko-KR" sz="1200" b="1" dirty="0">
+                <a:solidFill>
+                  <a:srgbClr val="202124"/>
+                </a:solidFill>
+                <a:latin typeface="KoPubDotum Bold" pitchFamily="2" charset="-127"/>
+                <a:ea typeface="KoPubDotum Bold" pitchFamily="2" charset="-127"/>
+              </a:rPr>
+              <a:t>)</a:t>
+            </a:r>
+          </a:p>
+          <a:p>
+            <a:endParaRPr lang="en-US" altLang="ko-KR" sz="1200" b="1" dirty="0">
+              <a:solidFill>
+                <a:schemeClr val="accent1">
+                  <a:lumMod val="75000"/>
+                </a:schemeClr>
+              </a:solidFill>
+              <a:latin typeface="KoPubDotum Bold" pitchFamily="2" charset="-127"/>
+              <a:ea typeface="KoPubDotum Bold" pitchFamily="2" charset="-127"/>
+            </a:endParaRPr>
+          </a:p>
+          <a:p>
+            <a:r>
+              <a:rPr lang="ko-KR" altLang="en-US" sz="1200" b="1" dirty="0">
+                <a:solidFill>
+                  <a:schemeClr val="accent1">
+                    <a:lumMod val="75000"/>
+                  </a:schemeClr>
+                </a:solidFill>
+                <a:latin typeface="KoPubDotum Bold" pitchFamily="2" charset="-127"/>
+                <a:ea typeface="KoPubDotum Bold" pitchFamily="2" charset="-127"/>
+              </a:rPr>
+              <a:t>순재생산율</a:t>
+            </a:r>
+            <a:r>
+              <a:rPr lang="ko-KR" altLang="en-US" sz="1200" b="1" dirty="0">
+                <a:solidFill>
+                  <a:srgbClr val="202124"/>
+                </a:solidFill>
+                <a:latin typeface="KoPubDotum Bold" pitchFamily="2" charset="-127"/>
+                <a:ea typeface="KoPubDotum Bold" pitchFamily="2" charset="-127"/>
+              </a:rPr>
+              <a:t> </a:t>
+            </a:r>
+            <a:r>
+              <a:rPr lang="en-US" altLang="ko-KR" sz="1200" b="1" dirty="0">
+                <a:solidFill>
+                  <a:srgbClr val="202124"/>
+                </a:solidFill>
+                <a:latin typeface="KoPubDotum Bold" pitchFamily="2" charset="-127"/>
+                <a:ea typeface="KoPubDotum Bold" pitchFamily="2" charset="-127"/>
+              </a:rPr>
+              <a:t>-</a:t>
+            </a:r>
+            <a:r>
+              <a:rPr lang="ko-KR" altLang="en-US" sz="1200" b="1" dirty="0">
+                <a:solidFill>
+                  <a:srgbClr val="202124"/>
+                </a:solidFill>
+                <a:latin typeface="KoPubDotum Bold" pitchFamily="2" charset="-127"/>
+                <a:ea typeface="KoPubDotum Bold" pitchFamily="2" charset="-127"/>
+              </a:rPr>
+              <a:t> 총 </a:t>
+            </a:r>
+            <a:r>
+              <a:rPr lang="ko-KR" altLang="en-US" sz="1200" b="1" dirty="0" err="1">
+                <a:solidFill>
+                  <a:srgbClr val="202124"/>
+                </a:solidFill>
+                <a:latin typeface="KoPubDotum Bold" pitchFamily="2" charset="-127"/>
+                <a:ea typeface="KoPubDotum Bold" pitchFamily="2" charset="-127"/>
+              </a:rPr>
+              <a:t>재생산율</a:t>
+            </a:r>
+            <a:r>
+              <a:rPr lang="ko-KR" altLang="en-US" sz="1200" b="1" dirty="0">
+                <a:solidFill>
+                  <a:srgbClr val="202124"/>
+                </a:solidFill>
+                <a:latin typeface="KoPubDotum Bold" pitchFamily="2" charset="-127"/>
+                <a:ea typeface="KoPubDotum Bold" pitchFamily="2" charset="-127"/>
+              </a:rPr>
+              <a:t> </a:t>
+            </a:r>
+            <a:r>
+              <a:rPr lang="en-US" altLang="ko-Kore-KR" sz="1200" b="1" dirty="0">
+                <a:latin typeface="KoPubDotum Bold" pitchFamily="2" charset="-127"/>
+                <a:ea typeface="KoPubDotum Bold" pitchFamily="2" charset="-127"/>
+              </a:rPr>
+              <a:t>×</a:t>
+            </a:r>
+            <a:r>
+              <a:rPr lang="ko-KR" altLang="en-US" sz="1200" b="1" dirty="0">
+                <a:latin typeface="KoPubDotum Bold" pitchFamily="2" charset="-127"/>
+                <a:ea typeface="KoPubDotum Bold" pitchFamily="2" charset="-127"/>
+              </a:rPr>
+              <a:t> </a:t>
+            </a:r>
+            <a:r>
+              <a:rPr lang="ko-KR" altLang="en-US" sz="1200" b="1" dirty="0" err="1">
+                <a:latin typeface="KoPubDotum Bold" pitchFamily="2" charset="-127"/>
+                <a:ea typeface="KoPubDotum Bold" pitchFamily="2" charset="-127"/>
+              </a:rPr>
+              <a:t>출생여아의</a:t>
+            </a:r>
+            <a:r>
+              <a:rPr lang="ko-KR" altLang="en-US" sz="1200" b="1" dirty="0">
+                <a:latin typeface="KoPubDotum Bold" pitchFamily="2" charset="-127"/>
+                <a:ea typeface="KoPubDotum Bold" pitchFamily="2" charset="-127"/>
+              </a:rPr>
+              <a:t> </a:t>
+            </a:r>
+            <a:r>
+              <a:rPr lang="ko-KR" altLang="en-US" sz="1200" b="1" dirty="0" err="1">
+                <a:latin typeface="KoPubDotum Bold" pitchFamily="2" charset="-127"/>
+                <a:ea typeface="KoPubDotum Bold" pitchFamily="2" charset="-127"/>
+              </a:rPr>
+              <a:t>생잔율</a:t>
+            </a:r>
+            <a:endParaRPr lang="en-US" altLang="ko-KR" sz="1200" b="1" dirty="0">
+              <a:latin typeface="KoPubDotum Bold" pitchFamily="2" charset="-127"/>
+              <a:ea typeface="KoPubDotum Bold" pitchFamily="2" charset="-127"/>
+            </a:endParaRPr>
+          </a:p>
+          <a:p>
+            <a:endParaRPr lang="en-US" altLang="ko-KR" sz="1200" b="1" dirty="0">
+              <a:solidFill>
+                <a:schemeClr val="accent1">
+                  <a:lumMod val="75000"/>
+                </a:schemeClr>
+              </a:solidFill>
+              <a:latin typeface="KoPubDotum Bold" pitchFamily="2" charset="-127"/>
+              <a:ea typeface="KoPubDotum Bold" pitchFamily="2" charset="-127"/>
+            </a:endParaRPr>
+          </a:p>
+          <a:p>
+            <a:r>
+              <a:rPr lang="ko-KR" altLang="en-US" sz="1200" b="1" dirty="0" err="1">
+                <a:solidFill>
+                  <a:schemeClr val="accent1">
+                    <a:lumMod val="75000"/>
+                  </a:schemeClr>
+                </a:solidFill>
+                <a:latin typeface="KoPubDotum Bold" pitchFamily="2" charset="-127"/>
+                <a:ea typeface="KoPubDotum Bold" pitchFamily="2" charset="-127"/>
+              </a:rPr>
+              <a:t>기대여명</a:t>
+            </a:r>
+            <a:r>
+              <a:rPr lang="ko-KR" altLang="en-US" sz="1200" b="1" dirty="0">
+                <a:solidFill>
+                  <a:srgbClr val="202124"/>
+                </a:solidFill>
+                <a:latin typeface="KoPubDotum Bold" pitchFamily="2" charset="-127"/>
+                <a:ea typeface="KoPubDotum Bold" pitchFamily="2" charset="-127"/>
+              </a:rPr>
+              <a:t> </a:t>
+            </a:r>
+            <a:r>
+              <a:rPr lang="en-US" altLang="ko-KR" sz="1200" b="1" dirty="0">
+                <a:solidFill>
+                  <a:srgbClr val="202124"/>
+                </a:solidFill>
+                <a:latin typeface="KoPubDotum Bold" pitchFamily="2" charset="-127"/>
+                <a:ea typeface="KoPubDotum Bold" pitchFamily="2" charset="-127"/>
+              </a:rPr>
+              <a:t>-</a:t>
+            </a:r>
+            <a:r>
+              <a:rPr lang="ko-KR" altLang="en-US" sz="1200" b="1" dirty="0">
+                <a:solidFill>
+                  <a:srgbClr val="202124"/>
+                </a:solidFill>
+                <a:latin typeface="KoPubDotum Bold" pitchFamily="2" charset="-127"/>
+                <a:ea typeface="KoPubDotum Bold" pitchFamily="2" charset="-127"/>
+              </a:rPr>
+              <a:t> 당시의 연령별사망률이 지속된다고 가정할 때 </a:t>
+            </a:r>
+            <a:r>
+              <a:rPr lang="ko-KR" altLang="en-US" sz="1200" b="1" dirty="0">
+                <a:solidFill>
+                  <a:srgbClr val="00B0F0"/>
+                </a:solidFill>
+                <a:latin typeface="KoPubDotum Bold" pitchFamily="2" charset="-127"/>
+                <a:ea typeface="KoPubDotum Bold" pitchFamily="2" charset="-127"/>
+              </a:rPr>
+              <a:t>그 연령의 사람</a:t>
+            </a:r>
+            <a:r>
+              <a:rPr lang="ko-KR" altLang="en-US" sz="1200" b="1" dirty="0">
+                <a:solidFill>
+                  <a:srgbClr val="202124"/>
+                </a:solidFill>
+                <a:latin typeface="KoPubDotum Bold" pitchFamily="2" charset="-127"/>
+                <a:ea typeface="KoPubDotum Bold" pitchFamily="2" charset="-127"/>
+              </a:rPr>
+              <a:t>이 앞으로 더 살수 있는 평균 연수</a:t>
+            </a:r>
+            <a:r>
+              <a:rPr lang="en-US" altLang="ko-KR" sz="1200" b="1" dirty="0">
+                <a:solidFill>
+                  <a:srgbClr val="202124"/>
+                </a:solidFill>
+                <a:latin typeface="KoPubDotum Bold" pitchFamily="2" charset="-127"/>
+                <a:ea typeface="KoPubDotum Bold" pitchFamily="2" charset="-127"/>
+              </a:rPr>
+              <a:t>,</a:t>
+            </a:r>
+            <a:r>
+              <a:rPr lang="ko-KR" altLang="en-US" sz="1200" b="1" dirty="0">
+                <a:solidFill>
+                  <a:srgbClr val="202124"/>
+                </a:solidFill>
+                <a:latin typeface="KoPubDotum Bold" pitchFamily="2" charset="-127"/>
+                <a:ea typeface="KoPubDotum Bold" pitchFamily="2" charset="-127"/>
+              </a:rPr>
+              <a:t> </a:t>
+            </a:r>
+            <a:r>
+              <a:rPr lang="ko-KR" altLang="en-US" sz="1200" b="1" dirty="0">
+                <a:solidFill>
+                  <a:srgbClr val="FF0000"/>
+                </a:solidFill>
+                <a:latin typeface="KoPubDotum Bold" pitchFamily="2" charset="-127"/>
+                <a:ea typeface="KoPubDotum Bold" pitchFamily="2" charset="-127"/>
+              </a:rPr>
+              <a:t>세대가 아니다</a:t>
+            </a:r>
+            <a:endParaRPr lang="en-US" altLang="ko-KR" sz="1200" b="1" dirty="0">
+              <a:solidFill>
+                <a:srgbClr val="FF0000"/>
+              </a:solidFill>
+              <a:latin typeface="KoPubDotum Bold" pitchFamily="2" charset="-127"/>
+              <a:ea typeface="KoPubDotum Bold" pitchFamily="2" charset="-127"/>
+            </a:endParaRPr>
+          </a:p>
+          <a:p>
+            <a:endParaRPr lang="en-US" altLang="ko-KR" sz="1200" b="1" dirty="0">
+              <a:solidFill>
+                <a:schemeClr val="accent1">
+                  <a:lumMod val="75000"/>
+                </a:schemeClr>
+              </a:solidFill>
+              <a:latin typeface="KoPubDotum Bold" pitchFamily="2" charset="-127"/>
+              <a:ea typeface="KoPubDotum Bold" pitchFamily="2" charset="-127"/>
+            </a:endParaRPr>
+          </a:p>
+          <a:p>
+            <a:r>
+              <a:rPr lang="ko-KR" altLang="en-US" sz="1200" b="1" dirty="0" err="1">
+                <a:solidFill>
+                  <a:schemeClr val="accent1">
+                    <a:lumMod val="75000"/>
+                  </a:schemeClr>
+                </a:solidFill>
+                <a:latin typeface="KoPubDotum Bold" pitchFamily="2" charset="-127"/>
+                <a:ea typeface="KoPubDotum Bold" pitchFamily="2" charset="-127"/>
+              </a:rPr>
+              <a:t>조사망률</a:t>
+            </a:r>
+            <a:r>
+              <a:rPr lang="ko-KR" altLang="en-US" sz="1200" b="1" dirty="0">
+                <a:solidFill>
+                  <a:srgbClr val="202124"/>
+                </a:solidFill>
+                <a:latin typeface="KoPubDotum Bold" pitchFamily="2" charset="-127"/>
+                <a:ea typeface="KoPubDotum Bold" pitchFamily="2" charset="-127"/>
+              </a:rPr>
+              <a:t> </a:t>
+            </a:r>
+            <a:r>
+              <a:rPr lang="en-US" altLang="ko-KR" sz="1200" b="1" dirty="0">
+                <a:solidFill>
+                  <a:srgbClr val="202124"/>
+                </a:solidFill>
+                <a:latin typeface="KoPubDotum Bold" pitchFamily="2" charset="-127"/>
+                <a:ea typeface="KoPubDotum Bold" pitchFamily="2" charset="-127"/>
+              </a:rPr>
+              <a:t>-</a:t>
+            </a:r>
+            <a:r>
+              <a:rPr lang="ko-KR" altLang="en-US" sz="1200" b="1" dirty="0">
+                <a:solidFill>
+                  <a:srgbClr val="202124"/>
+                </a:solidFill>
+                <a:latin typeface="KoPubDotum Bold" pitchFamily="2" charset="-127"/>
+                <a:ea typeface="KoPubDotum Bold" pitchFamily="2" charset="-127"/>
+              </a:rPr>
+              <a:t> 한 인구집단의 </a:t>
+            </a:r>
+            <a:r>
+              <a:rPr lang="ko-KR" altLang="en-US" sz="1200" b="1" dirty="0" err="1">
+                <a:solidFill>
+                  <a:srgbClr val="202124"/>
+                </a:solidFill>
+                <a:latin typeface="KoPubDotum Bold" pitchFamily="2" charset="-127"/>
+                <a:ea typeface="KoPubDotum Bold" pitchFamily="2" charset="-127"/>
+              </a:rPr>
+              <a:t>사망수준을</a:t>
+            </a:r>
+            <a:r>
+              <a:rPr lang="ko-KR" altLang="en-US" sz="1200" b="1" dirty="0">
+                <a:solidFill>
+                  <a:srgbClr val="202124"/>
+                </a:solidFill>
+                <a:latin typeface="KoPubDotum Bold" pitchFamily="2" charset="-127"/>
+                <a:ea typeface="KoPubDotum Bold" pitchFamily="2" charset="-127"/>
+              </a:rPr>
+              <a:t> 나타내는 기초적인 지표</a:t>
+            </a:r>
+            <a:endParaRPr lang="en-US" altLang="ko-KR" sz="1200" b="1" dirty="0">
+              <a:solidFill>
+                <a:srgbClr val="202124"/>
+              </a:solidFill>
+              <a:latin typeface="KoPubDotum Bold" pitchFamily="2" charset="-127"/>
+              <a:ea typeface="KoPubDotum Bold" pitchFamily="2" charset="-127"/>
+            </a:endParaRPr>
+          </a:p>
+          <a:p>
+            <a:r>
+              <a:rPr lang="ko-KR" altLang="en-US" sz="1200" b="1" dirty="0">
+                <a:solidFill>
+                  <a:srgbClr val="202124"/>
+                </a:solidFill>
+                <a:latin typeface="KoPubDotum Bold" pitchFamily="2" charset="-127"/>
+                <a:ea typeface="KoPubDotum Bold" pitchFamily="2" charset="-127"/>
+              </a:rPr>
+              <a:t>여기서 조</a:t>
+            </a:r>
+            <a:r>
+              <a:rPr lang="en-US" altLang="ko-KR" sz="1200" b="1" dirty="0">
+                <a:solidFill>
+                  <a:srgbClr val="202124"/>
+                </a:solidFill>
+                <a:latin typeface="KoPubDotum Bold" pitchFamily="2" charset="-127"/>
+                <a:ea typeface="KoPubDotum Bold" pitchFamily="2" charset="-127"/>
+              </a:rPr>
+              <a:t>(Crude)</a:t>
+            </a:r>
+            <a:r>
+              <a:rPr lang="ko-KR" altLang="en-US" sz="1200" b="1" dirty="0">
+                <a:solidFill>
+                  <a:srgbClr val="202124"/>
+                </a:solidFill>
+                <a:latin typeface="KoPubDotum Bold" pitchFamily="2" charset="-127"/>
+                <a:ea typeface="KoPubDotum Bold" pitchFamily="2" charset="-127"/>
+              </a:rPr>
+              <a:t>는 이르다가 아니라 </a:t>
+            </a:r>
+            <a:r>
+              <a:rPr lang="ko-KR" altLang="en-US" sz="1200" b="1" dirty="0">
+                <a:solidFill>
+                  <a:srgbClr val="FF0000"/>
+                </a:solidFill>
+                <a:latin typeface="KoPubDotum Bold" pitchFamily="2" charset="-127"/>
+                <a:ea typeface="KoPubDotum Bold" pitchFamily="2" charset="-127"/>
+              </a:rPr>
+              <a:t>가공되지 않은</a:t>
+            </a:r>
+            <a:r>
+              <a:rPr lang="ko-KR" altLang="en-US" sz="1200" b="1" dirty="0">
+                <a:solidFill>
+                  <a:srgbClr val="202124"/>
+                </a:solidFill>
+                <a:latin typeface="KoPubDotum Bold" pitchFamily="2" charset="-127"/>
+                <a:ea typeface="KoPubDotum Bold" pitchFamily="2" charset="-127"/>
+              </a:rPr>
+              <a:t> 이라는 뜻임</a:t>
+            </a:r>
+            <a:endParaRPr lang="en-US" altLang="ko-KR" sz="1200" b="1" dirty="0">
+              <a:solidFill>
+                <a:srgbClr val="202124"/>
+              </a:solidFill>
+              <a:latin typeface="KoPubDotum Bold" pitchFamily="2" charset="-127"/>
+              <a:ea typeface="KoPubDotum Bold" pitchFamily="2" charset="-127"/>
+            </a:endParaRPr>
+          </a:p>
+          <a:p>
+            <a:r>
+              <a:rPr lang="ko-KR" altLang="en-US" sz="1200" b="1" dirty="0">
+                <a:solidFill>
+                  <a:srgbClr val="202124"/>
+                </a:solidFill>
+                <a:latin typeface="KoPubDotum Bold" pitchFamily="2" charset="-127"/>
+                <a:ea typeface="KoPubDotum Bold" pitchFamily="2" charset="-127"/>
+              </a:rPr>
+              <a:t>평균수명보다 일찍 사망하는 </a:t>
+            </a:r>
+            <a:r>
+              <a:rPr lang="ko-KR" altLang="en-US" sz="1200" b="1" dirty="0" err="1">
+                <a:solidFill>
+                  <a:srgbClr val="202124"/>
+                </a:solidFill>
+                <a:latin typeface="KoPubDotum Bold" pitchFamily="2" charset="-127"/>
+                <a:ea typeface="KoPubDotum Bold" pitchFamily="2" charset="-127"/>
+              </a:rPr>
+              <a:t>인구비율을</a:t>
+            </a:r>
+            <a:r>
+              <a:rPr lang="ko-KR" altLang="en-US" sz="1200" b="1" dirty="0">
+                <a:solidFill>
+                  <a:srgbClr val="202124"/>
+                </a:solidFill>
+                <a:latin typeface="KoPubDotum Bold" pitchFamily="2" charset="-127"/>
+                <a:ea typeface="KoPubDotum Bold" pitchFamily="2" charset="-127"/>
+              </a:rPr>
+              <a:t> 지칭하는 용어는 </a:t>
+            </a:r>
+            <a:r>
+              <a:rPr lang="ko-KR" altLang="en-US" sz="1200" b="1" dirty="0">
+                <a:solidFill>
+                  <a:srgbClr val="FF0000"/>
+                </a:solidFill>
+                <a:latin typeface="KoPubDotum Bold" pitchFamily="2" charset="-127"/>
+                <a:ea typeface="KoPubDotum Bold" pitchFamily="2" charset="-127"/>
+              </a:rPr>
+              <a:t>없다</a:t>
+            </a:r>
+            <a:r>
+              <a:rPr lang="en-US" altLang="ko-KR" sz="1200" b="1" dirty="0">
+                <a:solidFill>
+                  <a:srgbClr val="202124"/>
+                </a:solidFill>
+                <a:latin typeface="KoPubDotum Bold" pitchFamily="2" charset="-127"/>
+                <a:ea typeface="KoPubDotum Bold" pitchFamily="2" charset="-127"/>
+              </a:rPr>
+              <a:t>.</a:t>
+            </a:r>
+          </a:p>
+        </p:txBody>
+      </p:sp>
+      <p:sp>
+        <p:nvSpPr>
+          <p:cNvPr id="15" name="TextBox 14">
+            <a:extLst>
+              <a:ext uri="{FF2B5EF4-FFF2-40B4-BE49-F238E27FC236}">
+                <a16:creationId xmlns:a16="http://schemas.microsoft.com/office/drawing/2014/main" id="{20A366DA-8813-A542-A557-E0B823F49E96}"/>
+              </a:ext>
+            </a:extLst>
+          </p:cNvPr>
+          <p:cNvSpPr txBox="1"/>
+          <p:nvPr/>
+        </p:nvSpPr>
+        <p:spPr>
+          <a:xfrm>
+            <a:off x="828383" y="658204"/>
+            <a:ext cx="2097031" cy="276999"/>
+          </a:xfrm>
+          <a:prstGeom prst="rect">
+            <a:avLst/>
+          </a:prstGeom>
+          <a:noFill/>
+        </p:spPr>
+        <p:txBody>
+          <a:bodyPr wrap="square" rtlCol="0">
+            <a:spAutoFit/>
+          </a:bodyPr>
+          <a:lstStyle/>
+          <a:p>
+            <a:r>
+              <a:rPr lang="en-US" altLang="ko-KR" sz="1200" dirty="0">
+                <a:latin typeface="KoPub돋움체 Bold" panose="02020603020101020101" pitchFamily="18" charset="-127"/>
+                <a:ea typeface="KoPub돋움체 Bold" panose="02020603020101020101" pitchFamily="18" charset="-127"/>
+              </a:rPr>
+              <a:t>2018</a:t>
+            </a:r>
+            <a:r>
+              <a:rPr lang="ko-KR" altLang="en-US" sz="1200" dirty="0">
+                <a:latin typeface="KoPub돋움체 Bold" panose="02020603020101020101" pitchFamily="18" charset="-127"/>
+                <a:ea typeface="KoPub돋움체 Bold" panose="02020603020101020101" pitchFamily="18" charset="-127"/>
+              </a:rPr>
+              <a:t>년도 </a:t>
+            </a:r>
+            <a:r>
+              <a:rPr lang="en-US" altLang="ko-KR" sz="1200" dirty="0">
+                <a:latin typeface="KoPub돋움체 Bold" panose="02020603020101020101" pitchFamily="18" charset="-127"/>
+                <a:ea typeface="KoPub돋움체 Bold" panose="02020603020101020101" pitchFamily="18" charset="-127"/>
+              </a:rPr>
+              <a:t>1</a:t>
+            </a:r>
+            <a:r>
+              <a:rPr lang="ko-KR" altLang="en-US" sz="1200" dirty="0">
+                <a:latin typeface="KoPub돋움체 Bold" panose="02020603020101020101" pitchFamily="18" charset="-127"/>
+                <a:ea typeface="KoPub돋움체 Bold" panose="02020603020101020101" pitchFamily="18" charset="-127"/>
+              </a:rPr>
+              <a:t>학기</a:t>
+            </a:r>
+          </a:p>
+        </p:txBody>
+      </p:sp>
+      <p:sp>
+        <p:nvSpPr>
+          <p:cNvPr id="16" name="TextBox 15">
+            <a:extLst>
+              <a:ext uri="{FF2B5EF4-FFF2-40B4-BE49-F238E27FC236}">
+                <a16:creationId xmlns:a16="http://schemas.microsoft.com/office/drawing/2014/main" id="{236C2BE1-A332-614D-86E0-0F2ED2C34095}"/>
+              </a:ext>
+            </a:extLst>
+          </p:cNvPr>
+          <p:cNvSpPr txBox="1"/>
+          <p:nvPr/>
+        </p:nvSpPr>
+        <p:spPr>
+          <a:xfrm>
+            <a:off x="828382" y="2529107"/>
+            <a:ext cx="2097031" cy="276999"/>
+          </a:xfrm>
+          <a:prstGeom prst="rect">
+            <a:avLst/>
+          </a:prstGeom>
+          <a:noFill/>
+        </p:spPr>
+        <p:txBody>
+          <a:bodyPr wrap="square" rtlCol="0">
+            <a:spAutoFit/>
+          </a:bodyPr>
+          <a:lstStyle/>
+          <a:p>
+            <a:r>
+              <a:rPr lang="en-US" altLang="ko-KR" sz="1200" dirty="0">
+                <a:latin typeface="KoPub돋움체 Bold" panose="02020603020101020101" pitchFamily="18" charset="-127"/>
+                <a:ea typeface="KoPub돋움체 Bold" panose="02020603020101020101" pitchFamily="18" charset="-127"/>
+              </a:rPr>
+              <a:t>2017</a:t>
+            </a:r>
+            <a:r>
+              <a:rPr lang="ko-KR" altLang="en-US" sz="1200" dirty="0">
+                <a:latin typeface="KoPub돋움체 Bold" panose="02020603020101020101" pitchFamily="18" charset="-127"/>
+                <a:ea typeface="KoPub돋움체 Bold" panose="02020603020101020101" pitchFamily="18" charset="-127"/>
+              </a:rPr>
+              <a:t>년도 </a:t>
+            </a:r>
+            <a:r>
+              <a:rPr lang="en-US" altLang="ko-KR" sz="1200" dirty="0">
+                <a:latin typeface="KoPub돋움체 Bold" panose="02020603020101020101" pitchFamily="18" charset="-127"/>
+                <a:ea typeface="KoPub돋움체 Bold" panose="02020603020101020101" pitchFamily="18" charset="-127"/>
+              </a:rPr>
+              <a:t>1</a:t>
+            </a:r>
+            <a:r>
+              <a:rPr lang="ko-KR" altLang="en-US" sz="1200" dirty="0">
+                <a:latin typeface="KoPub돋움체 Bold" panose="02020603020101020101" pitchFamily="18" charset="-127"/>
+                <a:ea typeface="KoPub돋움체 Bold" panose="02020603020101020101" pitchFamily="18" charset="-127"/>
+              </a:rPr>
+              <a:t>학기</a:t>
+            </a:r>
+          </a:p>
+        </p:txBody>
+      </p:sp>
+      <p:sp>
+        <p:nvSpPr>
+          <p:cNvPr id="17" name="직사각형 16">
+            <a:extLst>
+              <a:ext uri="{FF2B5EF4-FFF2-40B4-BE49-F238E27FC236}">
+                <a16:creationId xmlns:a16="http://schemas.microsoft.com/office/drawing/2014/main" id="{C783BD6F-D7BC-8241-A637-BBED88C0363A}"/>
+              </a:ext>
+            </a:extLst>
+          </p:cNvPr>
+          <p:cNvSpPr/>
+          <p:nvPr/>
+        </p:nvSpPr>
+        <p:spPr>
+          <a:xfrm>
+            <a:off x="1000163" y="1439944"/>
+            <a:ext cx="3369884" cy="157483"/>
+          </a:xfrm>
+          <a:prstGeom prst="rect">
+            <a:avLst/>
+          </a:prstGeom>
+          <a:noFill/>
+          <a:ln w="25400">
+            <a:solidFill>
+              <a:srgbClr val="C00000"/>
+            </a:solidFill>
+          </a:ln>
+        </p:spPr>
+        <p:style>
+          <a:lnRef idx="2">
+            <a:schemeClr val="accent1">
+              <a:shade val="50000"/>
+            </a:schemeClr>
+          </a:lnRef>
+          <a:fillRef idx="1">
+            <a:schemeClr val="accent1"/>
+          </a:fillRef>
+          <a:effectRef idx="0">
+            <a:schemeClr val="accent1"/>
+          </a:effectRef>
+          <a:fontRef idx="minor">
+            <a:schemeClr val="lt1"/>
+          </a:fontRef>
+        </p:style>
+        <p:txBody>
+          <a:bodyPr rtlCol="0" anchor="ctr"/>
+          <a:lstStyle/>
+          <a:p>
+            <a:pPr algn="ctr"/>
+            <a:endParaRPr lang="ko-KR" altLang="en-US"/>
+          </a:p>
+        </p:txBody>
+      </p:sp>
+      <p:sp>
+        <p:nvSpPr>
+          <p:cNvPr id="18" name="직사각형 17">
+            <a:extLst>
+              <a:ext uri="{FF2B5EF4-FFF2-40B4-BE49-F238E27FC236}">
+                <a16:creationId xmlns:a16="http://schemas.microsoft.com/office/drawing/2014/main" id="{4B090432-ABDC-8642-89E2-D1D75839E432}"/>
+              </a:ext>
+            </a:extLst>
+          </p:cNvPr>
+          <p:cNvSpPr/>
+          <p:nvPr/>
+        </p:nvSpPr>
+        <p:spPr>
+          <a:xfrm>
+            <a:off x="932845" y="3937683"/>
+            <a:ext cx="2881829" cy="157483"/>
+          </a:xfrm>
+          <a:prstGeom prst="rect">
+            <a:avLst/>
+          </a:prstGeom>
+          <a:noFill/>
+          <a:ln w="25400">
+            <a:solidFill>
+              <a:srgbClr val="C00000"/>
+            </a:solidFill>
+          </a:ln>
+        </p:spPr>
+        <p:style>
+          <a:lnRef idx="2">
+            <a:schemeClr val="accent1">
+              <a:shade val="50000"/>
+            </a:schemeClr>
+          </a:lnRef>
+          <a:fillRef idx="1">
+            <a:schemeClr val="accent1"/>
+          </a:fillRef>
+          <a:effectRef idx="0">
+            <a:schemeClr val="accent1"/>
+          </a:effectRef>
+          <a:fontRef idx="minor">
+            <a:schemeClr val="lt1"/>
+          </a:fontRef>
+        </p:style>
+        <p:txBody>
+          <a:bodyPr rtlCol="0" anchor="ctr"/>
+          <a:lstStyle/>
+          <a:p>
+            <a:pPr algn="ctr"/>
+            <a:endParaRPr lang="ko-KR" altLang="en-US"/>
+          </a:p>
+        </p:txBody>
+      </p:sp>
+    </p:spTree>
+    <p:extLst>
+      <p:ext uri="{BB962C8B-B14F-4D97-AF65-F5344CB8AC3E}">
+        <p14:creationId xmlns:p14="http://schemas.microsoft.com/office/powerpoint/2010/main" val="39852247"/>
+      </p:ext>
+    </p:extLst>
+  </p:cSld>
+  <p:clrMapOvr>
+    <a:masterClrMapping/>
+  </p:clrMapOvr>
+</p:sld>
+</file>
+
+<file path=ppt/slides/slide17.xml><?xml version="1.0" encoding="utf-8"?>
+<p:sld xmlns:a="http://schemas.openxmlformats.org/drawingml/2006/main" xmlns:r="http://schemas.openxmlformats.org/officeDocument/2006/relationships" xmlns:p="http://schemas.openxmlformats.org/presentationml/2006/main">
+  <p:cSld>
+    <p:spTree>
+      <p:nvGrpSpPr>
+        <p:cNvPr id="1" name=""/>
+        <p:cNvGrpSpPr/>
+        <p:nvPr/>
+      </p:nvGrpSpPr>
+      <p:grpSpPr>
+        <a:xfrm>
+          <a:off x="0" y="0"/>
+          <a:ext cx="0" cy="0"/>
+          <a:chOff x="0" y="0"/>
+          <a:chExt cx="0" cy="0"/>
+        </a:xfrm>
+      </p:grpSpPr>
+      <p:pic>
+        <p:nvPicPr>
+          <p:cNvPr id="4" name="그림 3" descr="텍스트, 영수증, 스크린샷이(가) 표시된 사진&#10;&#10;자동 생성된 설명">
+            <a:extLst>
+              <a:ext uri="{FF2B5EF4-FFF2-40B4-BE49-F238E27FC236}">
+                <a16:creationId xmlns:a16="http://schemas.microsoft.com/office/drawing/2014/main" id="{C0DECDFC-34C5-7D41-9535-DD510B201F99}"/>
+              </a:ext>
+            </a:extLst>
+          </p:cNvPr>
+          <p:cNvPicPr>
+            <a:picLocks noChangeAspect="1"/>
+          </p:cNvPicPr>
+          <p:nvPr/>
+        </p:nvPicPr>
+        <p:blipFill>
+          <a:blip r:embed="rId2">
+            <a:extLst>
+              <a:ext uri="{28A0092B-C50C-407E-A947-70E740481C1C}">
+                <a14:useLocalDpi xmlns:a14="http://schemas.microsoft.com/office/drawing/2010/main" val="0"/>
+              </a:ext>
+            </a:extLst>
+          </a:blip>
+          <a:stretch>
+            <a:fillRect/>
+          </a:stretch>
+        </p:blipFill>
+        <p:spPr>
+          <a:xfrm>
+            <a:off x="1041556" y="1093914"/>
+            <a:ext cx="3469538" cy="1907338"/>
+          </a:xfrm>
+          <a:prstGeom prst="rect">
+            <a:avLst/>
+          </a:prstGeom>
+        </p:spPr>
+      </p:pic>
+      <p:pic>
+        <p:nvPicPr>
+          <p:cNvPr id="5" name="그림 4" descr="텍스트이(가) 표시된 사진&#10;&#10;자동 생성된 설명">
+            <a:extLst>
+              <a:ext uri="{FF2B5EF4-FFF2-40B4-BE49-F238E27FC236}">
+                <a16:creationId xmlns:a16="http://schemas.microsoft.com/office/drawing/2014/main" id="{670DF1E8-8E29-2546-A29C-BCDB46B809C6}"/>
+              </a:ext>
+            </a:extLst>
+          </p:cNvPr>
+          <p:cNvPicPr>
+            <a:picLocks noChangeAspect="1"/>
+          </p:cNvPicPr>
+          <p:nvPr/>
+        </p:nvPicPr>
+        <p:blipFill>
+          <a:blip r:embed="rId3">
+            <a:extLst>
+              <a:ext uri="{28A0092B-C50C-407E-A947-70E740481C1C}">
+                <a14:useLocalDpi xmlns:a14="http://schemas.microsoft.com/office/drawing/2010/main" val="0"/>
+              </a:ext>
+            </a:extLst>
+          </a:blip>
+          <a:stretch>
+            <a:fillRect/>
+          </a:stretch>
+        </p:blipFill>
+        <p:spPr>
+          <a:xfrm>
+            <a:off x="6096000" y="1252391"/>
+            <a:ext cx="3818867" cy="1232757"/>
+          </a:xfrm>
+          <a:prstGeom prst="rect">
+            <a:avLst/>
+          </a:prstGeom>
+        </p:spPr>
+      </p:pic>
+      <p:sp>
+        <p:nvSpPr>
+          <p:cNvPr id="6" name="TextBox 5">
+            <a:extLst>
+              <a:ext uri="{FF2B5EF4-FFF2-40B4-BE49-F238E27FC236}">
+                <a16:creationId xmlns:a16="http://schemas.microsoft.com/office/drawing/2014/main" id="{1411F714-497A-C24F-B79C-244FE143308B}"/>
+              </a:ext>
+            </a:extLst>
+          </p:cNvPr>
+          <p:cNvSpPr txBox="1"/>
+          <p:nvPr/>
+        </p:nvSpPr>
+        <p:spPr>
+          <a:xfrm>
+            <a:off x="6096000" y="969315"/>
+            <a:ext cx="2097031" cy="276999"/>
+          </a:xfrm>
+          <a:prstGeom prst="rect">
+            <a:avLst/>
+          </a:prstGeom>
+          <a:noFill/>
+        </p:spPr>
+        <p:txBody>
+          <a:bodyPr wrap="square" rtlCol="0">
+            <a:spAutoFit/>
+          </a:bodyPr>
+          <a:lstStyle/>
+          <a:p>
+            <a:r>
+              <a:rPr lang="en-US" altLang="ko-KR" sz="1200" dirty="0">
+                <a:latin typeface="KoPub돋움체 Bold" panose="02020603020101020101" pitchFamily="18" charset="-127"/>
+                <a:ea typeface="KoPub돋움체 Bold" panose="02020603020101020101" pitchFamily="18" charset="-127"/>
+              </a:rPr>
+              <a:t>2016</a:t>
+            </a:r>
+            <a:r>
+              <a:rPr lang="ko-KR" altLang="en-US" sz="1200" dirty="0">
+                <a:latin typeface="KoPub돋움체 Bold" panose="02020603020101020101" pitchFamily="18" charset="-127"/>
+                <a:ea typeface="KoPub돋움체 Bold" panose="02020603020101020101" pitchFamily="18" charset="-127"/>
+              </a:rPr>
+              <a:t>년도 </a:t>
+            </a:r>
+            <a:r>
+              <a:rPr lang="en-US" altLang="ko-KR" sz="1200" dirty="0">
+                <a:latin typeface="KoPub돋움체 Bold" panose="02020603020101020101" pitchFamily="18" charset="-127"/>
+                <a:ea typeface="KoPub돋움체 Bold" panose="02020603020101020101" pitchFamily="18" charset="-127"/>
+              </a:rPr>
+              <a:t>1</a:t>
+            </a:r>
+            <a:r>
+              <a:rPr lang="ko-KR" altLang="en-US" sz="1200" dirty="0">
+                <a:latin typeface="KoPub돋움체 Bold" panose="02020603020101020101" pitchFamily="18" charset="-127"/>
+                <a:ea typeface="KoPub돋움체 Bold" panose="02020603020101020101" pitchFamily="18" charset="-127"/>
+              </a:rPr>
+              <a:t>학기</a:t>
+            </a:r>
+          </a:p>
+        </p:txBody>
+      </p:sp>
+      <p:sp>
+        <p:nvSpPr>
+          <p:cNvPr id="7" name="TextBox 6">
+            <a:extLst>
+              <a:ext uri="{FF2B5EF4-FFF2-40B4-BE49-F238E27FC236}">
+                <a16:creationId xmlns:a16="http://schemas.microsoft.com/office/drawing/2014/main" id="{500FAA75-9654-BB4E-90AF-75F48028482C}"/>
+              </a:ext>
+            </a:extLst>
+          </p:cNvPr>
+          <p:cNvSpPr txBox="1"/>
+          <p:nvPr/>
+        </p:nvSpPr>
+        <p:spPr>
+          <a:xfrm>
+            <a:off x="1041556" y="840851"/>
+            <a:ext cx="2097031" cy="276999"/>
+          </a:xfrm>
+          <a:prstGeom prst="rect">
+            <a:avLst/>
+          </a:prstGeom>
+          <a:noFill/>
+        </p:spPr>
+        <p:txBody>
+          <a:bodyPr wrap="square" rtlCol="0">
+            <a:spAutoFit/>
+          </a:bodyPr>
+          <a:lstStyle/>
+          <a:p>
+            <a:r>
+              <a:rPr lang="en-US" altLang="ko-KR" sz="1200" dirty="0">
+                <a:latin typeface="KoPub돋움체 Bold" panose="02020603020101020101" pitchFamily="18" charset="-127"/>
+                <a:ea typeface="KoPub돋움체 Bold" panose="02020603020101020101" pitchFamily="18" charset="-127"/>
+              </a:rPr>
+              <a:t>2018</a:t>
+            </a:r>
+            <a:r>
+              <a:rPr lang="ko-KR" altLang="en-US" sz="1200" dirty="0">
+                <a:latin typeface="KoPub돋움체 Bold" panose="02020603020101020101" pitchFamily="18" charset="-127"/>
+                <a:ea typeface="KoPub돋움체 Bold" panose="02020603020101020101" pitchFamily="18" charset="-127"/>
+              </a:rPr>
+              <a:t>년도 </a:t>
+            </a:r>
+            <a:r>
+              <a:rPr lang="en-US" altLang="ko-KR" sz="1200" dirty="0">
+                <a:latin typeface="KoPub돋움체 Bold" panose="02020603020101020101" pitchFamily="18" charset="-127"/>
+                <a:ea typeface="KoPub돋움체 Bold" panose="02020603020101020101" pitchFamily="18" charset="-127"/>
+              </a:rPr>
+              <a:t>1</a:t>
+            </a:r>
+            <a:r>
+              <a:rPr lang="ko-KR" altLang="en-US" sz="1200" dirty="0">
+                <a:latin typeface="KoPub돋움체 Bold" panose="02020603020101020101" pitchFamily="18" charset="-127"/>
+                <a:ea typeface="KoPub돋움체 Bold" panose="02020603020101020101" pitchFamily="18" charset="-127"/>
+              </a:rPr>
+              <a:t>학기</a:t>
+            </a:r>
+          </a:p>
+        </p:txBody>
+      </p:sp>
+      <p:sp>
+        <p:nvSpPr>
+          <p:cNvPr id="8" name="직사각형 7">
+            <a:extLst>
+              <a:ext uri="{FF2B5EF4-FFF2-40B4-BE49-F238E27FC236}">
+                <a16:creationId xmlns:a16="http://schemas.microsoft.com/office/drawing/2014/main" id="{F4BEEA45-4D06-7D48-B901-25F00451C52F}"/>
+              </a:ext>
+            </a:extLst>
+          </p:cNvPr>
+          <p:cNvSpPr/>
+          <p:nvPr/>
+        </p:nvSpPr>
+        <p:spPr>
+          <a:xfrm>
+            <a:off x="1224556" y="2765231"/>
+            <a:ext cx="688391" cy="157483"/>
+          </a:xfrm>
+          <a:prstGeom prst="rect">
+            <a:avLst/>
+          </a:prstGeom>
+          <a:noFill/>
+          <a:ln w="25400">
+            <a:solidFill>
+              <a:srgbClr val="C00000"/>
+            </a:solidFill>
+          </a:ln>
+        </p:spPr>
+        <p:style>
+          <a:lnRef idx="2">
+            <a:schemeClr val="accent1">
+              <a:shade val="50000"/>
+            </a:schemeClr>
+          </a:lnRef>
+          <a:fillRef idx="1">
+            <a:schemeClr val="accent1"/>
+          </a:fillRef>
+          <a:effectRef idx="0">
+            <a:schemeClr val="accent1"/>
+          </a:effectRef>
+          <a:fontRef idx="minor">
+            <a:schemeClr val="lt1"/>
+          </a:fontRef>
+        </p:style>
+        <p:txBody>
+          <a:bodyPr rtlCol="0" anchor="ctr"/>
+          <a:lstStyle/>
+          <a:p>
+            <a:pPr algn="ctr"/>
+            <a:endParaRPr lang="ko-KR" altLang="en-US"/>
+          </a:p>
+        </p:txBody>
+      </p:sp>
+      <p:sp>
+        <p:nvSpPr>
+          <p:cNvPr id="9" name="직사각형 8">
+            <a:extLst>
+              <a:ext uri="{FF2B5EF4-FFF2-40B4-BE49-F238E27FC236}">
+                <a16:creationId xmlns:a16="http://schemas.microsoft.com/office/drawing/2014/main" id="{5FB96D7A-7883-5B42-B463-B514A1015F9D}"/>
+              </a:ext>
+            </a:extLst>
+          </p:cNvPr>
+          <p:cNvSpPr/>
+          <p:nvPr/>
+        </p:nvSpPr>
+        <p:spPr>
+          <a:xfrm>
+            <a:off x="6296764" y="1868769"/>
+            <a:ext cx="2561135" cy="157483"/>
+          </a:xfrm>
+          <a:prstGeom prst="rect">
+            <a:avLst/>
+          </a:prstGeom>
+          <a:noFill/>
+          <a:ln w="25400">
+            <a:solidFill>
+              <a:srgbClr val="C00000"/>
+            </a:solidFill>
+          </a:ln>
+        </p:spPr>
+        <p:style>
+          <a:lnRef idx="2">
+            <a:schemeClr val="accent1">
+              <a:shade val="50000"/>
+            </a:schemeClr>
+          </a:lnRef>
+          <a:fillRef idx="1">
+            <a:schemeClr val="accent1"/>
+          </a:fillRef>
+          <a:effectRef idx="0">
+            <a:schemeClr val="accent1"/>
+          </a:effectRef>
+          <a:fontRef idx="minor">
+            <a:schemeClr val="lt1"/>
+          </a:fontRef>
+        </p:style>
+        <p:txBody>
+          <a:bodyPr rtlCol="0" anchor="ctr"/>
+          <a:lstStyle/>
+          <a:p>
+            <a:pPr algn="ctr"/>
+            <a:endParaRPr lang="ko-KR" altLang="en-US"/>
+          </a:p>
+        </p:txBody>
+      </p:sp>
+      <p:sp>
+        <p:nvSpPr>
+          <p:cNvPr id="10" name="타원 9">
+            <a:extLst>
+              <a:ext uri="{FF2B5EF4-FFF2-40B4-BE49-F238E27FC236}">
+                <a16:creationId xmlns:a16="http://schemas.microsoft.com/office/drawing/2014/main" id="{40256605-0815-044A-ABEE-43CE15B58B80}"/>
+              </a:ext>
+            </a:extLst>
+          </p:cNvPr>
+          <p:cNvSpPr/>
+          <p:nvPr/>
+        </p:nvSpPr>
+        <p:spPr>
+          <a:xfrm>
+            <a:off x="1224556" y="1240727"/>
+            <a:ext cx="260371" cy="260371"/>
+          </a:xfrm>
+          <a:prstGeom prst="ellipse">
+            <a:avLst/>
+          </a:prstGeom>
+          <a:noFill/>
+          <a:ln w="38100">
+            <a:solidFill>
+              <a:srgbClr val="92D050"/>
+            </a:solidFill>
+          </a:ln>
+        </p:spPr>
+        <p:style>
+          <a:lnRef idx="2">
+            <a:schemeClr val="accent1">
+              <a:shade val="50000"/>
+            </a:schemeClr>
+          </a:lnRef>
+          <a:fillRef idx="1">
+            <a:schemeClr val="accent1"/>
+          </a:fillRef>
+          <a:effectRef idx="0">
+            <a:schemeClr val="accent1"/>
+          </a:effectRef>
+          <a:fontRef idx="minor">
+            <a:schemeClr val="lt1"/>
+          </a:fontRef>
+        </p:style>
+        <p:txBody>
+          <a:bodyPr rtlCol="0" anchor="ctr"/>
+          <a:lstStyle/>
+          <a:p>
+            <a:pPr algn="ctr"/>
+            <a:endParaRPr lang="ko-KR" altLang="en-US"/>
+          </a:p>
+        </p:txBody>
+      </p:sp>
+      <p:sp>
+        <p:nvSpPr>
+          <p:cNvPr id="11" name="타원 10">
+            <a:extLst>
+              <a:ext uri="{FF2B5EF4-FFF2-40B4-BE49-F238E27FC236}">
+                <a16:creationId xmlns:a16="http://schemas.microsoft.com/office/drawing/2014/main" id="{37316DA9-7BE9-9D45-900C-E50EC543B15B}"/>
+              </a:ext>
+            </a:extLst>
+          </p:cNvPr>
+          <p:cNvSpPr/>
+          <p:nvPr/>
+        </p:nvSpPr>
+        <p:spPr>
+          <a:xfrm>
+            <a:off x="1224555" y="1461035"/>
+            <a:ext cx="260371" cy="260371"/>
+          </a:xfrm>
+          <a:prstGeom prst="ellipse">
+            <a:avLst/>
+          </a:prstGeom>
+          <a:noFill/>
+          <a:ln w="38100">
+            <a:solidFill>
+              <a:srgbClr val="92D050"/>
+            </a:solidFill>
+          </a:ln>
+        </p:spPr>
+        <p:style>
+          <a:lnRef idx="2">
+            <a:schemeClr val="accent1">
+              <a:shade val="50000"/>
+            </a:schemeClr>
+          </a:lnRef>
+          <a:fillRef idx="1">
+            <a:schemeClr val="accent1"/>
+          </a:fillRef>
+          <a:effectRef idx="0">
+            <a:schemeClr val="accent1"/>
+          </a:effectRef>
+          <a:fontRef idx="minor">
+            <a:schemeClr val="lt1"/>
+          </a:fontRef>
+        </p:style>
+        <p:txBody>
+          <a:bodyPr rtlCol="0" anchor="ctr"/>
+          <a:lstStyle/>
+          <a:p>
+            <a:pPr algn="ctr"/>
+            <a:endParaRPr lang="ko-KR" altLang="en-US"/>
+          </a:p>
+        </p:txBody>
+      </p:sp>
+      <p:sp>
+        <p:nvSpPr>
+          <p:cNvPr id="12" name="타원 11">
+            <a:extLst>
+              <a:ext uri="{FF2B5EF4-FFF2-40B4-BE49-F238E27FC236}">
+                <a16:creationId xmlns:a16="http://schemas.microsoft.com/office/drawing/2014/main" id="{8DA174DA-2A9E-8C42-B801-CEFDD24EEE15}"/>
+              </a:ext>
+            </a:extLst>
+          </p:cNvPr>
+          <p:cNvSpPr/>
+          <p:nvPr/>
+        </p:nvSpPr>
+        <p:spPr>
+          <a:xfrm>
+            <a:off x="1224554" y="1750464"/>
+            <a:ext cx="260371" cy="260371"/>
+          </a:xfrm>
+          <a:prstGeom prst="ellipse">
+            <a:avLst/>
+          </a:prstGeom>
+          <a:noFill/>
+          <a:ln w="38100">
+            <a:solidFill>
+              <a:srgbClr val="92D050"/>
+            </a:solidFill>
+          </a:ln>
+        </p:spPr>
+        <p:style>
+          <a:lnRef idx="2">
+            <a:schemeClr val="accent1">
+              <a:shade val="50000"/>
+            </a:schemeClr>
+          </a:lnRef>
+          <a:fillRef idx="1">
+            <a:schemeClr val="accent1"/>
+          </a:fillRef>
+          <a:effectRef idx="0">
+            <a:schemeClr val="accent1"/>
+          </a:effectRef>
+          <a:fontRef idx="minor">
+            <a:schemeClr val="lt1"/>
+          </a:fontRef>
+        </p:style>
+        <p:txBody>
+          <a:bodyPr rtlCol="0" anchor="ctr"/>
+          <a:lstStyle/>
+          <a:p>
+            <a:pPr algn="ctr"/>
+            <a:endParaRPr lang="ko-KR" altLang="en-US"/>
+          </a:p>
+        </p:txBody>
+      </p:sp>
+      <p:sp>
+        <p:nvSpPr>
+          <p:cNvPr id="13" name="TextBox 12">
+            <a:extLst>
+              <a:ext uri="{FF2B5EF4-FFF2-40B4-BE49-F238E27FC236}">
+                <a16:creationId xmlns:a16="http://schemas.microsoft.com/office/drawing/2014/main" id="{F199B898-3E33-414A-9ABB-CC70B68581D2}"/>
+              </a:ext>
+            </a:extLst>
+          </p:cNvPr>
+          <p:cNvSpPr txBox="1"/>
+          <p:nvPr/>
+        </p:nvSpPr>
+        <p:spPr>
+          <a:xfrm>
+            <a:off x="3191608" y="5005444"/>
+            <a:ext cx="5808784" cy="1200329"/>
+          </a:xfrm>
+          <a:prstGeom prst="rect">
+            <a:avLst/>
+          </a:prstGeom>
+          <a:noFill/>
+        </p:spPr>
+        <p:txBody>
+          <a:bodyPr wrap="square">
+            <a:spAutoFit/>
+          </a:bodyPr>
+          <a:lstStyle/>
+          <a:p>
+            <a:r>
+              <a:rPr lang="ko-KR" altLang="en-US" sz="1200" b="0" i="0" dirty="0" err="1">
+                <a:effectLst/>
+                <a:latin typeface="KoPub돋움체 Bold" panose="02020603020101020101" pitchFamily="18" charset="-127"/>
+                <a:ea typeface="KoPub돋움체 Bold" panose="02020603020101020101" pitchFamily="18" charset="-127"/>
+              </a:rPr>
+              <a:t>조출생율</a:t>
+            </a:r>
+            <a:r>
+              <a:rPr lang="en-US" altLang="ko-KR" sz="1200" b="0" i="0" dirty="0">
+                <a:effectLst/>
+                <a:latin typeface="KoPub돋움체 Bold" panose="02020603020101020101" pitchFamily="18" charset="-127"/>
+                <a:ea typeface="KoPub돋움체 Bold" panose="02020603020101020101" pitchFamily="18" charset="-127"/>
+              </a:rPr>
+              <a:t>,</a:t>
+            </a:r>
+            <a:r>
+              <a:rPr lang="ko-KR" altLang="en-US" sz="1200" b="0" i="0" dirty="0">
+                <a:effectLst/>
+                <a:latin typeface="KoPub돋움체 Bold" panose="02020603020101020101" pitchFamily="18" charset="-127"/>
+                <a:ea typeface="KoPub돋움체 Bold" panose="02020603020101020101" pitchFamily="18" charset="-127"/>
+              </a:rPr>
+              <a:t> </a:t>
+            </a:r>
+            <a:r>
+              <a:rPr lang="ko-KR" altLang="en-US" sz="1200" b="0" i="0" dirty="0" err="1">
+                <a:effectLst/>
+                <a:latin typeface="KoPub돋움체 Bold" panose="02020603020101020101" pitchFamily="18" charset="-127"/>
+                <a:ea typeface="KoPub돋움체 Bold" panose="02020603020101020101" pitchFamily="18" charset="-127"/>
+              </a:rPr>
+              <a:t>조사망율</a:t>
+            </a:r>
+            <a:r>
+              <a:rPr lang="ko-KR" altLang="en-US" sz="1200" b="0" i="0" dirty="0">
+                <a:effectLst/>
+                <a:latin typeface="KoPub돋움체 Bold" panose="02020603020101020101" pitchFamily="18" charset="-127"/>
+                <a:ea typeface="KoPub돋움체 Bold" panose="02020603020101020101" pitchFamily="18" charset="-127"/>
+              </a:rPr>
+              <a:t> 같은 조</a:t>
+            </a:r>
+            <a:r>
+              <a:rPr lang="en-US" altLang="ko-KR" sz="1200" b="0" i="0" dirty="0">
+                <a:effectLst/>
+                <a:latin typeface="KoPub돋움체 Bold" panose="02020603020101020101" pitchFamily="18" charset="-127"/>
+                <a:ea typeface="KoPub돋움체 Bold" panose="02020603020101020101" pitchFamily="18" charset="-127"/>
+              </a:rPr>
+              <a:t>(Crude)</a:t>
+            </a:r>
+            <a:r>
+              <a:rPr lang="ko-KR" altLang="en-US" sz="1200" b="0" i="0" dirty="0">
+                <a:effectLst/>
+                <a:latin typeface="KoPub돋움체 Bold" panose="02020603020101020101" pitchFamily="18" charset="-127"/>
+                <a:ea typeface="KoPub돋움체 Bold" panose="02020603020101020101" pitchFamily="18" charset="-127"/>
+              </a:rPr>
+              <a:t>가 붙은 용어는 가공되지 않았다는 것을 의미한다</a:t>
+            </a:r>
+            <a:r>
+              <a:rPr lang="en-US" altLang="ko-KR" sz="1200" b="0" i="0" dirty="0">
+                <a:effectLst/>
+                <a:latin typeface="KoPub돋움체 Bold" panose="02020603020101020101" pitchFamily="18" charset="-127"/>
+                <a:ea typeface="KoPub돋움체 Bold" panose="02020603020101020101" pitchFamily="18" charset="-127"/>
+              </a:rPr>
+              <a:t>.</a:t>
+            </a:r>
+            <a:endParaRPr lang="en-US" altLang="ko-KR" sz="1200" dirty="0">
+              <a:latin typeface="KoPub돋움체 Bold" panose="02020603020101020101" pitchFamily="18" charset="-127"/>
+              <a:ea typeface="KoPub돋움체 Bold" panose="02020603020101020101" pitchFamily="18" charset="-127"/>
+            </a:endParaRPr>
+          </a:p>
+          <a:p>
+            <a:r>
+              <a:rPr lang="ko-KR" altLang="en-US" sz="1200" b="0" i="0" dirty="0">
+                <a:effectLst/>
+                <a:latin typeface="KoPub돋움체 Bold" panose="02020603020101020101" pitchFamily="18" charset="-127"/>
+                <a:ea typeface="KoPub돋움체 Bold" panose="02020603020101020101" pitchFamily="18" charset="-127"/>
+              </a:rPr>
+              <a:t>따라서 두가지 특징을 가지는데 </a:t>
+            </a:r>
+            <a:r>
+              <a:rPr lang="ko-KR" altLang="en-US" sz="1200" b="0" i="0" dirty="0">
+                <a:solidFill>
+                  <a:srgbClr val="FF0000"/>
+                </a:solidFill>
+                <a:effectLst/>
+                <a:latin typeface="KoPub돋움체 Bold" panose="02020603020101020101" pitchFamily="18" charset="-127"/>
+                <a:ea typeface="KoPub돋움체 Bold" panose="02020603020101020101" pitchFamily="18" charset="-127"/>
+              </a:rPr>
+              <a:t>기본이 되는 자료</a:t>
+            </a:r>
+            <a:r>
+              <a:rPr lang="ko-KR" altLang="en-US" sz="1200" b="0" i="0" dirty="0">
+                <a:effectLst/>
+                <a:latin typeface="KoPub돋움체 Bold" panose="02020603020101020101" pitchFamily="18" charset="-127"/>
+                <a:ea typeface="KoPub돋움체 Bold" panose="02020603020101020101" pitchFamily="18" charset="-127"/>
+              </a:rPr>
+              <a:t>라는 점</a:t>
+            </a:r>
+            <a:r>
+              <a:rPr lang="en-US" altLang="ko-KR" sz="1200" b="0" i="0" dirty="0">
+                <a:effectLst/>
+                <a:latin typeface="KoPub돋움체 Bold" panose="02020603020101020101" pitchFamily="18" charset="-127"/>
+                <a:ea typeface="KoPub돋움체 Bold" panose="02020603020101020101" pitchFamily="18" charset="-127"/>
+              </a:rPr>
+              <a:t>,</a:t>
+            </a:r>
+            <a:r>
+              <a:rPr lang="ko-KR" altLang="en-US" sz="1200" b="0" i="0" dirty="0">
+                <a:effectLst/>
+                <a:latin typeface="KoPub돋움체 Bold" panose="02020603020101020101" pitchFamily="18" charset="-127"/>
+                <a:ea typeface="KoPub돋움체 Bold" panose="02020603020101020101" pitchFamily="18" charset="-127"/>
+              </a:rPr>
+              <a:t> 그리고 </a:t>
+            </a:r>
+            <a:r>
+              <a:rPr lang="ko-KR" altLang="en-US" sz="1200" b="0" i="0" dirty="0">
+                <a:solidFill>
+                  <a:srgbClr val="FF0000"/>
+                </a:solidFill>
+                <a:effectLst/>
+                <a:latin typeface="KoPub돋움체 Bold" panose="02020603020101020101" pitchFamily="18" charset="-127"/>
+                <a:ea typeface="KoPub돋움체 Bold" panose="02020603020101020101" pitchFamily="18" charset="-127"/>
+              </a:rPr>
+              <a:t>세부적인 판단 및 정교한 판단을 </a:t>
+            </a:r>
+            <a:r>
+              <a:rPr lang="ko-KR" altLang="en-US" sz="1200" b="0" i="0" dirty="0" err="1">
+                <a:solidFill>
+                  <a:srgbClr val="FF0000"/>
+                </a:solidFill>
+                <a:effectLst/>
+                <a:latin typeface="KoPub돋움체 Bold" panose="02020603020101020101" pitchFamily="18" charset="-127"/>
+                <a:ea typeface="KoPub돋움체 Bold" panose="02020603020101020101" pitchFamily="18" charset="-127"/>
+              </a:rPr>
+              <a:t>하는데는</a:t>
+            </a:r>
+            <a:r>
+              <a:rPr lang="ko-KR" altLang="en-US" sz="1200" b="0" i="0" dirty="0">
+                <a:solidFill>
+                  <a:srgbClr val="FF0000"/>
+                </a:solidFill>
+                <a:effectLst/>
+                <a:latin typeface="KoPub돋움체 Bold" panose="02020603020101020101" pitchFamily="18" charset="-127"/>
+                <a:ea typeface="KoPub돋움체 Bold" panose="02020603020101020101" pitchFamily="18" charset="-127"/>
+              </a:rPr>
+              <a:t> 근거가 빈약한 지표</a:t>
+            </a:r>
+            <a:r>
+              <a:rPr lang="ko-KR" altLang="en-US" sz="1200" b="0" i="0" dirty="0">
+                <a:effectLst/>
+                <a:latin typeface="KoPub돋움체 Bold" panose="02020603020101020101" pitchFamily="18" charset="-127"/>
+                <a:ea typeface="KoPub돋움체 Bold" panose="02020603020101020101" pitchFamily="18" charset="-127"/>
+              </a:rPr>
+              <a:t>라는 점이다</a:t>
+            </a:r>
+            <a:r>
+              <a:rPr lang="en-US" altLang="ko-KR" sz="1200" b="0" i="0" dirty="0">
+                <a:effectLst/>
+                <a:latin typeface="KoPub돋움체 Bold" panose="02020603020101020101" pitchFamily="18" charset="-127"/>
+                <a:ea typeface="KoPub돋움체 Bold" panose="02020603020101020101" pitchFamily="18" charset="-127"/>
+              </a:rPr>
+              <a:t>.</a:t>
+            </a:r>
+          </a:p>
+          <a:p>
+            <a:endParaRPr lang="en-US" altLang="ko-KR" sz="1200" dirty="0">
+              <a:latin typeface="KoPub돋움체 Bold" panose="02020603020101020101" pitchFamily="18" charset="-127"/>
+              <a:ea typeface="KoPub돋움체 Bold" panose="02020603020101020101" pitchFamily="18" charset="-127"/>
+            </a:endParaRPr>
+          </a:p>
+          <a:p>
+            <a:r>
+              <a:rPr lang="en-US" altLang="ko-KR" sz="1200" dirty="0">
+                <a:solidFill>
+                  <a:schemeClr val="accent1">
+                    <a:lumMod val="75000"/>
+                  </a:schemeClr>
+                </a:solidFill>
+                <a:latin typeface="KoPub돋움체 Bold" panose="02020603020101020101" pitchFamily="18" charset="-127"/>
+                <a:ea typeface="KoPub돋움체 Bold" panose="02020603020101020101" pitchFamily="18" charset="-127"/>
+              </a:rPr>
+              <a:t>4</a:t>
+            </a:r>
+            <a:r>
+              <a:rPr lang="en-US" altLang="ko-KR" sz="1200" b="0" i="0" dirty="0">
+                <a:solidFill>
+                  <a:schemeClr val="accent1">
+                    <a:lumMod val="75000"/>
+                  </a:schemeClr>
+                </a:solidFill>
+                <a:effectLst/>
+                <a:latin typeface="KoPub돋움체 Bold" panose="02020603020101020101" pitchFamily="18" charset="-127"/>
+                <a:ea typeface="KoPub돋움체 Bold" panose="02020603020101020101" pitchFamily="18" charset="-127"/>
+              </a:rPr>
+              <a:t>8</a:t>
+            </a:r>
+            <a:r>
+              <a:rPr lang="en-US" altLang="ko-KR" sz="1200" b="0" i="0" dirty="0">
+                <a:effectLst/>
+                <a:latin typeface="KoPub돋움체 Bold" panose="02020603020101020101" pitchFamily="18" charset="-127"/>
+                <a:ea typeface="KoPub돋움체 Bold" panose="02020603020101020101" pitchFamily="18" charset="-127"/>
+              </a:rPr>
+              <a:t> -</a:t>
+            </a:r>
+            <a:r>
+              <a:rPr lang="ko-KR" altLang="en-US" sz="1200" b="0" i="0" dirty="0">
+                <a:effectLst/>
+                <a:latin typeface="KoPub돋움체 Bold" panose="02020603020101020101" pitchFamily="18" charset="-127"/>
+                <a:ea typeface="KoPub돋움체 Bold" panose="02020603020101020101" pitchFamily="18" charset="-127"/>
+              </a:rPr>
+              <a:t> 조출생률보다는 일반출산율이 정교한 지표이다</a:t>
+            </a:r>
+            <a:r>
+              <a:rPr lang="en-US" altLang="ko-KR" sz="1200" b="0" i="0" dirty="0">
+                <a:effectLst/>
+                <a:latin typeface="KoPub돋움체 Bold" panose="02020603020101020101" pitchFamily="18" charset="-127"/>
+                <a:ea typeface="KoPub돋움체 Bold" panose="02020603020101020101" pitchFamily="18" charset="-127"/>
+              </a:rPr>
+              <a:t>.</a:t>
+            </a:r>
+          </a:p>
+          <a:p>
+            <a:r>
+              <a:rPr lang="en-US" altLang="ko-KR" sz="1200" b="0" i="0" dirty="0">
+                <a:solidFill>
+                  <a:schemeClr val="accent1">
+                    <a:lumMod val="75000"/>
+                  </a:schemeClr>
+                </a:solidFill>
+                <a:effectLst/>
+                <a:latin typeface="KoPub돋움체 Bold" panose="02020603020101020101" pitchFamily="18" charset="-127"/>
+                <a:ea typeface="KoPub돋움체 Bold" panose="02020603020101020101" pitchFamily="18" charset="-127"/>
+              </a:rPr>
+              <a:t>43</a:t>
+            </a:r>
+            <a:r>
+              <a:rPr lang="ko-KR" altLang="en-US" sz="1200" b="0" i="0" dirty="0">
+                <a:effectLst/>
+                <a:latin typeface="KoPub돋움체 Bold" panose="02020603020101020101" pitchFamily="18" charset="-127"/>
+                <a:ea typeface="KoPub돋움체 Bold" panose="02020603020101020101" pitchFamily="18" charset="-127"/>
+              </a:rPr>
+              <a:t> </a:t>
+            </a:r>
+            <a:r>
+              <a:rPr lang="en-US" altLang="ko-KR" sz="1200" b="0" i="0" dirty="0">
+                <a:effectLst/>
+                <a:latin typeface="KoPub돋움체 Bold" panose="02020603020101020101" pitchFamily="18" charset="-127"/>
+                <a:ea typeface="KoPub돋움체 Bold" panose="02020603020101020101" pitchFamily="18" charset="-127"/>
+              </a:rPr>
+              <a:t>-</a:t>
+            </a:r>
+            <a:r>
+              <a:rPr lang="ko-KR" altLang="en-US" sz="1200" b="0" i="0" dirty="0">
+                <a:effectLst/>
+                <a:latin typeface="KoPub돋움체 Bold" panose="02020603020101020101" pitchFamily="18" charset="-127"/>
+                <a:ea typeface="KoPub돋움체 Bold" panose="02020603020101020101" pitchFamily="18" charset="-127"/>
+              </a:rPr>
+              <a:t> 조사망률</a:t>
+            </a:r>
+            <a:r>
+              <a:rPr lang="ko-KR" altLang="en-US" sz="1200" dirty="0">
+                <a:latin typeface="KoPub돋움체 Bold" panose="02020603020101020101" pitchFamily="18" charset="-127"/>
+                <a:ea typeface="KoPub돋움체 Bold" panose="02020603020101020101" pitchFamily="18" charset="-127"/>
+              </a:rPr>
+              <a:t>보다는 표준화 </a:t>
+            </a:r>
+            <a:r>
+              <a:rPr lang="ko-KR" altLang="en-US" sz="1200" dirty="0" err="1">
+                <a:latin typeface="KoPub돋움체 Bold" panose="02020603020101020101" pitchFamily="18" charset="-127"/>
+                <a:ea typeface="KoPub돋움체 Bold" panose="02020603020101020101" pitchFamily="18" charset="-127"/>
+              </a:rPr>
+              <a:t>조사망률이</a:t>
+            </a:r>
+            <a:r>
+              <a:rPr lang="ko-KR" altLang="en-US" sz="1200" dirty="0">
+                <a:latin typeface="KoPub돋움체 Bold" panose="02020603020101020101" pitchFamily="18" charset="-127"/>
+                <a:ea typeface="KoPub돋움체 Bold" panose="02020603020101020101" pitchFamily="18" charset="-127"/>
+              </a:rPr>
+              <a:t> 정교한 지표이다</a:t>
+            </a:r>
+            <a:r>
+              <a:rPr lang="en-US" altLang="ko-KR" sz="1200" dirty="0">
+                <a:latin typeface="KoPub돋움체 Bold" panose="02020603020101020101" pitchFamily="18" charset="-127"/>
+                <a:ea typeface="KoPub돋움체 Bold" panose="02020603020101020101" pitchFamily="18" charset="-127"/>
+              </a:rPr>
+              <a:t>.</a:t>
+            </a:r>
+            <a:endParaRPr lang="en-US" altLang="ko-KR" sz="1200" b="0" i="0" dirty="0">
+              <a:effectLst/>
+              <a:latin typeface="KoPub돋움체 Bold" panose="02020603020101020101" pitchFamily="18" charset="-127"/>
+              <a:ea typeface="KoPub돋움체 Bold" panose="02020603020101020101" pitchFamily="18" charset="-127"/>
+            </a:endParaRPr>
+          </a:p>
+        </p:txBody>
+      </p:sp>
+    </p:spTree>
+    <p:extLst>
+      <p:ext uri="{BB962C8B-B14F-4D97-AF65-F5344CB8AC3E}">
+        <p14:creationId xmlns:p14="http://schemas.microsoft.com/office/powerpoint/2010/main" val="23674536"/>
+      </p:ext>
+    </p:extLst>
+  </p:cSld>
+  <p:clrMapOvr>
+    <a:masterClrMapping/>
+  </p:clrMapOvr>
+</p:sld>
+</file>
+
+<file path=ppt/slides/slide18.xml><?xml version="1.0" encoding="utf-8"?>
+<p:sld xmlns:a="http://schemas.openxmlformats.org/drawingml/2006/main" xmlns:r="http://schemas.openxmlformats.org/officeDocument/2006/relationships" xmlns:p="http://schemas.openxmlformats.org/presentationml/2006/main">
+  <p:cSld>
+    <p:spTree>
+      <p:nvGrpSpPr>
+        <p:cNvPr id="1" name=""/>
+        <p:cNvGrpSpPr/>
+        <p:nvPr/>
+      </p:nvGrpSpPr>
+      <p:grpSpPr>
+        <a:xfrm>
+          <a:off x="0" y="0"/>
+          <a:ext cx="0" cy="0"/>
+          <a:chOff x="0" y="0"/>
+          <a:chExt cx="0" cy="0"/>
+        </a:xfrm>
+      </p:grpSpPr>
+      <p:pic>
+        <p:nvPicPr>
+          <p:cNvPr id="5" name="그림 4" descr="텍스트이(가) 표시된 사진&#10;&#10;자동 생성된 설명">
+            <a:extLst>
+              <a:ext uri="{FF2B5EF4-FFF2-40B4-BE49-F238E27FC236}">
+                <a16:creationId xmlns:a16="http://schemas.microsoft.com/office/drawing/2014/main" id="{66B0F92D-BC3E-F746-B108-02DA2E904039}"/>
+              </a:ext>
+            </a:extLst>
+          </p:cNvPr>
+          <p:cNvPicPr>
+            <a:picLocks noChangeAspect="1"/>
+          </p:cNvPicPr>
+          <p:nvPr/>
+        </p:nvPicPr>
+        <p:blipFill>
+          <a:blip r:embed="rId2">
+            <a:extLst>
+              <a:ext uri="{28A0092B-C50C-407E-A947-70E740481C1C}">
+                <a14:useLocalDpi xmlns:a14="http://schemas.microsoft.com/office/drawing/2010/main" val="0"/>
+              </a:ext>
+            </a:extLst>
+          </a:blip>
+          <a:stretch>
+            <a:fillRect/>
+          </a:stretch>
+        </p:blipFill>
+        <p:spPr>
+          <a:xfrm>
+            <a:off x="359039" y="988847"/>
+            <a:ext cx="3781005" cy="1342290"/>
+          </a:xfrm>
+          <a:prstGeom prst="rect">
+            <a:avLst/>
+          </a:prstGeom>
+        </p:spPr>
+      </p:pic>
+      <p:pic>
+        <p:nvPicPr>
+          <p:cNvPr id="9" name="그림 8" descr="텍스트이(가) 표시된 사진&#10;&#10;자동 생성된 설명">
+            <a:extLst>
+              <a:ext uri="{FF2B5EF4-FFF2-40B4-BE49-F238E27FC236}">
+                <a16:creationId xmlns:a16="http://schemas.microsoft.com/office/drawing/2014/main" id="{638FAAC5-60D4-8943-A0F3-E57EE2458D97}"/>
+              </a:ext>
+            </a:extLst>
+          </p:cNvPr>
+          <p:cNvPicPr>
+            <a:picLocks noChangeAspect="1"/>
+          </p:cNvPicPr>
+          <p:nvPr/>
+        </p:nvPicPr>
+        <p:blipFill>
+          <a:blip r:embed="rId3">
+            <a:extLst>
+              <a:ext uri="{28A0092B-C50C-407E-A947-70E740481C1C}">
+                <a14:useLocalDpi xmlns:a14="http://schemas.microsoft.com/office/drawing/2010/main" val="0"/>
+              </a:ext>
+            </a:extLst>
+          </a:blip>
+          <a:stretch>
+            <a:fillRect/>
+          </a:stretch>
+        </p:blipFill>
+        <p:spPr>
+          <a:xfrm>
+            <a:off x="8205371" y="988847"/>
+            <a:ext cx="3429426" cy="1591590"/>
+          </a:xfrm>
+          <a:prstGeom prst="rect">
+            <a:avLst/>
+          </a:prstGeom>
+        </p:spPr>
+      </p:pic>
+      <p:pic>
+        <p:nvPicPr>
+          <p:cNvPr id="11" name="그림 10" descr="텍스트이(가) 표시된 사진&#10;&#10;자동 생성된 설명">
+            <a:extLst>
+              <a:ext uri="{FF2B5EF4-FFF2-40B4-BE49-F238E27FC236}">
+                <a16:creationId xmlns:a16="http://schemas.microsoft.com/office/drawing/2014/main" id="{BB8C35B6-5DB7-5549-B641-0479C21FEC58}"/>
+              </a:ext>
+            </a:extLst>
+          </p:cNvPr>
+          <p:cNvPicPr>
+            <a:picLocks noChangeAspect="1"/>
+          </p:cNvPicPr>
+          <p:nvPr/>
+        </p:nvPicPr>
+        <p:blipFill>
+          <a:blip r:embed="rId4">
+            <a:extLst>
+              <a:ext uri="{28A0092B-C50C-407E-A947-70E740481C1C}">
+                <a14:useLocalDpi xmlns:a14="http://schemas.microsoft.com/office/drawing/2010/main" val="0"/>
+              </a:ext>
+            </a:extLst>
+          </a:blip>
+          <a:stretch>
+            <a:fillRect/>
+          </a:stretch>
+        </p:blipFill>
+        <p:spPr>
+          <a:xfrm>
+            <a:off x="4472467" y="988847"/>
+            <a:ext cx="3613150" cy="1161370"/>
+          </a:xfrm>
+          <a:prstGeom prst="rect">
+            <a:avLst/>
+          </a:prstGeom>
+        </p:spPr>
+      </p:pic>
+      <p:sp>
+        <p:nvSpPr>
+          <p:cNvPr id="12" name="TextBox 11">
+            <a:extLst>
+              <a:ext uri="{FF2B5EF4-FFF2-40B4-BE49-F238E27FC236}">
+                <a16:creationId xmlns:a16="http://schemas.microsoft.com/office/drawing/2014/main" id="{7D9698DF-62CD-0849-A5FD-2EBAB210ACF8}"/>
+              </a:ext>
+            </a:extLst>
+          </p:cNvPr>
+          <p:cNvSpPr txBox="1"/>
+          <p:nvPr/>
+        </p:nvSpPr>
+        <p:spPr>
+          <a:xfrm>
+            <a:off x="359039" y="131486"/>
+            <a:ext cx="1514640" cy="276999"/>
+          </a:xfrm>
+          <a:prstGeom prst="rect">
+            <a:avLst/>
+          </a:prstGeom>
+          <a:solidFill>
+            <a:schemeClr val="accent2">
+              <a:lumMod val="20000"/>
+              <a:lumOff val="80000"/>
+            </a:schemeClr>
+          </a:solidFill>
+        </p:spPr>
+        <p:txBody>
+          <a:bodyPr wrap="square" rtlCol="0">
+            <a:spAutoFit/>
+          </a:bodyPr>
+          <a:lstStyle/>
+          <a:p>
+            <a:r>
+              <a:rPr lang="en-US" altLang="ko-KR" sz="1200" dirty="0">
+                <a:latin typeface="KoPubWorld돋움체 Bold" panose="00000800000000000000" pitchFamily="2" charset="-127"/>
+                <a:ea typeface="KoPubWorld돋움체 Bold" panose="00000800000000000000" pitchFamily="2" charset="-127"/>
+                <a:cs typeface="KoPubWorld돋움체 Bold" panose="00000800000000000000" pitchFamily="2" charset="-127"/>
+              </a:rPr>
+              <a:t>2.4.1.4</a:t>
+            </a:r>
+            <a:r>
+              <a:rPr lang="ko-KR" altLang="en-US" sz="1200" dirty="0">
+                <a:latin typeface="KoPubWorld돋움체 Bold" panose="00000800000000000000" pitchFamily="2" charset="-127"/>
+                <a:ea typeface="KoPubWorld돋움체 Bold" panose="00000800000000000000" pitchFamily="2" charset="-127"/>
+                <a:cs typeface="KoPubWorld돋움체 Bold" panose="00000800000000000000" pitchFamily="2" charset="-127"/>
+              </a:rPr>
+              <a:t> 인구피라미드</a:t>
+            </a:r>
+          </a:p>
+        </p:txBody>
+      </p:sp>
+      <p:sp>
+        <p:nvSpPr>
+          <p:cNvPr id="13" name="TextBox 12">
+            <a:extLst>
+              <a:ext uri="{FF2B5EF4-FFF2-40B4-BE49-F238E27FC236}">
+                <a16:creationId xmlns:a16="http://schemas.microsoft.com/office/drawing/2014/main" id="{73D3F879-683F-6B42-A029-A5B7B8C1CADD}"/>
+              </a:ext>
+            </a:extLst>
+          </p:cNvPr>
+          <p:cNvSpPr txBox="1"/>
+          <p:nvPr/>
+        </p:nvSpPr>
+        <p:spPr>
+          <a:xfrm>
+            <a:off x="359039" y="711848"/>
+            <a:ext cx="2097031" cy="276999"/>
+          </a:xfrm>
+          <a:prstGeom prst="rect">
+            <a:avLst/>
+          </a:prstGeom>
+          <a:noFill/>
+        </p:spPr>
+        <p:txBody>
+          <a:bodyPr wrap="square" rtlCol="0">
+            <a:spAutoFit/>
+          </a:bodyPr>
+          <a:lstStyle/>
+          <a:p>
+            <a:r>
+              <a:rPr lang="en-US" altLang="ko-KR" sz="1200" dirty="0">
+                <a:latin typeface="KoPub돋움체 Bold" panose="02020603020101020101" pitchFamily="18" charset="-127"/>
+                <a:ea typeface="KoPub돋움체 Bold" panose="02020603020101020101" pitchFamily="18" charset="-127"/>
+              </a:rPr>
+              <a:t>2017</a:t>
+            </a:r>
+            <a:r>
+              <a:rPr lang="ko-KR" altLang="en-US" sz="1200" dirty="0">
+                <a:latin typeface="KoPub돋움체 Bold" panose="02020603020101020101" pitchFamily="18" charset="-127"/>
+                <a:ea typeface="KoPub돋움체 Bold" panose="02020603020101020101" pitchFamily="18" charset="-127"/>
+              </a:rPr>
+              <a:t>년도 </a:t>
+            </a:r>
+            <a:r>
+              <a:rPr lang="en-US" altLang="ko-KR" sz="1200" dirty="0">
+                <a:latin typeface="KoPub돋움체 Bold" panose="02020603020101020101" pitchFamily="18" charset="-127"/>
+                <a:ea typeface="KoPub돋움체 Bold" panose="02020603020101020101" pitchFamily="18" charset="-127"/>
+              </a:rPr>
+              <a:t>1</a:t>
+            </a:r>
+            <a:r>
+              <a:rPr lang="ko-KR" altLang="en-US" sz="1200" dirty="0">
+                <a:latin typeface="KoPub돋움체 Bold" panose="02020603020101020101" pitchFamily="18" charset="-127"/>
+                <a:ea typeface="KoPub돋움체 Bold" panose="02020603020101020101" pitchFamily="18" charset="-127"/>
+              </a:rPr>
+              <a:t>학기</a:t>
+            </a:r>
+          </a:p>
+        </p:txBody>
+      </p:sp>
+      <p:sp>
+        <p:nvSpPr>
+          <p:cNvPr id="14" name="TextBox 13">
+            <a:extLst>
+              <a:ext uri="{FF2B5EF4-FFF2-40B4-BE49-F238E27FC236}">
+                <a16:creationId xmlns:a16="http://schemas.microsoft.com/office/drawing/2014/main" id="{45938BBF-18BB-7A40-9312-65AC8B82F180}"/>
+              </a:ext>
+            </a:extLst>
+          </p:cNvPr>
+          <p:cNvSpPr txBox="1"/>
+          <p:nvPr/>
+        </p:nvSpPr>
+        <p:spPr>
+          <a:xfrm>
+            <a:off x="4472467" y="711848"/>
+            <a:ext cx="2097031" cy="276999"/>
+          </a:xfrm>
+          <a:prstGeom prst="rect">
+            <a:avLst/>
+          </a:prstGeom>
+          <a:noFill/>
+        </p:spPr>
+        <p:txBody>
+          <a:bodyPr wrap="square" rtlCol="0">
+            <a:spAutoFit/>
+          </a:bodyPr>
+          <a:lstStyle/>
+          <a:p>
+            <a:r>
+              <a:rPr lang="en-US" altLang="ko-KR" sz="1200" dirty="0">
+                <a:latin typeface="KoPub돋움체 Bold" panose="02020603020101020101" pitchFamily="18" charset="-127"/>
+                <a:ea typeface="KoPub돋움체 Bold" panose="02020603020101020101" pitchFamily="18" charset="-127"/>
+              </a:rPr>
+              <a:t>2015</a:t>
+            </a:r>
+            <a:r>
+              <a:rPr lang="ko-KR" altLang="en-US" sz="1200" dirty="0">
+                <a:latin typeface="KoPub돋움체 Bold" panose="02020603020101020101" pitchFamily="18" charset="-127"/>
+                <a:ea typeface="KoPub돋움체 Bold" panose="02020603020101020101" pitchFamily="18" charset="-127"/>
+              </a:rPr>
+              <a:t>년도 </a:t>
+            </a:r>
+            <a:r>
+              <a:rPr lang="en-US" altLang="ko-KR" sz="1200" dirty="0">
+                <a:latin typeface="KoPub돋움체 Bold" panose="02020603020101020101" pitchFamily="18" charset="-127"/>
+                <a:ea typeface="KoPub돋움체 Bold" panose="02020603020101020101" pitchFamily="18" charset="-127"/>
+              </a:rPr>
+              <a:t>1</a:t>
+            </a:r>
+            <a:r>
+              <a:rPr lang="ko-KR" altLang="en-US" sz="1200" dirty="0">
+                <a:latin typeface="KoPub돋움체 Bold" panose="02020603020101020101" pitchFamily="18" charset="-127"/>
+                <a:ea typeface="KoPub돋움체 Bold" panose="02020603020101020101" pitchFamily="18" charset="-127"/>
+              </a:rPr>
+              <a:t>학기</a:t>
+            </a:r>
+          </a:p>
+        </p:txBody>
+      </p:sp>
+      <p:sp>
+        <p:nvSpPr>
+          <p:cNvPr id="15" name="TextBox 14">
+            <a:extLst>
+              <a:ext uri="{FF2B5EF4-FFF2-40B4-BE49-F238E27FC236}">
+                <a16:creationId xmlns:a16="http://schemas.microsoft.com/office/drawing/2014/main" id="{F93F51F7-C4BB-CD4E-87D0-3EF63B56FD14}"/>
+              </a:ext>
+            </a:extLst>
+          </p:cNvPr>
+          <p:cNvSpPr txBox="1"/>
+          <p:nvPr/>
+        </p:nvSpPr>
+        <p:spPr>
+          <a:xfrm>
+            <a:off x="8205371" y="711848"/>
+            <a:ext cx="2097031" cy="276999"/>
+          </a:xfrm>
+          <a:prstGeom prst="rect">
+            <a:avLst/>
+          </a:prstGeom>
+          <a:noFill/>
+        </p:spPr>
+        <p:txBody>
+          <a:bodyPr wrap="square" rtlCol="0">
+            <a:spAutoFit/>
+          </a:bodyPr>
+          <a:lstStyle/>
+          <a:p>
+            <a:r>
+              <a:rPr lang="en-US" altLang="ko-KR" sz="1200" dirty="0">
+                <a:latin typeface="KoPub돋움체 Bold" panose="02020603020101020101" pitchFamily="18" charset="-127"/>
+                <a:ea typeface="KoPub돋움체 Bold" panose="02020603020101020101" pitchFamily="18" charset="-127"/>
+              </a:rPr>
+              <a:t>2016</a:t>
+            </a:r>
+            <a:r>
+              <a:rPr lang="ko-KR" altLang="en-US" sz="1200" dirty="0">
+                <a:latin typeface="KoPub돋움체 Bold" panose="02020603020101020101" pitchFamily="18" charset="-127"/>
+                <a:ea typeface="KoPub돋움체 Bold" panose="02020603020101020101" pitchFamily="18" charset="-127"/>
+              </a:rPr>
+              <a:t>년도 </a:t>
+            </a:r>
+            <a:r>
+              <a:rPr lang="en-US" altLang="ko-KR" sz="1200" dirty="0">
+                <a:latin typeface="KoPub돋움체 Bold" panose="02020603020101020101" pitchFamily="18" charset="-127"/>
+                <a:ea typeface="KoPub돋움체 Bold" panose="02020603020101020101" pitchFamily="18" charset="-127"/>
+              </a:rPr>
+              <a:t>1</a:t>
+            </a:r>
+            <a:r>
+              <a:rPr lang="ko-KR" altLang="en-US" sz="1200" dirty="0">
+                <a:latin typeface="KoPub돋움체 Bold" panose="02020603020101020101" pitchFamily="18" charset="-127"/>
+                <a:ea typeface="KoPub돋움체 Bold" panose="02020603020101020101" pitchFamily="18" charset="-127"/>
+              </a:rPr>
+              <a:t>학기</a:t>
+            </a:r>
+          </a:p>
+        </p:txBody>
+      </p:sp>
+      <p:sp>
+        <p:nvSpPr>
+          <p:cNvPr id="16" name="직사각형 15">
+            <a:extLst>
+              <a:ext uri="{FF2B5EF4-FFF2-40B4-BE49-F238E27FC236}">
+                <a16:creationId xmlns:a16="http://schemas.microsoft.com/office/drawing/2014/main" id="{9FD1EFD0-7A24-984A-B27B-F0FCF47B6752}"/>
+              </a:ext>
+            </a:extLst>
+          </p:cNvPr>
+          <p:cNvSpPr/>
+          <p:nvPr/>
+        </p:nvSpPr>
+        <p:spPr>
+          <a:xfrm>
+            <a:off x="557203" y="1940588"/>
+            <a:ext cx="3613150" cy="348217"/>
+          </a:xfrm>
+          <a:prstGeom prst="rect">
+            <a:avLst/>
+          </a:prstGeom>
+          <a:noFill/>
+          <a:ln w="25400">
+            <a:solidFill>
+              <a:srgbClr val="C00000"/>
+            </a:solidFill>
+          </a:ln>
+        </p:spPr>
+        <p:style>
+          <a:lnRef idx="2">
+            <a:schemeClr val="accent1">
+              <a:shade val="50000"/>
+            </a:schemeClr>
+          </a:lnRef>
+          <a:fillRef idx="1">
+            <a:schemeClr val="accent1"/>
+          </a:fillRef>
+          <a:effectRef idx="0">
+            <a:schemeClr val="accent1"/>
+          </a:effectRef>
+          <a:fontRef idx="minor">
+            <a:schemeClr val="lt1"/>
+          </a:fontRef>
+        </p:style>
+        <p:txBody>
+          <a:bodyPr rtlCol="0" anchor="ctr"/>
+          <a:lstStyle/>
+          <a:p>
+            <a:pPr algn="ctr"/>
+            <a:endParaRPr lang="ko-KR" altLang="en-US"/>
+          </a:p>
+        </p:txBody>
+      </p:sp>
+      <p:sp>
+        <p:nvSpPr>
+          <p:cNvPr id="17" name="직사각형 16">
+            <a:extLst>
+              <a:ext uri="{FF2B5EF4-FFF2-40B4-BE49-F238E27FC236}">
+                <a16:creationId xmlns:a16="http://schemas.microsoft.com/office/drawing/2014/main" id="{311BDEE8-1B72-774C-9662-AEB3018D240C}"/>
+              </a:ext>
+            </a:extLst>
+          </p:cNvPr>
+          <p:cNvSpPr/>
+          <p:nvPr/>
+        </p:nvSpPr>
+        <p:spPr>
+          <a:xfrm>
+            <a:off x="9828222" y="2192637"/>
+            <a:ext cx="768720" cy="185925"/>
+          </a:xfrm>
+          <a:prstGeom prst="rect">
+            <a:avLst/>
+          </a:prstGeom>
+          <a:noFill/>
+          <a:ln w="25400">
+            <a:solidFill>
+              <a:srgbClr val="C00000"/>
+            </a:solidFill>
+          </a:ln>
+        </p:spPr>
+        <p:style>
+          <a:lnRef idx="2">
+            <a:schemeClr val="accent1">
+              <a:shade val="50000"/>
+            </a:schemeClr>
+          </a:lnRef>
+          <a:fillRef idx="1">
+            <a:schemeClr val="accent1"/>
+          </a:fillRef>
+          <a:effectRef idx="0">
+            <a:schemeClr val="accent1"/>
+          </a:effectRef>
+          <a:fontRef idx="minor">
+            <a:schemeClr val="lt1"/>
+          </a:fontRef>
+        </p:style>
+        <p:txBody>
+          <a:bodyPr rtlCol="0" anchor="ctr"/>
+          <a:lstStyle/>
+          <a:p>
+            <a:pPr algn="ctr"/>
+            <a:endParaRPr lang="ko-KR" altLang="en-US"/>
+          </a:p>
+        </p:txBody>
+      </p:sp>
+      <p:sp>
+        <p:nvSpPr>
+          <p:cNvPr id="18" name="직사각형 17">
+            <a:extLst>
+              <a:ext uri="{FF2B5EF4-FFF2-40B4-BE49-F238E27FC236}">
+                <a16:creationId xmlns:a16="http://schemas.microsoft.com/office/drawing/2014/main" id="{5AE2F7EC-41B3-2840-9A60-CB72D2CA8904}"/>
+              </a:ext>
+            </a:extLst>
+          </p:cNvPr>
+          <p:cNvSpPr/>
+          <p:nvPr/>
+        </p:nvSpPr>
+        <p:spPr>
+          <a:xfrm>
+            <a:off x="4658913" y="1521492"/>
+            <a:ext cx="3015315" cy="211941"/>
+          </a:xfrm>
+          <a:prstGeom prst="rect">
+            <a:avLst/>
+          </a:prstGeom>
+          <a:noFill/>
+          <a:ln w="25400">
+            <a:solidFill>
+              <a:srgbClr val="C00000"/>
+            </a:solidFill>
+          </a:ln>
+        </p:spPr>
+        <p:style>
+          <a:lnRef idx="2">
+            <a:schemeClr val="accent1">
+              <a:shade val="50000"/>
+            </a:schemeClr>
+          </a:lnRef>
+          <a:fillRef idx="1">
+            <a:schemeClr val="accent1"/>
+          </a:fillRef>
+          <a:effectRef idx="0">
+            <a:schemeClr val="accent1"/>
+          </a:effectRef>
+          <a:fontRef idx="minor">
+            <a:schemeClr val="lt1"/>
+          </a:fontRef>
+        </p:style>
+        <p:txBody>
+          <a:bodyPr rtlCol="0" anchor="ctr"/>
+          <a:lstStyle/>
+          <a:p>
+            <a:pPr algn="ctr"/>
+            <a:endParaRPr lang="ko-KR" altLang="en-US"/>
+          </a:p>
+        </p:txBody>
+      </p:sp>
+      <p:sp>
+        <p:nvSpPr>
+          <p:cNvPr id="19" name="타원 18">
+            <a:extLst>
+              <a:ext uri="{FF2B5EF4-FFF2-40B4-BE49-F238E27FC236}">
+                <a16:creationId xmlns:a16="http://schemas.microsoft.com/office/drawing/2014/main" id="{AD43A106-F135-7E45-9404-42EE0A1D2996}"/>
+              </a:ext>
+            </a:extLst>
+          </p:cNvPr>
+          <p:cNvSpPr/>
+          <p:nvPr/>
+        </p:nvSpPr>
+        <p:spPr>
+          <a:xfrm>
+            <a:off x="8418040" y="1188558"/>
+            <a:ext cx="191458" cy="191458"/>
+          </a:xfrm>
+          <a:prstGeom prst="ellipse">
+            <a:avLst/>
+          </a:prstGeom>
+          <a:noFill/>
+          <a:ln w="38100">
+            <a:solidFill>
+              <a:srgbClr val="92D050"/>
+            </a:solidFill>
+          </a:ln>
+        </p:spPr>
+        <p:style>
+          <a:lnRef idx="2">
+            <a:schemeClr val="accent1">
+              <a:shade val="50000"/>
+            </a:schemeClr>
+          </a:lnRef>
+          <a:fillRef idx="1">
+            <a:schemeClr val="accent1"/>
+          </a:fillRef>
+          <a:effectRef idx="0">
+            <a:schemeClr val="accent1"/>
+          </a:effectRef>
+          <a:fontRef idx="minor">
+            <a:schemeClr val="lt1"/>
+          </a:fontRef>
+        </p:style>
+        <p:txBody>
+          <a:bodyPr rtlCol="0" anchor="ctr"/>
+          <a:lstStyle/>
+          <a:p>
+            <a:pPr algn="ctr"/>
+            <a:endParaRPr lang="ko-KR" altLang="en-US"/>
+          </a:p>
+        </p:txBody>
+      </p:sp>
+      <p:sp>
+        <p:nvSpPr>
+          <p:cNvPr id="20" name="타원 19">
+            <a:extLst>
+              <a:ext uri="{FF2B5EF4-FFF2-40B4-BE49-F238E27FC236}">
+                <a16:creationId xmlns:a16="http://schemas.microsoft.com/office/drawing/2014/main" id="{A984428B-4F94-6241-BE91-B7E37B1E4CC7}"/>
+              </a:ext>
+            </a:extLst>
+          </p:cNvPr>
+          <p:cNvSpPr/>
+          <p:nvPr/>
+        </p:nvSpPr>
+        <p:spPr>
+          <a:xfrm>
+            <a:off x="8418040" y="1347980"/>
+            <a:ext cx="191458" cy="191458"/>
+          </a:xfrm>
+          <a:prstGeom prst="ellipse">
+            <a:avLst/>
+          </a:prstGeom>
+          <a:noFill/>
+          <a:ln w="38100">
+            <a:solidFill>
+              <a:srgbClr val="92D050"/>
+            </a:solidFill>
+          </a:ln>
+        </p:spPr>
+        <p:style>
+          <a:lnRef idx="2">
+            <a:schemeClr val="accent1">
+              <a:shade val="50000"/>
+            </a:schemeClr>
+          </a:lnRef>
+          <a:fillRef idx="1">
+            <a:schemeClr val="accent1"/>
+          </a:fillRef>
+          <a:effectRef idx="0">
+            <a:schemeClr val="accent1"/>
+          </a:effectRef>
+          <a:fontRef idx="minor">
+            <a:schemeClr val="lt1"/>
+          </a:fontRef>
+        </p:style>
+        <p:txBody>
+          <a:bodyPr rtlCol="0" anchor="ctr"/>
+          <a:lstStyle/>
+          <a:p>
+            <a:pPr algn="ctr"/>
+            <a:endParaRPr lang="ko-KR" altLang="en-US"/>
+          </a:p>
+        </p:txBody>
+      </p:sp>
+      <p:sp>
+        <p:nvSpPr>
+          <p:cNvPr id="21" name="타원 20">
+            <a:extLst>
+              <a:ext uri="{FF2B5EF4-FFF2-40B4-BE49-F238E27FC236}">
+                <a16:creationId xmlns:a16="http://schemas.microsoft.com/office/drawing/2014/main" id="{6DB6A79C-74CB-4A44-9C85-058D5AF98071}"/>
+              </a:ext>
+            </a:extLst>
+          </p:cNvPr>
+          <p:cNvSpPr/>
+          <p:nvPr/>
+        </p:nvSpPr>
+        <p:spPr>
+          <a:xfrm>
+            <a:off x="8418040" y="1804786"/>
+            <a:ext cx="191458" cy="191458"/>
+          </a:xfrm>
+          <a:prstGeom prst="ellipse">
+            <a:avLst/>
+          </a:prstGeom>
+          <a:noFill/>
+          <a:ln w="38100">
+            <a:solidFill>
+              <a:srgbClr val="92D050"/>
+            </a:solidFill>
+          </a:ln>
+        </p:spPr>
+        <p:style>
+          <a:lnRef idx="2">
+            <a:schemeClr val="accent1">
+              <a:shade val="50000"/>
+            </a:schemeClr>
+          </a:lnRef>
+          <a:fillRef idx="1">
+            <a:schemeClr val="accent1"/>
+          </a:fillRef>
+          <a:effectRef idx="0">
+            <a:schemeClr val="accent1"/>
+          </a:effectRef>
+          <a:fontRef idx="minor">
+            <a:schemeClr val="lt1"/>
+          </a:fontRef>
+        </p:style>
+        <p:txBody>
+          <a:bodyPr rtlCol="0" anchor="ctr"/>
+          <a:lstStyle/>
+          <a:p>
+            <a:pPr algn="ctr"/>
+            <a:endParaRPr lang="ko-KR" altLang="en-US"/>
+          </a:p>
+        </p:txBody>
+      </p:sp>
+      <p:sp>
+        <p:nvSpPr>
+          <p:cNvPr id="22" name="TextBox 21">
+            <a:extLst>
+              <a:ext uri="{FF2B5EF4-FFF2-40B4-BE49-F238E27FC236}">
+                <a16:creationId xmlns:a16="http://schemas.microsoft.com/office/drawing/2014/main" id="{C6D0EE38-DAB9-2349-8173-C500BB4D399F}"/>
+              </a:ext>
+            </a:extLst>
+          </p:cNvPr>
+          <p:cNvSpPr txBox="1"/>
+          <p:nvPr/>
+        </p:nvSpPr>
+        <p:spPr>
+          <a:xfrm>
+            <a:off x="3191608" y="5592154"/>
+            <a:ext cx="5808784" cy="276999"/>
+          </a:xfrm>
+          <a:prstGeom prst="rect">
+            <a:avLst/>
+          </a:prstGeom>
+          <a:noFill/>
+        </p:spPr>
+        <p:txBody>
+          <a:bodyPr wrap="square">
+            <a:spAutoFit/>
+          </a:bodyPr>
+          <a:lstStyle/>
+          <a:p>
+            <a:r>
+              <a:rPr lang="ko-KR" altLang="en-US" sz="1200" dirty="0">
+                <a:latin typeface="KoPub돋움체 Bold" panose="02020603020101020101" pitchFamily="18" charset="-127"/>
+                <a:ea typeface="KoPub돋움체 Bold" panose="02020603020101020101" pitchFamily="18" charset="-127"/>
+              </a:rPr>
+              <a:t>인구 피라미드는 피라미드형</a:t>
+            </a:r>
+            <a:r>
+              <a:rPr lang="en-US" altLang="ko-KR" sz="1200" dirty="0">
+                <a:latin typeface="KoPub돋움체 Bold" panose="02020603020101020101" pitchFamily="18" charset="-127"/>
+                <a:ea typeface="KoPub돋움체 Bold" panose="02020603020101020101" pitchFamily="18" charset="-127"/>
+              </a:rPr>
+              <a:t>(</a:t>
+            </a:r>
+            <a:r>
+              <a:rPr lang="ko-KR" altLang="en-US" sz="1200" dirty="0">
+                <a:latin typeface="KoPub돋움체 Bold" panose="02020603020101020101" pitchFamily="18" charset="-127"/>
+                <a:ea typeface="KoPub돋움체 Bold" panose="02020603020101020101" pitchFamily="18" charset="-127"/>
+              </a:rPr>
+              <a:t>후진국</a:t>
+            </a:r>
+            <a:r>
+              <a:rPr lang="en-US" altLang="ko-KR" sz="1200" dirty="0">
+                <a:latin typeface="KoPub돋움체 Bold" panose="02020603020101020101" pitchFamily="18" charset="-127"/>
+                <a:ea typeface="KoPub돋움체 Bold" panose="02020603020101020101" pitchFamily="18" charset="-127"/>
+              </a:rPr>
+              <a:t>)-&gt;</a:t>
+            </a:r>
+            <a:r>
+              <a:rPr lang="ko-KR" altLang="en-US" sz="1200" dirty="0">
+                <a:latin typeface="KoPub돋움체 Bold" panose="02020603020101020101" pitchFamily="18" charset="-127"/>
+                <a:ea typeface="KoPub돋움체 Bold" panose="02020603020101020101" pitchFamily="18" charset="-127"/>
+              </a:rPr>
+              <a:t>종형</a:t>
+            </a:r>
+            <a:r>
+              <a:rPr lang="en-US" altLang="ko-KR" sz="1200" dirty="0">
+                <a:latin typeface="KoPub돋움체 Bold" panose="02020603020101020101" pitchFamily="18" charset="-127"/>
+                <a:ea typeface="KoPub돋움체 Bold" panose="02020603020101020101" pitchFamily="18" charset="-127"/>
+              </a:rPr>
+              <a:t>(</a:t>
+            </a:r>
+            <a:r>
+              <a:rPr lang="ko-KR" altLang="en-US" sz="1200" dirty="0">
+                <a:latin typeface="KoPub돋움체 Bold" panose="02020603020101020101" pitchFamily="18" charset="-127"/>
+                <a:ea typeface="KoPub돋움체 Bold" panose="02020603020101020101" pitchFamily="18" charset="-127"/>
+              </a:rPr>
+              <a:t>중진국</a:t>
+            </a:r>
+            <a:r>
+              <a:rPr lang="en-US" altLang="ko-KR" sz="1200" dirty="0">
+                <a:latin typeface="KoPub돋움체 Bold" panose="02020603020101020101" pitchFamily="18" charset="-127"/>
+                <a:ea typeface="KoPub돋움체 Bold" panose="02020603020101020101" pitchFamily="18" charset="-127"/>
+              </a:rPr>
+              <a:t>)-&gt;</a:t>
+            </a:r>
+            <a:r>
+              <a:rPr lang="ko-KR" altLang="en-US" sz="1200" dirty="0" err="1">
+                <a:latin typeface="KoPub돋움체 Bold" panose="02020603020101020101" pitchFamily="18" charset="-127"/>
+                <a:ea typeface="KoPub돋움체 Bold" panose="02020603020101020101" pitchFamily="18" charset="-127"/>
+              </a:rPr>
+              <a:t>주발형</a:t>
+            </a:r>
+            <a:r>
+              <a:rPr lang="en-US" altLang="ko-KR" sz="1200" dirty="0">
+                <a:latin typeface="KoPub돋움체 Bold" panose="02020603020101020101" pitchFamily="18" charset="-127"/>
+                <a:ea typeface="KoPub돋움체 Bold" panose="02020603020101020101" pitchFamily="18" charset="-127"/>
+              </a:rPr>
+              <a:t>(</a:t>
+            </a:r>
+            <a:r>
+              <a:rPr lang="ko-KR" altLang="en-US" sz="1200" dirty="0">
+                <a:latin typeface="KoPub돋움체 Bold" panose="02020603020101020101" pitchFamily="18" charset="-127"/>
+                <a:ea typeface="KoPub돋움체 Bold" panose="02020603020101020101" pitchFamily="18" charset="-127"/>
+              </a:rPr>
+              <a:t>선진국</a:t>
+            </a:r>
+            <a:r>
+              <a:rPr lang="en-US" altLang="ko-KR" sz="1200" dirty="0">
+                <a:latin typeface="KoPub돋움체 Bold" panose="02020603020101020101" pitchFamily="18" charset="-127"/>
+                <a:ea typeface="KoPub돋움체 Bold" panose="02020603020101020101" pitchFamily="18" charset="-127"/>
+              </a:rPr>
+              <a:t>)</a:t>
+            </a:r>
+            <a:r>
+              <a:rPr lang="ko-KR" altLang="en-US" sz="1200" dirty="0" err="1">
+                <a:latin typeface="KoPub돋움체 Bold" panose="02020603020101020101" pitchFamily="18" charset="-127"/>
+                <a:ea typeface="KoPub돋움체 Bold" panose="02020603020101020101" pitchFamily="18" charset="-127"/>
+              </a:rPr>
+              <a:t>으로</a:t>
+            </a:r>
+            <a:r>
+              <a:rPr lang="ko-KR" altLang="en-US" sz="1200" dirty="0">
+                <a:latin typeface="KoPub돋움체 Bold" panose="02020603020101020101" pitchFamily="18" charset="-127"/>
+                <a:ea typeface="KoPub돋움체 Bold" panose="02020603020101020101" pitchFamily="18" charset="-127"/>
+              </a:rPr>
+              <a:t> 바뀌게 된다</a:t>
+            </a:r>
+            <a:r>
+              <a:rPr lang="en-US" altLang="ko-KR" sz="1200" dirty="0">
+                <a:latin typeface="KoPub돋움체 Bold" panose="02020603020101020101" pitchFamily="18" charset="-127"/>
+                <a:ea typeface="KoPub돋움체 Bold" panose="02020603020101020101" pitchFamily="18" charset="-127"/>
+              </a:rPr>
+              <a:t>.</a:t>
+            </a:r>
+            <a:endParaRPr lang="en-US" altLang="ko-KR" sz="1200" b="0" i="0" dirty="0">
+              <a:effectLst/>
+              <a:latin typeface="KoPub돋움체 Bold" panose="02020603020101020101" pitchFamily="18" charset="-127"/>
+              <a:ea typeface="KoPub돋움체 Bold" panose="02020603020101020101" pitchFamily="18" charset="-127"/>
+            </a:endParaRPr>
+          </a:p>
+        </p:txBody>
+      </p:sp>
+      <p:grpSp>
+        <p:nvGrpSpPr>
+          <p:cNvPr id="24" name="그룹 23">
+            <a:extLst>
+              <a:ext uri="{FF2B5EF4-FFF2-40B4-BE49-F238E27FC236}">
+                <a16:creationId xmlns:a16="http://schemas.microsoft.com/office/drawing/2014/main" id="{17EA6B9E-B6AD-5D4D-9448-D5B92BD3122B}"/>
+              </a:ext>
+            </a:extLst>
+          </p:cNvPr>
+          <p:cNvGrpSpPr/>
+          <p:nvPr/>
+        </p:nvGrpSpPr>
+        <p:grpSpPr>
+          <a:xfrm>
+            <a:off x="967580" y="2946042"/>
+            <a:ext cx="2141584" cy="1703443"/>
+            <a:chOff x="3144188" y="2609453"/>
+            <a:chExt cx="2141584" cy="1703443"/>
+          </a:xfrm>
+        </p:grpSpPr>
+        <p:pic>
+          <p:nvPicPr>
+            <p:cNvPr id="4098" name="Picture 2" descr="주발(周鉢)과 사발(沙鉢)을 구별 못하는 사이버 세대 : 네이버 블로그">
+              <a:extLst>
+                <a:ext uri="{FF2B5EF4-FFF2-40B4-BE49-F238E27FC236}">
+                  <a16:creationId xmlns:a16="http://schemas.microsoft.com/office/drawing/2014/main" id="{77133A9F-0214-DF4C-9EE4-237A751C9899}"/>
+                </a:ext>
+              </a:extLst>
+            </p:cNvPr>
+            <p:cNvPicPr>
+              <a:picLocks noChangeAspect="1" noChangeArrowheads="1"/>
+            </p:cNvPicPr>
+            <p:nvPr/>
+          </p:nvPicPr>
+          <p:blipFill>
+            <a:blip r:embed="rId5">
+              <a:extLst>
+                <a:ext uri="{28A0092B-C50C-407E-A947-70E740481C1C}">
+                  <a14:useLocalDpi xmlns:a14="http://schemas.microsoft.com/office/drawing/2010/main" val="0"/>
+                </a:ext>
+              </a:extLst>
+            </a:blip>
+            <a:srcRect/>
+            <a:stretch>
+              <a:fillRect/>
+            </a:stretch>
+          </p:blipFill>
+          <p:spPr bwMode="auto">
+            <a:xfrm>
+              <a:off x="3144188" y="2609453"/>
+              <a:ext cx="2141584" cy="1425127"/>
+            </a:xfrm>
+            <a:prstGeom prst="rect">
+              <a:avLst/>
+            </a:prstGeom>
+            <a:noFill/>
+            <a:extLst>
+              <a:ext uri="{909E8E84-426E-40DD-AFC4-6F175D3DCCD1}">
+                <a14:hiddenFill xmlns:a14="http://schemas.microsoft.com/office/drawing/2010/main">
+                  <a:solidFill>
+                    <a:srgbClr val="FFFFFF"/>
+                  </a:solidFill>
+                </a14:hiddenFill>
+              </a:ext>
+            </a:extLst>
+          </p:spPr>
+        </p:pic>
+        <p:sp>
+          <p:nvSpPr>
+            <p:cNvPr id="23" name="TextBox 22">
+              <a:extLst>
+                <a:ext uri="{FF2B5EF4-FFF2-40B4-BE49-F238E27FC236}">
+                  <a16:creationId xmlns:a16="http://schemas.microsoft.com/office/drawing/2014/main" id="{86EC9A31-5ECE-8B47-B147-519B2CB5E3F1}"/>
+                </a:ext>
+              </a:extLst>
+            </p:cNvPr>
+            <p:cNvSpPr txBox="1"/>
+            <p:nvPr/>
+          </p:nvSpPr>
+          <p:spPr>
+            <a:xfrm>
+              <a:off x="3987995" y="4035897"/>
+              <a:ext cx="453970" cy="276999"/>
+            </a:xfrm>
+            <a:prstGeom prst="rect">
+              <a:avLst/>
+            </a:prstGeom>
+            <a:noFill/>
+          </p:spPr>
+          <p:txBody>
+            <a:bodyPr wrap="none" rtlCol="0">
+              <a:spAutoFit/>
+            </a:bodyPr>
+            <a:lstStyle/>
+            <a:p>
+              <a:r>
+                <a:rPr kumimoji="1" lang="ko-Kore-KR" altLang="en-US" sz="1200" b="1" dirty="0">
+                  <a:latin typeface="KoPubDotum Bold" pitchFamily="2" charset="-127"/>
+                  <a:ea typeface="KoPubDotum Bold" pitchFamily="2" charset="-127"/>
+                </a:rPr>
+                <a:t>주발</a:t>
+              </a:r>
+            </a:p>
+          </p:txBody>
+        </p:sp>
+      </p:grpSp>
+    </p:spTree>
+    <p:extLst>
+      <p:ext uri="{BB962C8B-B14F-4D97-AF65-F5344CB8AC3E}">
+        <p14:creationId xmlns:p14="http://schemas.microsoft.com/office/powerpoint/2010/main" val="1224025275"/>
+      </p:ext>
+    </p:extLst>
+  </p:cSld>
+  <p:clrMapOvr>
+    <a:masterClrMapping/>
+  </p:clrMapOvr>
+</p:sld>
+</file>
+
+<file path=ppt/slides/slide19.xml><?xml version="1.0" encoding="utf-8"?>
+<p:sld xmlns:a="http://schemas.openxmlformats.org/drawingml/2006/main" xmlns:r="http://schemas.openxmlformats.org/officeDocument/2006/relationships" xmlns:p="http://schemas.openxmlformats.org/presentationml/2006/main">
+  <p:cSld>
+    <p:spTree>
+      <p:nvGrpSpPr>
+        <p:cNvPr id="1" name=""/>
+        <p:cNvGrpSpPr/>
+        <p:nvPr/>
+      </p:nvGrpSpPr>
+      <p:grpSpPr>
+        <a:xfrm>
+          <a:off x="0" y="0"/>
+          <a:ext cx="0" cy="0"/>
+          <a:chOff x="0" y="0"/>
+          <a:chExt cx="0" cy="0"/>
+        </a:xfrm>
+      </p:grpSpPr>
+      <p:pic>
+        <p:nvPicPr>
+          <p:cNvPr id="4" name="그림 3">
+            <a:extLst>
+              <a:ext uri="{FF2B5EF4-FFF2-40B4-BE49-F238E27FC236}">
+                <a16:creationId xmlns:a16="http://schemas.microsoft.com/office/drawing/2014/main" id="{9342B370-F288-2441-BE67-8BC69D794D2C}"/>
+              </a:ext>
+            </a:extLst>
+          </p:cNvPr>
+          <p:cNvPicPr>
+            <a:picLocks noChangeAspect="1"/>
+          </p:cNvPicPr>
+          <p:nvPr/>
+        </p:nvPicPr>
+        <p:blipFill>
+          <a:blip r:embed="rId2">
+            <a:extLst>
+              <a:ext uri="{28A0092B-C50C-407E-A947-70E740481C1C}">
+                <a14:useLocalDpi xmlns:a14="http://schemas.microsoft.com/office/drawing/2010/main" val="0"/>
+              </a:ext>
+            </a:extLst>
+          </a:blip>
+          <a:stretch>
+            <a:fillRect/>
+          </a:stretch>
+        </p:blipFill>
+        <p:spPr>
+          <a:xfrm>
+            <a:off x="1724786" y="1767809"/>
+            <a:ext cx="3363318" cy="1368929"/>
+          </a:xfrm>
+          <a:prstGeom prst="rect">
+            <a:avLst/>
+          </a:prstGeom>
+        </p:spPr>
+      </p:pic>
+      <p:sp>
+        <p:nvSpPr>
+          <p:cNvPr id="5" name="TextBox 4">
+            <a:extLst>
+              <a:ext uri="{FF2B5EF4-FFF2-40B4-BE49-F238E27FC236}">
+                <a16:creationId xmlns:a16="http://schemas.microsoft.com/office/drawing/2014/main" id="{51FDA795-182F-8542-A530-0663D54ABDDC}"/>
+              </a:ext>
+            </a:extLst>
+          </p:cNvPr>
+          <p:cNvSpPr txBox="1"/>
+          <p:nvPr/>
+        </p:nvSpPr>
+        <p:spPr>
+          <a:xfrm>
+            <a:off x="1724786" y="1490810"/>
+            <a:ext cx="2097031" cy="276999"/>
+          </a:xfrm>
+          <a:prstGeom prst="rect">
+            <a:avLst/>
+          </a:prstGeom>
+          <a:noFill/>
+        </p:spPr>
+        <p:txBody>
+          <a:bodyPr wrap="square" rtlCol="0">
+            <a:spAutoFit/>
+          </a:bodyPr>
+          <a:lstStyle/>
+          <a:p>
+            <a:r>
+              <a:rPr lang="en-US" altLang="ko-KR" sz="1200" dirty="0">
+                <a:latin typeface="KoPub돋움체 Bold" panose="02020603020101020101" pitchFamily="18" charset="-127"/>
+                <a:ea typeface="KoPub돋움체 Bold" panose="02020603020101020101" pitchFamily="18" charset="-127"/>
+              </a:rPr>
+              <a:t>2019</a:t>
+            </a:r>
+            <a:r>
+              <a:rPr lang="ko-KR" altLang="en-US" sz="1200" dirty="0">
+                <a:latin typeface="KoPub돋움체 Bold" panose="02020603020101020101" pitchFamily="18" charset="-127"/>
+                <a:ea typeface="KoPub돋움체 Bold" panose="02020603020101020101" pitchFamily="18" charset="-127"/>
+              </a:rPr>
+              <a:t>년도 </a:t>
+            </a:r>
+            <a:r>
+              <a:rPr lang="en-US" altLang="ko-KR" sz="1200" dirty="0">
+                <a:latin typeface="KoPub돋움체 Bold" panose="02020603020101020101" pitchFamily="18" charset="-127"/>
+                <a:ea typeface="KoPub돋움체 Bold" panose="02020603020101020101" pitchFamily="18" charset="-127"/>
+              </a:rPr>
+              <a:t>1</a:t>
+            </a:r>
+            <a:r>
+              <a:rPr lang="ko-KR" altLang="en-US" sz="1200" dirty="0">
+                <a:latin typeface="KoPub돋움체 Bold" panose="02020603020101020101" pitchFamily="18" charset="-127"/>
+                <a:ea typeface="KoPub돋움체 Bold" panose="02020603020101020101" pitchFamily="18" charset="-127"/>
+              </a:rPr>
+              <a:t>학기</a:t>
+            </a:r>
+          </a:p>
+        </p:txBody>
+      </p:sp>
+      <p:sp>
+        <p:nvSpPr>
+          <p:cNvPr id="6" name="TextBox 5">
+            <a:extLst>
+              <a:ext uri="{FF2B5EF4-FFF2-40B4-BE49-F238E27FC236}">
+                <a16:creationId xmlns:a16="http://schemas.microsoft.com/office/drawing/2014/main" id="{8E43AB6C-6AF7-044E-A440-648586FAB598}"/>
+              </a:ext>
+            </a:extLst>
+          </p:cNvPr>
+          <p:cNvSpPr txBox="1"/>
+          <p:nvPr/>
+        </p:nvSpPr>
+        <p:spPr>
+          <a:xfrm>
+            <a:off x="2884983" y="1521588"/>
+            <a:ext cx="1182134" cy="246221"/>
+          </a:xfrm>
+          <a:prstGeom prst="rect">
+            <a:avLst/>
+          </a:prstGeom>
+          <a:solidFill>
+            <a:schemeClr val="accent2">
+              <a:lumMod val="20000"/>
+              <a:lumOff val="80000"/>
+            </a:schemeClr>
+          </a:solidFill>
+        </p:spPr>
+        <p:txBody>
+          <a:bodyPr wrap="square" rtlCol="0">
+            <a:spAutoFit/>
+          </a:bodyPr>
+          <a:lstStyle/>
+          <a:p>
+            <a:r>
+              <a:rPr lang="en-US" altLang="ko-KR" sz="1000" dirty="0">
+                <a:latin typeface="KoPubWorld돋움체 Bold" panose="00000800000000000000" pitchFamily="2" charset="-127"/>
+                <a:ea typeface="KoPubWorld돋움체 Bold" panose="00000800000000000000" pitchFamily="2" charset="-127"/>
+                <a:cs typeface="KoPubWorld돋움체 Bold" panose="00000800000000000000" pitchFamily="2" charset="-127"/>
+              </a:rPr>
+              <a:t>2</a:t>
+            </a:r>
+            <a:r>
+              <a:rPr lang="ko-KR" altLang="en-US" sz="1000" dirty="0">
+                <a:latin typeface="KoPubWorld돋움체 Bold" panose="00000800000000000000" pitchFamily="2" charset="-127"/>
+                <a:ea typeface="KoPubWorld돋움체 Bold" panose="00000800000000000000" pitchFamily="2" charset="-127"/>
+                <a:cs typeface="KoPubWorld돋움체 Bold" panose="00000800000000000000" pitchFamily="2" charset="-127"/>
+              </a:rPr>
+              <a:t>장 연습문제 </a:t>
+            </a:r>
+            <a:r>
+              <a:rPr lang="en-US" altLang="ko-KR" sz="1000" dirty="0">
+                <a:latin typeface="KoPubWorld돋움체 Bold" panose="00000800000000000000" pitchFamily="2" charset="-127"/>
+                <a:ea typeface="KoPubWorld돋움체 Bold" panose="00000800000000000000" pitchFamily="2" charset="-127"/>
+                <a:cs typeface="KoPubWorld돋움체 Bold" panose="00000800000000000000" pitchFamily="2" charset="-127"/>
+              </a:rPr>
+              <a:t>5</a:t>
+            </a:r>
+            <a:r>
+              <a:rPr lang="ko-KR" altLang="en-US" sz="1000" dirty="0">
+                <a:latin typeface="KoPubWorld돋움체 Bold" panose="00000800000000000000" pitchFamily="2" charset="-127"/>
+                <a:ea typeface="KoPubWorld돋움체 Bold" panose="00000800000000000000" pitchFamily="2" charset="-127"/>
+                <a:cs typeface="KoPubWorld돋움체 Bold" panose="00000800000000000000" pitchFamily="2" charset="-127"/>
+              </a:rPr>
+              <a:t>번</a:t>
+            </a:r>
+          </a:p>
+        </p:txBody>
+      </p:sp>
+      <p:sp>
+        <p:nvSpPr>
+          <p:cNvPr id="7" name="TextBox 6">
+            <a:extLst>
+              <a:ext uri="{FF2B5EF4-FFF2-40B4-BE49-F238E27FC236}">
+                <a16:creationId xmlns:a16="http://schemas.microsoft.com/office/drawing/2014/main" id="{B9EB487F-E681-B745-A4FA-220B3D9C2F92}"/>
+              </a:ext>
+            </a:extLst>
+          </p:cNvPr>
+          <p:cNvSpPr txBox="1"/>
+          <p:nvPr/>
+        </p:nvSpPr>
+        <p:spPr>
+          <a:xfrm>
+            <a:off x="3191608" y="5592154"/>
+            <a:ext cx="5808784" cy="646331"/>
+          </a:xfrm>
+          <a:prstGeom prst="rect">
+            <a:avLst/>
+          </a:prstGeom>
+          <a:noFill/>
+        </p:spPr>
+        <p:txBody>
+          <a:bodyPr wrap="square">
+            <a:spAutoFit/>
+          </a:bodyPr>
+          <a:lstStyle/>
+          <a:p>
+            <a:r>
+              <a:rPr lang="ko-KR" altLang="en-US" sz="1200" b="0" i="0" dirty="0">
+                <a:effectLst/>
+                <a:latin typeface="KoPub돋움체 Bold" panose="02020603020101020101" pitchFamily="18" charset="-127"/>
+                <a:ea typeface="KoPub돋움체 Bold" panose="02020603020101020101" pitchFamily="18" charset="-127"/>
+              </a:rPr>
+              <a:t>보통 조</a:t>
+            </a:r>
+            <a:r>
+              <a:rPr lang="en-US" altLang="ko-KR" sz="1200" dirty="0">
+                <a:latin typeface="KoPub돋움체 Bold" panose="02020603020101020101" pitchFamily="18" charset="-127"/>
+                <a:ea typeface="KoPub돋움체 Bold" panose="02020603020101020101" pitchFamily="18" charset="-127"/>
+              </a:rPr>
+              <a:t>X</a:t>
+            </a:r>
+            <a:r>
+              <a:rPr lang="ko-KR" altLang="en-US" sz="1200" b="0" i="0" dirty="0">
+                <a:effectLst/>
+                <a:latin typeface="KoPub돋움체 Bold" panose="02020603020101020101" pitchFamily="18" charset="-127"/>
+                <a:ea typeface="KoPub돋움체 Bold" panose="02020603020101020101" pitchFamily="18" charset="-127"/>
+              </a:rPr>
+              <a:t>시리즈의 답을 </a:t>
+            </a:r>
+            <a:r>
+              <a:rPr lang="ko-KR" altLang="en-US" sz="1200" b="0" i="0" dirty="0" err="1">
+                <a:effectLst/>
+                <a:latin typeface="KoPub돋움체 Bold" panose="02020603020101020101" pitchFamily="18" charset="-127"/>
+                <a:ea typeface="KoPub돋움체 Bold" panose="02020603020101020101" pitchFamily="18" charset="-127"/>
+              </a:rPr>
+              <a:t>구할때는</a:t>
+            </a:r>
+            <a:r>
+              <a:rPr lang="ko-KR" altLang="en-US" sz="1200" b="0" i="0" dirty="0">
+                <a:effectLst/>
+                <a:latin typeface="KoPub돋움체 Bold" panose="02020603020101020101" pitchFamily="18" charset="-127"/>
+                <a:ea typeface="KoPub돋움체 Bold" panose="02020603020101020101" pitchFamily="18" charset="-127"/>
+              </a:rPr>
+              <a:t> </a:t>
+            </a:r>
+            <a:r>
+              <a:rPr lang="en-US" altLang="ko-KR" sz="1200" b="0" i="0" dirty="0">
+                <a:effectLst/>
+                <a:latin typeface="KoPub돋움체 Bold" panose="02020603020101020101" pitchFamily="18" charset="-127"/>
+                <a:ea typeface="KoPub돋움체 Bold" panose="02020603020101020101" pitchFamily="18" charset="-127"/>
+              </a:rPr>
+              <a:t>(</a:t>
+            </a:r>
+            <a:r>
+              <a:rPr lang="en-US" altLang="ko-KR" sz="1200" dirty="0">
+                <a:latin typeface="KoPub돋움체 Bold" panose="02020603020101020101" pitchFamily="18" charset="-127"/>
+                <a:ea typeface="KoPub돋움체 Bold" panose="02020603020101020101" pitchFamily="18" charset="-127"/>
+              </a:rPr>
+              <a:t>X</a:t>
+            </a:r>
+            <a:r>
+              <a:rPr lang="ko-KR" altLang="en-US" sz="1200" dirty="0">
+                <a:latin typeface="KoPub돋움체 Bold" panose="02020603020101020101" pitchFamily="18" charset="-127"/>
+                <a:ea typeface="KoPub돋움체 Bold" panose="02020603020101020101" pitchFamily="18" charset="-127"/>
+              </a:rPr>
+              <a:t>의 수</a:t>
+            </a:r>
+            <a:r>
+              <a:rPr lang="en-US" altLang="ko-KR" sz="1200" dirty="0">
+                <a:latin typeface="KoPub돋움체 Bold" panose="02020603020101020101" pitchFamily="18" charset="-127"/>
+                <a:ea typeface="KoPub돋움체 Bold" panose="02020603020101020101" pitchFamily="18" charset="-127"/>
+              </a:rPr>
+              <a:t>/</a:t>
+            </a:r>
+            <a:r>
+              <a:rPr lang="ko-KR" altLang="en-US" sz="1200" dirty="0" err="1">
+                <a:latin typeface="KoPub돋움체 Bold" panose="02020603020101020101" pitchFamily="18" charset="-127"/>
+                <a:ea typeface="KoPub돋움체 Bold" panose="02020603020101020101" pitchFamily="18" charset="-127"/>
+              </a:rPr>
+              <a:t>연앙인구</a:t>
+            </a:r>
+            <a:r>
+              <a:rPr lang="en-US" altLang="ko-KR" sz="1200" dirty="0">
+                <a:latin typeface="KoPub돋움체 Bold" panose="02020603020101020101" pitchFamily="18" charset="-127"/>
+                <a:ea typeface="KoPub돋움체 Bold" panose="02020603020101020101" pitchFamily="18" charset="-127"/>
+              </a:rPr>
+              <a:t>)</a:t>
+            </a:r>
+            <a:r>
+              <a:rPr lang="ko-KR" altLang="en-US" sz="1200" dirty="0">
+                <a:latin typeface="KoPub돋움체 Bold" panose="02020603020101020101" pitchFamily="18" charset="-127"/>
+                <a:ea typeface="KoPub돋움체 Bold" panose="02020603020101020101" pitchFamily="18" charset="-127"/>
+              </a:rPr>
+              <a:t> </a:t>
+            </a:r>
+            <a:r>
+              <a:rPr lang="en-US" altLang="ko-Kore-KR" sz="1200" b="1" dirty="0">
+                <a:latin typeface="KoPubDotum Bold" pitchFamily="2" charset="-127"/>
+                <a:ea typeface="KoPubDotum Bold" pitchFamily="2" charset="-127"/>
+              </a:rPr>
+              <a:t>×</a:t>
+            </a:r>
+            <a:r>
+              <a:rPr lang="ko-KR" altLang="en-US" sz="1200" b="1" dirty="0">
+                <a:latin typeface="KoPubDotum Bold" pitchFamily="2" charset="-127"/>
+                <a:ea typeface="KoPubDotum Bold" pitchFamily="2" charset="-127"/>
+              </a:rPr>
+              <a:t> </a:t>
+            </a:r>
+            <a:r>
+              <a:rPr lang="en-US" altLang="ko-KR" sz="1200" b="1" dirty="0">
+                <a:latin typeface="KoPubDotum Bold" pitchFamily="2" charset="-127"/>
+                <a:ea typeface="KoPubDotum Bold" pitchFamily="2" charset="-127"/>
+              </a:rPr>
+              <a:t>1000</a:t>
+            </a:r>
+            <a:r>
+              <a:rPr lang="ko-KR" altLang="en-US" sz="1200" b="1" dirty="0" err="1">
+                <a:latin typeface="KoPubDotum Bold" pitchFamily="2" charset="-127"/>
+                <a:ea typeface="KoPubDotum Bold" pitchFamily="2" charset="-127"/>
+              </a:rPr>
+              <a:t>으로</a:t>
+            </a:r>
+            <a:r>
+              <a:rPr lang="ko-KR" altLang="en-US" sz="1200" b="1" dirty="0">
+                <a:latin typeface="KoPubDotum Bold" pitchFamily="2" charset="-127"/>
+                <a:ea typeface="KoPubDotum Bold" pitchFamily="2" charset="-127"/>
+              </a:rPr>
+              <a:t> 구한다</a:t>
+            </a:r>
+            <a:r>
+              <a:rPr lang="en-US" altLang="ko-KR" sz="1200" b="1" dirty="0">
+                <a:latin typeface="KoPubDotum Bold" pitchFamily="2" charset="-127"/>
+                <a:ea typeface="KoPubDotum Bold" pitchFamily="2" charset="-127"/>
+              </a:rPr>
+              <a:t>.</a:t>
+            </a:r>
+          </a:p>
+          <a:p>
+            <a:r>
+              <a:rPr lang="ko-KR" altLang="en-US" sz="1200" b="1" dirty="0">
+                <a:latin typeface="KoPubDotum Bold" pitchFamily="2" charset="-127"/>
+                <a:ea typeface="KoPubDotum Bold" pitchFamily="2" charset="-127"/>
+              </a:rPr>
+              <a:t>보통은 천분율을 사용하기에 </a:t>
+            </a:r>
+            <a:r>
+              <a:rPr lang="en-US" altLang="ko-KR" sz="1200" b="1" dirty="0">
+                <a:latin typeface="KoPubDotum Bold" pitchFamily="2" charset="-127"/>
+                <a:ea typeface="KoPubDotum Bold" pitchFamily="2" charset="-127"/>
+              </a:rPr>
+              <a:t>1000</a:t>
+            </a:r>
+            <a:r>
+              <a:rPr lang="ko-KR" altLang="en-US" sz="1200" b="1" dirty="0">
+                <a:latin typeface="KoPubDotum Bold" pitchFamily="2" charset="-127"/>
+                <a:ea typeface="KoPubDotum Bold" pitchFamily="2" charset="-127"/>
+              </a:rPr>
+              <a:t>을 곱한다 </a:t>
+            </a:r>
+            <a:r>
+              <a:rPr lang="en-US" altLang="ko-KR" sz="1200" b="1" dirty="0">
+                <a:latin typeface="KoPubDotum Bold" pitchFamily="2" charset="-127"/>
+                <a:ea typeface="KoPubDotum Bold" pitchFamily="2" charset="-127"/>
+              </a:rPr>
+              <a:t>=</a:t>
+            </a:r>
+            <a:r>
+              <a:rPr lang="ko-KR" altLang="en-US" sz="1200" b="1" dirty="0">
+                <a:latin typeface="KoPubDotum Bold" pitchFamily="2" charset="-127"/>
+                <a:ea typeface="KoPubDotum Bold" pitchFamily="2" charset="-127"/>
+              </a:rPr>
+              <a:t> 인구 </a:t>
+            </a:r>
+            <a:r>
+              <a:rPr lang="en-US" altLang="ko-KR" sz="1200" b="1" dirty="0">
+                <a:latin typeface="KoPubDotum Bold" pitchFamily="2" charset="-127"/>
+                <a:ea typeface="KoPubDotum Bold" pitchFamily="2" charset="-127"/>
+              </a:rPr>
+              <a:t>1000</a:t>
+            </a:r>
+            <a:r>
+              <a:rPr lang="ko-KR" altLang="en-US" sz="1200" b="1" dirty="0">
+                <a:latin typeface="KoPubDotum Bold" pitchFamily="2" charset="-127"/>
+                <a:ea typeface="KoPubDotum Bold" pitchFamily="2" charset="-127"/>
+              </a:rPr>
+              <a:t>명당</a:t>
+            </a:r>
+            <a:endParaRPr lang="en-US" altLang="ko-KR" sz="1200" b="1" dirty="0">
+              <a:latin typeface="KoPubDotum Bold" pitchFamily="2" charset="-127"/>
+              <a:ea typeface="KoPubDotum Bold" pitchFamily="2" charset="-127"/>
+            </a:endParaRPr>
+          </a:p>
+          <a:p>
+            <a:r>
+              <a:rPr lang="en-US" altLang="ko-KR" sz="1200" b="1" i="0" dirty="0">
+                <a:effectLst/>
+                <a:latin typeface="KoPubDotum Bold" pitchFamily="2" charset="-127"/>
+                <a:ea typeface="KoPubDotum Bold" pitchFamily="2" charset="-127"/>
+              </a:rPr>
+              <a:t>ex) </a:t>
+            </a:r>
+            <a:r>
+              <a:rPr lang="ko-KR" altLang="en-US" sz="1200" b="1" i="0" dirty="0" err="1">
+                <a:effectLst/>
+                <a:latin typeface="KoPubDotum Bold" pitchFamily="2" charset="-127"/>
+                <a:ea typeface="KoPubDotum Bold" pitchFamily="2" charset="-127"/>
+              </a:rPr>
+              <a:t>조혼인율</a:t>
+            </a:r>
+            <a:r>
+              <a:rPr lang="en-US" altLang="ko-KR" sz="1200" b="1" i="0" dirty="0">
+                <a:effectLst/>
+                <a:latin typeface="KoPubDotum Bold" pitchFamily="2" charset="-127"/>
+                <a:ea typeface="KoPubDotum Bold" pitchFamily="2" charset="-127"/>
+              </a:rPr>
+              <a:t>,</a:t>
+            </a:r>
+            <a:r>
+              <a:rPr lang="ko-KR" altLang="en-US" sz="1200" b="1" i="0" dirty="0">
+                <a:effectLst/>
+                <a:latin typeface="KoPubDotum Bold" pitchFamily="2" charset="-127"/>
+                <a:ea typeface="KoPubDotum Bold" pitchFamily="2" charset="-127"/>
+              </a:rPr>
+              <a:t> </a:t>
+            </a:r>
+            <a:r>
+              <a:rPr lang="ko-KR" altLang="en-US" sz="1200" b="1" i="0" dirty="0" err="1">
+                <a:effectLst/>
+                <a:latin typeface="KoPubDotum Bold" pitchFamily="2" charset="-127"/>
+                <a:ea typeface="KoPubDotum Bold" pitchFamily="2" charset="-127"/>
+              </a:rPr>
+              <a:t>조이혼율</a:t>
+            </a:r>
+            <a:r>
+              <a:rPr lang="en-US" altLang="ko-KR" sz="1200" b="1" i="0" dirty="0">
+                <a:effectLst/>
+                <a:latin typeface="KoPubDotum Bold" pitchFamily="2" charset="-127"/>
+                <a:ea typeface="KoPubDotum Bold" pitchFamily="2" charset="-127"/>
+              </a:rPr>
+              <a:t>,</a:t>
+            </a:r>
+            <a:r>
+              <a:rPr lang="ko-KR" altLang="en-US" sz="1200" b="1" i="0" dirty="0">
+                <a:effectLst/>
+                <a:latin typeface="KoPubDotum Bold" pitchFamily="2" charset="-127"/>
+                <a:ea typeface="KoPubDotum Bold" pitchFamily="2" charset="-127"/>
+              </a:rPr>
+              <a:t> </a:t>
+            </a:r>
+            <a:r>
+              <a:rPr lang="ko-KR" altLang="en-US" sz="1200" b="1" i="0" dirty="0" err="1">
+                <a:effectLst/>
+                <a:latin typeface="KoPubDotum Bold" pitchFamily="2" charset="-127"/>
+                <a:ea typeface="KoPubDotum Bold" pitchFamily="2" charset="-127"/>
+              </a:rPr>
+              <a:t>조사망률</a:t>
+            </a:r>
+            <a:r>
+              <a:rPr lang="en-US" altLang="ko-KR" sz="1200" b="1" i="0" dirty="0">
+                <a:effectLst/>
+                <a:latin typeface="KoPubDotum Bold" pitchFamily="2" charset="-127"/>
+                <a:ea typeface="KoPubDotum Bold" pitchFamily="2" charset="-127"/>
+              </a:rPr>
+              <a:t>,</a:t>
+            </a:r>
+            <a:r>
+              <a:rPr lang="ko-KR" altLang="en-US" sz="1200" b="1" i="0" dirty="0">
+                <a:effectLst/>
+                <a:latin typeface="KoPubDotum Bold" pitchFamily="2" charset="-127"/>
+                <a:ea typeface="KoPubDotum Bold" pitchFamily="2" charset="-127"/>
+              </a:rPr>
+              <a:t> </a:t>
+            </a:r>
+            <a:r>
+              <a:rPr lang="ko-KR" altLang="en-US" sz="1200" b="1" i="0" dirty="0" err="1">
+                <a:effectLst/>
+                <a:latin typeface="KoPubDotum Bold" pitchFamily="2" charset="-127"/>
+                <a:ea typeface="KoPubDotum Bold" pitchFamily="2" charset="-127"/>
+              </a:rPr>
+              <a:t>조출생률</a:t>
+            </a:r>
+            <a:endParaRPr lang="en-US" altLang="ko-KR" sz="1200" b="0" i="0" dirty="0">
+              <a:effectLst/>
+              <a:latin typeface="KoPub돋움체 Bold" panose="02020603020101020101" pitchFamily="18" charset="-127"/>
+              <a:ea typeface="KoPub돋움체 Bold" panose="02020603020101020101" pitchFamily="18" charset="-127"/>
+            </a:endParaRPr>
+          </a:p>
+        </p:txBody>
+      </p:sp>
+      <p:sp>
+        <p:nvSpPr>
+          <p:cNvPr id="8" name="직사각형 7">
+            <a:extLst>
+              <a:ext uri="{FF2B5EF4-FFF2-40B4-BE49-F238E27FC236}">
+                <a16:creationId xmlns:a16="http://schemas.microsoft.com/office/drawing/2014/main" id="{1147AC81-909D-DF4D-A9D6-690F451C8C4D}"/>
+              </a:ext>
+            </a:extLst>
+          </p:cNvPr>
+          <p:cNvSpPr/>
+          <p:nvPr/>
+        </p:nvSpPr>
+        <p:spPr>
+          <a:xfrm>
+            <a:off x="1875510" y="2344495"/>
+            <a:ext cx="1675503" cy="276999"/>
+          </a:xfrm>
+          <a:prstGeom prst="rect">
+            <a:avLst/>
+          </a:prstGeom>
+          <a:noFill/>
+          <a:ln w="25400">
+            <a:solidFill>
+              <a:srgbClr val="C00000"/>
+            </a:solidFill>
+          </a:ln>
+        </p:spPr>
+        <p:style>
+          <a:lnRef idx="2">
+            <a:schemeClr val="accent1">
+              <a:shade val="50000"/>
+            </a:schemeClr>
+          </a:lnRef>
+          <a:fillRef idx="1">
+            <a:schemeClr val="accent1"/>
+          </a:fillRef>
+          <a:effectRef idx="0">
+            <a:schemeClr val="accent1"/>
+          </a:effectRef>
+          <a:fontRef idx="minor">
+            <a:schemeClr val="lt1"/>
+          </a:fontRef>
+        </p:style>
+        <p:txBody>
+          <a:bodyPr rtlCol="0" anchor="ctr"/>
+          <a:lstStyle/>
+          <a:p>
+            <a:pPr algn="ctr"/>
+            <a:endParaRPr lang="ko-KR" altLang="en-US"/>
+          </a:p>
+        </p:txBody>
+      </p:sp>
+    </p:spTree>
+    <p:extLst>
+      <p:ext uri="{BB962C8B-B14F-4D97-AF65-F5344CB8AC3E}">
+        <p14:creationId xmlns:p14="http://schemas.microsoft.com/office/powerpoint/2010/main" val="1391026012"/>
       </p:ext>
     </p:extLst>
   </p:cSld>

--- a/previous_question/2장-인구통계.pptx
+++ b/previous_question/2장-인구통계.pptx
@@ -6,7 +6,7 @@
   </p:sldMasterIdLst>
   <p:sldIdLst>
     <p:sldId id="256" r:id="rId2"/>
-    <p:sldId id="273" r:id="rId3"/>
+    <p:sldId id="291" r:id="rId3"/>
     <p:sldId id="257" r:id="rId4"/>
     <p:sldId id="274" r:id="rId5"/>
     <p:sldId id="277" r:id="rId6"/>
@@ -3346,10 +3346,10 @@
       </p:grpSpPr>
       <p:sp>
         <p:nvSpPr>
-          <p:cNvPr id="4" name="TextBox 3">
-            <a:extLst>
-              <a:ext uri="{FF2B5EF4-FFF2-40B4-BE49-F238E27FC236}">
-                <a16:creationId xmlns:a16="http://schemas.microsoft.com/office/drawing/2014/main" id="{9FC62DD7-FB39-49A4-817B-FEC41D986E55}"/>
+          <p:cNvPr id="3" name="TextBox 2">
+            <a:extLst>
+              <a:ext uri="{FF2B5EF4-FFF2-40B4-BE49-F238E27FC236}">
+                <a16:creationId xmlns:a16="http://schemas.microsoft.com/office/drawing/2014/main" id="{B5531181-36DE-B44E-BAB3-FD8BB1493321}"/>
               </a:ext>
             </a:extLst>
           </p:cNvPr>
@@ -3358,7 +3358,7 @@
         </p:nvSpPr>
         <p:spPr>
           <a:xfrm>
-            <a:off x="3499338" y="3075057"/>
+            <a:off x="3499338" y="3119935"/>
             <a:ext cx="5193323" cy="707886"/>
           </a:xfrm>
           <a:prstGeom prst="rect">
@@ -9952,7 +9952,7 @@
     </p:spTree>
     <p:extLst>
       <p:ext uri="{BB962C8B-B14F-4D97-AF65-F5344CB8AC3E}">
-        <p14:creationId xmlns:p14="http://schemas.microsoft.com/office/powerpoint/2010/main" val="141924261"/>
+        <p14:creationId xmlns:p14="http://schemas.microsoft.com/office/powerpoint/2010/main" val="903508083"/>
       </p:ext>
     </p:extLst>
   </p:cSld>
